--- a/doc/ai/presentation/template.pptx
+++ b/doc/ai/presentation/template.pptx
@@ -4,6 +4,17 @@
   <p:sldMasterIdLst>
     <p:sldMasterId id="2147483648" r:id="rId1"/>
   </p:sldMasterIdLst>
+  <p:notesMasterIdLst>
+    <p:notesMasterId r:id="rId8"/>
+  </p:notesMasterIdLst>
+  <p:sldIdLst>
+    <p:sldId id="2147483645" r:id="rId2"/>
+    <p:sldId id="2147483644" r:id="rId3"/>
+    <p:sldId id="394" r:id="rId4"/>
+    <p:sldId id="348" r:id="rId5"/>
+    <p:sldId id="259" r:id="rId6"/>
+    <p:sldId id="261" r:id="rId7"/>
+  </p:sldIdLst>
   <p:sldSz cx="12192000" cy="6858000"/>
   <p:notesSz cx="6858000" cy="9144000"/>
   <p:defaultTextStyle>
@@ -109,6 +120,1436 @@
 </p:presentation>
 </file>
 
+<file path=ppt/notesMasters/notesMaster1.xml><?xml version="1.0" encoding="utf-8"?>
+<p:notesMaster xmlns:a="http://schemas.openxmlformats.org/drawingml/2006/main" xmlns:r="http://schemas.openxmlformats.org/officeDocument/2006/relationships" xmlns:p="http://schemas.openxmlformats.org/presentationml/2006/main">
+  <p:cSld>
+    <p:bg>
+      <p:bgRef idx="1001">
+        <a:schemeClr val="bg1"/>
+      </p:bgRef>
+    </p:bg>
+    <p:spTree>
+      <p:nvGrpSpPr>
+        <p:cNvPr id="1" name=""/>
+        <p:cNvGrpSpPr/>
+        <p:nvPr/>
+      </p:nvGrpSpPr>
+      <p:grpSpPr>
+        <a:xfrm>
+          <a:off x="0" y="0"/>
+          <a:ext cx="0" cy="0"/>
+          <a:chOff x="0" y="0"/>
+          <a:chExt cx="0" cy="0"/>
+        </a:xfrm>
+      </p:grpSpPr>
+      <p:sp>
+        <p:nvSpPr>
+          <p:cNvPr id="2" name="Header Placeholder 1"/>
+          <p:cNvSpPr>
+            <a:spLocks noGrp="1"/>
+          </p:cNvSpPr>
+          <p:nvPr>
+            <p:ph type="hdr" sz="quarter"/>
+          </p:nvPr>
+        </p:nvSpPr>
+        <p:spPr>
+          <a:xfrm>
+            <a:off x="0" y="0"/>
+            <a:ext cx="2971800" cy="458788"/>
+          </a:xfrm>
+          <a:prstGeom prst="rect">
+            <a:avLst/>
+          </a:prstGeom>
+        </p:spPr>
+        <p:txBody>
+          <a:bodyPr vert="horz" lIns="91440" tIns="45720" rIns="91440" bIns="45720" rtlCol="0"/>
+          <a:lstStyle>
+            <a:lvl1pPr algn="l">
+              <a:defRPr sz="1200"/>
+            </a:lvl1pPr>
+          </a:lstStyle>
+          <a:p>
+            <a:endParaRPr lang="de-DE"/>
+          </a:p>
+        </p:txBody>
+      </p:sp>
+      <p:sp>
+        <p:nvSpPr>
+          <p:cNvPr id="3" name="Date Placeholder 2"/>
+          <p:cNvSpPr>
+            <a:spLocks noGrp="1"/>
+          </p:cNvSpPr>
+          <p:nvPr>
+            <p:ph type="dt" idx="1"/>
+          </p:nvPr>
+        </p:nvSpPr>
+        <p:spPr>
+          <a:xfrm>
+            <a:off x="3884613" y="0"/>
+            <a:ext cx="2971800" cy="458788"/>
+          </a:xfrm>
+          <a:prstGeom prst="rect">
+            <a:avLst/>
+          </a:prstGeom>
+        </p:spPr>
+        <p:txBody>
+          <a:bodyPr vert="horz" lIns="91440" tIns="45720" rIns="91440" bIns="45720" rtlCol="0"/>
+          <a:lstStyle>
+            <a:lvl1pPr algn="r">
+              <a:defRPr sz="1200"/>
+            </a:lvl1pPr>
+          </a:lstStyle>
+          <a:p>
+            <a:fld id="{8993A166-1F31-487E-8A46-D11B4D0E59FD}" type="datetimeFigureOut">
+              <a:rPr lang="de-DE" smtClean="0"/>
+              <a:t>11.01.2026</a:t>
+            </a:fld>
+            <a:endParaRPr lang="de-DE"/>
+          </a:p>
+        </p:txBody>
+      </p:sp>
+      <p:sp>
+        <p:nvSpPr>
+          <p:cNvPr id="4" name="Slide Image Placeholder 3"/>
+          <p:cNvSpPr>
+            <a:spLocks noGrp="1" noRot="1" noChangeAspect="1"/>
+          </p:cNvSpPr>
+          <p:nvPr>
+            <p:ph type="sldImg" idx="2"/>
+          </p:nvPr>
+        </p:nvSpPr>
+        <p:spPr>
+          <a:xfrm>
+            <a:off x="685800" y="1143000"/>
+            <a:ext cx="5486400" cy="3086100"/>
+          </a:xfrm>
+          <a:prstGeom prst="rect">
+            <a:avLst/>
+          </a:prstGeom>
+          <a:noFill/>
+          <a:ln w="12700">
+            <a:solidFill>
+              <a:prstClr val="black"/>
+            </a:solidFill>
+          </a:ln>
+        </p:spPr>
+        <p:txBody>
+          <a:bodyPr vert="horz" lIns="91440" tIns="45720" rIns="91440" bIns="45720" rtlCol="0" anchor="ctr"/>
+          <a:lstStyle/>
+          <a:p>
+            <a:endParaRPr lang="de-DE"/>
+          </a:p>
+        </p:txBody>
+      </p:sp>
+      <p:sp>
+        <p:nvSpPr>
+          <p:cNvPr id="5" name="Notes Placeholder 4"/>
+          <p:cNvSpPr>
+            <a:spLocks noGrp="1"/>
+          </p:cNvSpPr>
+          <p:nvPr>
+            <p:ph type="body" sz="quarter" idx="3"/>
+          </p:nvPr>
+        </p:nvSpPr>
+        <p:spPr>
+          <a:xfrm>
+            <a:off x="685800" y="4400550"/>
+            <a:ext cx="5486400" cy="3600450"/>
+          </a:xfrm>
+          <a:prstGeom prst="rect">
+            <a:avLst/>
+          </a:prstGeom>
+        </p:spPr>
+        <p:txBody>
+          <a:bodyPr vert="horz" lIns="91440" tIns="45720" rIns="91440" bIns="45720" rtlCol="0"/>
+          <a:lstStyle/>
+          <a:p>
+            <a:pPr lvl="0"/>
+            <a:r>
+              <a:rPr lang="en-US"/>
+              <a:t>Click to edit Master text styles</a:t>
+            </a:r>
+          </a:p>
+          <a:p>
+            <a:pPr lvl="1"/>
+            <a:r>
+              <a:rPr lang="en-US"/>
+              <a:t>Second level</a:t>
+            </a:r>
+          </a:p>
+          <a:p>
+            <a:pPr lvl="2"/>
+            <a:r>
+              <a:rPr lang="en-US"/>
+              <a:t>Third level</a:t>
+            </a:r>
+          </a:p>
+          <a:p>
+            <a:pPr lvl="3"/>
+            <a:r>
+              <a:rPr lang="en-US"/>
+              <a:t>Fourth level</a:t>
+            </a:r>
+          </a:p>
+          <a:p>
+            <a:pPr lvl="4"/>
+            <a:r>
+              <a:rPr lang="en-US"/>
+              <a:t>Fifth level</a:t>
+            </a:r>
+            <a:endParaRPr lang="de-DE"/>
+          </a:p>
+        </p:txBody>
+      </p:sp>
+      <p:sp>
+        <p:nvSpPr>
+          <p:cNvPr id="6" name="Footer Placeholder 5"/>
+          <p:cNvSpPr>
+            <a:spLocks noGrp="1"/>
+          </p:cNvSpPr>
+          <p:nvPr>
+            <p:ph type="ftr" sz="quarter" idx="4"/>
+          </p:nvPr>
+        </p:nvSpPr>
+        <p:spPr>
+          <a:xfrm>
+            <a:off x="0" y="8685213"/>
+            <a:ext cx="2971800" cy="458787"/>
+          </a:xfrm>
+          <a:prstGeom prst="rect">
+            <a:avLst/>
+          </a:prstGeom>
+        </p:spPr>
+        <p:txBody>
+          <a:bodyPr vert="horz" lIns="91440" tIns="45720" rIns="91440" bIns="45720" rtlCol="0" anchor="b"/>
+          <a:lstStyle>
+            <a:lvl1pPr algn="l">
+              <a:defRPr sz="1200"/>
+            </a:lvl1pPr>
+          </a:lstStyle>
+          <a:p>
+            <a:endParaRPr lang="de-DE"/>
+          </a:p>
+        </p:txBody>
+      </p:sp>
+      <p:sp>
+        <p:nvSpPr>
+          <p:cNvPr id="7" name="Slide Number Placeholder 6"/>
+          <p:cNvSpPr>
+            <a:spLocks noGrp="1"/>
+          </p:cNvSpPr>
+          <p:nvPr>
+            <p:ph type="sldNum" sz="quarter" idx="5"/>
+          </p:nvPr>
+        </p:nvSpPr>
+        <p:spPr>
+          <a:xfrm>
+            <a:off x="3884613" y="8685213"/>
+            <a:ext cx="2971800" cy="458787"/>
+          </a:xfrm>
+          <a:prstGeom prst="rect">
+            <a:avLst/>
+          </a:prstGeom>
+        </p:spPr>
+        <p:txBody>
+          <a:bodyPr vert="horz" lIns="91440" tIns="45720" rIns="91440" bIns="45720" rtlCol="0" anchor="b"/>
+          <a:lstStyle>
+            <a:lvl1pPr algn="r">
+              <a:defRPr sz="1200"/>
+            </a:lvl1pPr>
+          </a:lstStyle>
+          <a:p>
+            <a:fld id="{CE7B3DDE-D4F3-48A2-A1E3-A61CF778A29A}" type="slidenum">
+              <a:rPr lang="de-DE" smtClean="0"/>
+              <a:t>‹#›</a:t>
+            </a:fld>
+            <a:endParaRPr lang="de-DE"/>
+          </a:p>
+        </p:txBody>
+      </p:sp>
+    </p:spTree>
+    <p:extLst>
+      <p:ext uri="{BB962C8B-B14F-4D97-AF65-F5344CB8AC3E}">
+        <p14:creationId xmlns:p14="http://schemas.microsoft.com/office/powerpoint/2010/main" val="4091796628"/>
+      </p:ext>
+    </p:extLst>
+  </p:cSld>
+  <p:clrMap bg1="lt1" tx1="dk1" bg2="lt2" tx2="dk2" accent1="accent1" accent2="accent2" accent3="accent3" accent4="accent4" accent5="accent5" accent6="accent6" hlink="hlink" folHlink="folHlink"/>
+  <p:notesStyle>
+    <a:lvl1pPr marL="0" algn="l" defTabSz="914400" rtl="0" eaLnBrk="1" latinLnBrk="0" hangingPunct="1">
+      <a:defRPr sz="1200" kern="1200">
+        <a:solidFill>
+          <a:schemeClr val="tx1"/>
+        </a:solidFill>
+        <a:latin typeface="+mn-lt"/>
+        <a:ea typeface="+mn-ea"/>
+        <a:cs typeface="+mn-cs"/>
+      </a:defRPr>
+    </a:lvl1pPr>
+    <a:lvl2pPr marL="457200" algn="l" defTabSz="914400" rtl="0" eaLnBrk="1" latinLnBrk="0" hangingPunct="1">
+      <a:defRPr sz="1200" kern="1200">
+        <a:solidFill>
+          <a:schemeClr val="tx1"/>
+        </a:solidFill>
+        <a:latin typeface="+mn-lt"/>
+        <a:ea typeface="+mn-ea"/>
+        <a:cs typeface="+mn-cs"/>
+      </a:defRPr>
+    </a:lvl2pPr>
+    <a:lvl3pPr marL="914400" algn="l" defTabSz="914400" rtl="0" eaLnBrk="1" latinLnBrk="0" hangingPunct="1">
+      <a:defRPr sz="1200" kern="1200">
+        <a:solidFill>
+          <a:schemeClr val="tx1"/>
+        </a:solidFill>
+        <a:latin typeface="+mn-lt"/>
+        <a:ea typeface="+mn-ea"/>
+        <a:cs typeface="+mn-cs"/>
+      </a:defRPr>
+    </a:lvl3pPr>
+    <a:lvl4pPr marL="1371600" algn="l" defTabSz="914400" rtl="0" eaLnBrk="1" latinLnBrk="0" hangingPunct="1">
+      <a:defRPr sz="1200" kern="1200">
+        <a:solidFill>
+          <a:schemeClr val="tx1"/>
+        </a:solidFill>
+        <a:latin typeface="+mn-lt"/>
+        <a:ea typeface="+mn-ea"/>
+        <a:cs typeface="+mn-cs"/>
+      </a:defRPr>
+    </a:lvl4pPr>
+    <a:lvl5pPr marL="1828800" algn="l" defTabSz="914400" rtl="0" eaLnBrk="1" latinLnBrk="0" hangingPunct="1">
+      <a:defRPr sz="1200" kern="1200">
+        <a:solidFill>
+          <a:schemeClr val="tx1"/>
+        </a:solidFill>
+        <a:latin typeface="+mn-lt"/>
+        <a:ea typeface="+mn-ea"/>
+        <a:cs typeface="+mn-cs"/>
+      </a:defRPr>
+    </a:lvl5pPr>
+    <a:lvl6pPr marL="2286000" algn="l" defTabSz="914400" rtl="0" eaLnBrk="1" latinLnBrk="0" hangingPunct="1">
+      <a:defRPr sz="1200" kern="1200">
+        <a:solidFill>
+          <a:schemeClr val="tx1"/>
+        </a:solidFill>
+        <a:latin typeface="+mn-lt"/>
+        <a:ea typeface="+mn-ea"/>
+        <a:cs typeface="+mn-cs"/>
+      </a:defRPr>
+    </a:lvl6pPr>
+    <a:lvl7pPr marL="2743200" algn="l" defTabSz="914400" rtl="0" eaLnBrk="1" latinLnBrk="0" hangingPunct="1">
+      <a:defRPr sz="1200" kern="1200">
+        <a:solidFill>
+          <a:schemeClr val="tx1"/>
+        </a:solidFill>
+        <a:latin typeface="+mn-lt"/>
+        <a:ea typeface="+mn-ea"/>
+        <a:cs typeface="+mn-cs"/>
+      </a:defRPr>
+    </a:lvl7pPr>
+    <a:lvl8pPr marL="3200400" algn="l" defTabSz="914400" rtl="0" eaLnBrk="1" latinLnBrk="0" hangingPunct="1">
+      <a:defRPr sz="1200" kern="1200">
+        <a:solidFill>
+          <a:schemeClr val="tx1"/>
+        </a:solidFill>
+        <a:latin typeface="+mn-lt"/>
+        <a:ea typeface="+mn-ea"/>
+        <a:cs typeface="+mn-cs"/>
+      </a:defRPr>
+    </a:lvl8pPr>
+    <a:lvl9pPr marL="3657600" algn="l" defTabSz="914400" rtl="0" eaLnBrk="1" latinLnBrk="0" hangingPunct="1">
+      <a:defRPr sz="1200" kern="1200">
+        <a:solidFill>
+          <a:schemeClr val="tx1"/>
+        </a:solidFill>
+        <a:latin typeface="+mn-lt"/>
+        <a:ea typeface="+mn-ea"/>
+        <a:cs typeface="+mn-cs"/>
+      </a:defRPr>
+    </a:lvl9pPr>
+  </p:notesStyle>
+</p:notesMaster>
+</file>
+
+<file path=ppt/notesSlides/notesSlide1.xml><?xml version="1.0" encoding="utf-8"?>
+<p:notes xmlns:a="http://schemas.openxmlformats.org/drawingml/2006/main" xmlns:r="http://schemas.openxmlformats.org/officeDocument/2006/relationships" xmlns:p="http://schemas.openxmlformats.org/presentationml/2006/main">
+  <p:cSld>
+    <p:spTree>
+      <p:nvGrpSpPr>
+        <p:cNvPr id="1" name=""/>
+        <p:cNvGrpSpPr/>
+        <p:nvPr/>
+      </p:nvGrpSpPr>
+      <p:grpSpPr>
+        <a:xfrm>
+          <a:off x="0" y="0"/>
+          <a:ext cx="0" cy="0"/>
+          <a:chOff x="0" y="0"/>
+          <a:chExt cx="0" cy="0"/>
+        </a:xfrm>
+      </p:grpSpPr>
+      <p:sp>
+        <p:nvSpPr>
+          <p:cNvPr id="2" name="Slide Image Placeholder 1"/>
+          <p:cNvSpPr>
+            <a:spLocks noGrp="1" noRot="1" noChangeAspect="1"/>
+          </p:cNvSpPr>
+          <p:nvPr>
+            <p:ph type="sldImg"/>
+          </p:nvPr>
+        </p:nvSpPr>
+        <p:spPr/>
+      </p:sp>
+      <p:sp>
+        <p:nvSpPr>
+          <p:cNvPr id="3" name="Notes Placeholder 2"/>
+          <p:cNvSpPr>
+            <a:spLocks noGrp="1"/>
+          </p:cNvSpPr>
+          <p:nvPr>
+            <p:ph type="body" idx="1"/>
+          </p:nvPr>
+        </p:nvSpPr>
+        <p:spPr/>
+        <p:txBody>
+          <a:bodyPr/>
+          <a:lstStyle/>
+          <a:p>
+            <a:pPr marL="0" marR="0" lvl="0" indent="0" algn="l" defTabSz="914400" rtl="0" eaLnBrk="1" fontAlgn="auto" latinLnBrk="0" hangingPunct="1">
+              <a:lnSpc>
+                <a:spcPct val="100000"/>
+              </a:lnSpc>
+              <a:spcBef>
+                <a:spcPts val="0"/>
+              </a:spcBef>
+              <a:spcAft>
+                <a:spcPts val="0"/>
+              </a:spcAft>
+              <a:buClrTx/>
+              <a:buSzTx/>
+              <a:buFontTx/>
+              <a:buNone/>
+              <a:tabLst/>
+              <a:defRPr/>
+            </a:pPr>
+            <a:r>
+              <a:rPr lang="de-DE" sz="1200" kern="1200" dirty="0">
+                <a:solidFill>
+                  <a:schemeClr val="tx1"/>
+                </a:solidFill>
+                <a:effectLst/>
+                <a:latin typeface="+mn-lt"/>
+                <a:ea typeface="+mn-ea"/>
+                <a:cs typeface="+mn-cs"/>
+              </a:rPr>
+              <a:t>[</a:t>
+            </a:r>
+            <a:r>
+              <a:rPr lang="de-DE" sz="1200" kern="1200" dirty="0" err="1">
+                <a:solidFill>
+                  <a:schemeClr val="tx1"/>
+                </a:solidFill>
+                <a:effectLst/>
+                <a:latin typeface="+mn-lt"/>
+                <a:ea typeface="+mn-ea"/>
+                <a:cs typeface="+mn-cs"/>
+              </a:rPr>
+              <a:t>layout:title</a:t>
+            </a:r>
+            <a:r>
+              <a:rPr lang="de-DE" sz="1200" kern="1200" dirty="0">
+                <a:solidFill>
+                  <a:schemeClr val="tx1"/>
+                </a:solidFill>
+                <a:effectLst/>
+                <a:latin typeface="+mn-lt"/>
+                <a:ea typeface="+mn-ea"/>
+                <a:cs typeface="+mn-cs"/>
+              </a:rPr>
+              <a:t>]</a:t>
+            </a:r>
+          </a:p>
+          <a:p>
+            <a:endParaRPr lang="de-DE" dirty="0"/>
+          </a:p>
+        </p:txBody>
+      </p:sp>
+      <p:sp>
+        <p:nvSpPr>
+          <p:cNvPr id="4" name="Slide Number Placeholder 3"/>
+          <p:cNvSpPr>
+            <a:spLocks noGrp="1"/>
+          </p:cNvSpPr>
+          <p:nvPr>
+            <p:ph type="sldNum" sz="quarter" idx="5"/>
+          </p:nvPr>
+        </p:nvSpPr>
+        <p:spPr/>
+        <p:txBody>
+          <a:bodyPr/>
+          <a:lstStyle/>
+          <a:p>
+            <a:fld id="{CE7B3DDE-D4F3-48A2-A1E3-A61CF778A29A}" type="slidenum">
+              <a:rPr lang="de-DE" smtClean="0"/>
+              <a:t>1</a:t>
+            </a:fld>
+            <a:endParaRPr lang="de-DE"/>
+          </a:p>
+        </p:txBody>
+      </p:sp>
+    </p:spTree>
+    <p:extLst>
+      <p:ext uri="{BB962C8B-B14F-4D97-AF65-F5344CB8AC3E}">
+        <p14:creationId xmlns:p14="http://schemas.microsoft.com/office/powerpoint/2010/main" val="916145081"/>
+      </p:ext>
+    </p:extLst>
+  </p:cSld>
+  <p:clrMapOvr>
+    <a:masterClrMapping/>
+  </p:clrMapOvr>
+</p:notes>
+</file>
+
+<file path=ppt/notesSlides/notesSlide2.xml><?xml version="1.0" encoding="utf-8"?>
+<p:notes xmlns:a="http://schemas.openxmlformats.org/drawingml/2006/main" xmlns:r="http://schemas.openxmlformats.org/officeDocument/2006/relationships" xmlns:p="http://schemas.openxmlformats.org/presentationml/2006/main">
+  <p:cSld>
+    <p:spTree>
+      <p:nvGrpSpPr>
+        <p:cNvPr id="1" name=""/>
+        <p:cNvGrpSpPr/>
+        <p:nvPr/>
+      </p:nvGrpSpPr>
+      <p:grpSpPr>
+        <a:xfrm>
+          <a:off x="0" y="0"/>
+          <a:ext cx="0" cy="0"/>
+          <a:chOff x="0" y="0"/>
+          <a:chExt cx="0" cy="0"/>
+        </a:xfrm>
+      </p:grpSpPr>
+      <p:sp>
+        <p:nvSpPr>
+          <p:cNvPr id="2" name="Slide Image Placeholder 1"/>
+          <p:cNvSpPr>
+            <a:spLocks noGrp="1" noRot="1" noChangeAspect="1"/>
+          </p:cNvSpPr>
+          <p:nvPr>
+            <p:ph type="sldImg"/>
+          </p:nvPr>
+        </p:nvSpPr>
+        <p:spPr/>
+      </p:sp>
+      <p:sp>
+        <p:nvSpPr>
+          <p:cNvPr id="3" name="Notes Placeholder 2"/>
+          <p:cNvSpPr>
+            <a:spLocks noGrp="1"/>
+          </p:cNvSpPr>
+          <p:nvPr>
+            <p:ph type="body" idx="1"/>
+          </p:nvPr>
+        </p:nvSpPr>
+        <p:spPr/>
+        <p:txBody>
+          <a:bodyPr/>
+          <a:lstStyle/>
+          <a:p>
+            <a:pPr marL="0" marR="0" lvl="0" indent="0" algn="l" defTabSz="914400" rtl="0" eaLnBrk="1" fontAlgn="auto" latinLnBrk="0" hangingPunct="1">
+              <a:lnSpc>
+                <a:spcPct val="100000"/>
+              </a:lnSpc>
+              <a:spcBef>
+                <a:spcPts val="0"/>
+              </a:spcBef>
+              <a:spcAft>
+                <a:spcPts val="0"/>
+              </a:spcAft>
+              <a:buClrTx/>
+              <a:buSzTx/>
+              <a:buFontTx/>
+              <a:buNone/>
+              <a:tabLst/>
+              <a:defRPr/>
+            </a:pPr>
+            <a:r>
+              <a:rPr lang="de-DE" sz="1200" b="1" kern="1200" dirty="0">
+                <a:solidFill>
+                  <a:schemeClr val="tx1"/>
+                </a:solidFill>
+                <a:effectLst/>
+                <a:latin typeface="+mn-lt"/>
+                <a:ea typeface="+mn-ea"/>
+                <a:cs typeface="+mn-cs"/>
+              </a:rPr>
+              <a:t>[</a:t>
+            </a:r>
+            <a:r>
+              <a:rPr lang="de-DE" sz="1200" b="1" kern="1200" dirty="0" err="1">
+                <a:solidFill>
+                  <a:schemeClr val="tx1"/>
+                </a:solidFill>
+                <a:effectLst/>
+                <a:latin typeface="+mn-lt"/>
+                <a:ea typeface="+mn-ea"/>
+                <a:cs typeface="+mn-cs"/>
+              </a:rPr>
+              <a:t>layout:agenda</a:t>
+            </a:r>
+            <a:r>
+              <a:rPr lang="de-DE" sz="1200" b="1" kern="1200" dirty="0">
+                <a:solidFill>
+                  <a:schemeClr val="tx1"/>
+                </a:solidFill>
+                <a:effectLst/>
+                <a:latin typeface="+mn-lt"/>
+                <a:ea typeface="+mn-ea"/>
+                <a:cs typeface="+mn-cs"/>
+              </a:rPr>
+              <a:t>]</a:t>
+            </a:r>
+            <a:endParaRPr lang="de-DE" sz="1200" kern="1200" dirty="0">
+              <a:solidFill>
+                <a:schemeClr val="tx1"/>
+              </a:solidFill>
+              <a:effectLst/>
+              <a:latin typeface="+mn-lt"/>
+              <a:ea typeface="+mn-ea"/>
+              <a:cs typeface="+mn-cs"/>
+            </a:endParaRPr>
+          </a:p>
+          <a:p>
+            <a:endParaRPr lang="de-DE" dirty="0"/>
+          </a:p>
+        </p:txBody>
+      </p:sp>
+      <p:sp>
+        <p:nvSpPr>
+          <p:cNvPr id="4" name="Slide Number Placeholder 3"/>
+          <p:cNvSpPr>
+            <a:spLocks noGrp="1"/>
+          </p:cNvSpPr>
+          <p:nvPr>
+            <p:ph type="sldNum" sz="quarter" idx="5"/>
+          </p:nvPr>
+        </p:nvSpPr>
+        <p:spPr/>
+        <p:txBody>
+          <a:bodyPr/>
+          <a:lstStyle/>
+          <a:p>
+            <a:fld id="{CE7B3DDE-D4F3-48A2-A1E3-A61CF778A29A}" type="slidenum">
+              <a:rPr lang="de-DE" smtClean="0"/>
+              <a:t>2</a:t>
+            </a:fld>
+            <a:endParaRPr lang="de-DE"/>
+          </a:p>
+        </p:txBody>
+      </p:sp>
+    </p:spTree>
+    <p:extLst>
+      <p:ext uri="{BB962C8B-B14F-4D97-AF65-F5344CB8AC3E}">
+        <p14:creationId xmlns:p14="http://schemas.microsoft.com/office/powerpoint/2010/main" val="4049525647"/>
+      </p:ext>
+    </p:extLst>
+  </p:cSld>
+  <p:clrMapOvr>
+    <a:masterClrMapping/>
+  </p:clrMapOvr>
+</p:notes>
+</file>
+
+<file path=ppt/notesSlides/notesSlide3.xml><?xml version="1.0" encoding="utf-8"?>
+<p:notes xmlns:a="http://schemas.openxmlformats.org/drawingml/2006/main" xmlns:r="http://schemas.openxmlformats.org/officeDocument/2006/relationships" xmlns:p="http://schemas.openxmlformats.org/presentationml/2006/main">
+  <p:cSld>
+    <p:spTree>
+      <p:nvGrpSpPr>
+        <p:cNvPr id="1" name=""/>
+        <p:cNvGrpSpPr/>
+        <p:nvPr/>
+      </p:nvGrpSpPr>
+      <p:grpSpPr>
+        <a:xfrm>
+          <a:off x="0" y="0"/>
+          <a:ext cx="0" cy="0"/>
+          <a:chOff x="0" y="0"/>
+          <a:chExt cx="0" cy="0"/>
+        </a:xfrm>
+      </p:grpSpPr>
+      <p:sp>
+        <p:nvSpPr>
+          <p:cNvPr id="2" name="Slide Image Placeholder 1"/>
+          <p:cNvSpPr>
+            <a:spLocks noGrp="1" noRot="1" noChangeAspect="1"/>
+          </p:cNvSpPr>
+          <p:nvPr>
+            <p:ph type="sldImg"/>
+          </p:nvPr>
+        </p:nvSpPr>
+        <p:spPr/>
+      </p:sp>
+      <p:sp>
+        <p:nvSpPr>
+          <p:cNvPr id="3" name="Notes Placeholder 2"/>
+          <p:cNvSpPr>
+            <a:spLocks noGrp="1"/>
+          </p:cNvSpPr>
+          <p:nvPr>
+            <p:ph type="body" idx="1"/>
+          </p:nvPr>
+        </p:nvSpPr>
+        <p:spPr/>
+        <p:txBody>
+          <a:bodyPr/>
+          <a:lstStyle/>
+          <a:p>
+            <a:pPr marL="0" marR="0" lvl="0" indent="0" algn="l" defTabSz="914400" rtl="0" eaLnBrk="1" fontAlgn="auto" latinLnBrk="0" hangingPunct="1">
+              <a:lnSpc>
+                <a:spcPct val="100000"/>
+              </a:lnSpc>
+              <a:spcBef>
+                <a:spcPts val="0"/>
+              </a:spcBef>
+              <a:spcAft>
+                <a:spcPts val="0"/>
+              </a:spcAft>
+              <a:buClrTx/>
+              <a:buSzTx/>
+              <a:buFontTx/>
+              <a:buNone/>
+              <a:tabLst/>
+              <a:defRPr/>
+            </a:pPr>
+            <a:r>
+              <a:rPr lang="de-DE" sz="1200" kern="1200" dirty="0">
+                <a:solidFill>
+                  <a:schemeClr val="tx1"/>
+                </a:solidFill>
+                <a:effectLst/>
+                <a:latin typeface="+mn-lt"/>
+                <a:ea typeface="+mn-ea"/>
+                <a:cs typeface="+mn-cs"/>
+              </a:rPr>
+              <a:t>[</a:t>
+            </a:r>
+            <a:r>
+              <a:rPr lang="de-DE" sz="1200" kern="1200" dirty="0" err="1">
+                <a:solidFill>
+                  <a:schemeClr val="tx1"/>
+                </a:solidFill>
+                <a:effectLst/>
+                <a:latin typeface="+mn-lt"/>
+                <a:ea typeface="+mn-ea"/>
+                <a:cs typeface="+mn-cs"/>
+              </a:rPr>
+              <a:t>layout</a:t>
+            </a:r>
+            <a:r>
+              <a:rPr lang="de-DE" sz="1200" kern="1200" dirty="0">
+                <a:solidFill>
+                  <a:schemeClr val="tx1"/>
+                </a:solidFill>
+                <a:effectLst/>
+                <a:latin typeface="+mn-lt"/>
+                <a:ea typeface="+mn-ea"/>
+                <a:cs typeface="+mn-cs"/>
+              </a:rPr>
+              <a:t>: </a:t>
+            </a:r>
+            <a:r>
+              <a:rPr lang="de-DE" sz="1200" kern="1200" dirty="0" err="1">
+                <a:solidFill>
+                  <a:schemeClr val="tx1"/>
+                </a:solidFill>
+                <a:effectLst/>
+                <a:latin typeface="+mn-lt"/>
+                <a:ea typeface="+mn-ea"/>
+                <a:cs typeface="+mn-cs"/>
+              </a:rPr>
+              <a:t>two_content</a:t>
+            </a:r>
+            <a:r>
+              <a:rPr lang="de-DE" sz="1200" kern="1200" dirty="0">
+                <a:solidFill>
+                  <a:schemeClr val="tx1"/>
+                </a:solidFill>
+                <a:effectLst/>
+                <a:latin typeface="+mn-lt"/>
+                <a:ea typeface="+mn-ea"/>
+                <a:cs typeface="+mn-cs"/>
+              </a:rPr>
+              <a:t>, </a:t>
+            </a:r>
+            <a:r>
+              <a:rPr lang="de-DE" sz="1200" kern="1200" dirty="0" err="1">
+                <a:solidFill>
+                  <a:schemeClr val="tx1"/>
+                </a:solidFill>
+                <a:effectLst/>
+                <a:latin typeface="+mn-lt"/>
+                <a:ea typeface="+mn-ea"/>
+                <a:cs typeface="+mn-cs"/>
+              </a:rPr>
+              <a:t>image</a:t>
+            </a:r>
+            <a:r>
+              <a:rPr lang="de-DE" sz="1200" kern="1200" dirty="0">
+                <a:solidFill>
+                  <a:schemeClr val="tx1"/>
+                </a:solidFill>
+                <a:effectLst/>
+                <a:latin typeface="+mn-lt"/>
+                <a:ea typeface="+mn-ea"/>
+                <a:cs typeface="+mn-cs"/>
+              </a:rPr>
+              <a:t> </a:t>
+            </a:r>
+            <a:r>
+              <a:rPr lang="de-DE" sz="1200" kern="1200" dirty="0" err="1">
+                <a:solidFill>
+                  <a:schemeClr val="tx1"/>
+                </a:solidFill>
+                <a:effectLst/>
+                <a:latin typeface="+mn-lt"/>
+                <a:ea typeface="+mn-ea"/>
+                <a:cs typeface="+mn-cs"/>
+              </a:rPr>
+              <a:t>left</a:t>
+            </a:r>
+            <a:r>
+              <a:rPr lang="de-DE" sz="1200" kern="1200" dirty="0">
+                <a:solidFill>
+                  <a:schemeClr val="tx1"/>
+                </a:solidFill>
+                <a:effectLst/>
+                <a:latin typeface="+mn-lt"/>
+                <a:ea typeface="+mn-ea"/>
+                <a:cs typeface="+mn-cs"/>
+              </a:rPr>
+              <a:t>]</a:t>
+            </a:r>
+          </a:p>
+          <a:p>
+            <a:endParaRPr lang="de-DE" dirty="0"/>
+          </a:p>
+        </p:txBody>
+      </p:sp>
+      <p:sp>
+        <p:nvSpPr>
+          <p:cNvPr id="4" name="Slide Number Placeholder 3"/>
+          <p:cNvSpPr>
+            <a:spLocks noGrp="1"/>
+          </p:cNvSpPr>
+          <p:nvPr>
+            <p:ph type="sldNum" sz="quarter" idx="5"/>
+          </p:nvPr>
+        </p:nvSpPr>
+        <p:spPr/>
+        <p:txBody>
+          <a:bodyPr/>
+          <a:lstStyle/>
+          <a:p>
+            <a:fld id="{CE7B3DDE-D4F3-48A2-A1E3-A61CF778A29A}" type="slidenum">
+              <a:rPr lang="de-DE" smtClean="0"/>
+              <a:t>3</a:t>
+            </a:fld>
+            <a:endParaRPr lang="de-DE"/>
+          </a:p>
+        </p:txBody>
+      </p:sp>
+    </p:spTree>
+    <p:extLst>
+      <p:ext uri="{BB962C8B-B14F-4D97-AF65-F5344CB8AC3E}">
+        <p14:creationId xmlns:p14="http://schemas.microsoft.com/office/powerpoint/2010/main" val="1982833723"/>
+      </p:ext>
+    </p:extLst>
+  </p:cSld>
+  <p:clrMapOvr>
+    <a:masterClrMapping/>
+  </p:clrMapOvr>
+</p:notes>
+</file>
+
+<file path=ppt/notesSlides/notesSlide4.xml><?xml version="1.0" encoding="utf-8"?>
+<p:notes xmlns:a="http://schemas.openxmlformats.org/drawingml/2006/main" xmlns:r="http://schemas.openxmlformats.org/officeDocument/2006/relationships" xmlns:p="http://schemas.openxmlformats.org/presentationml/2006/main">
+  <p:cSld>
+    <p:spTree>
+      <p:nvGrpSpPr>
+        <p:cNvPr id="1" name=""/>
+        <p:cNvGrpSpPr/>
+        <p:nvPr/>
+      </p:nvGrpSpPr>
+      <p:grpSpPr>
+        <a:xfrm>
+          <a:off x="0" y="0"/>
+          <a:ext cx="0" cy="0"/>
+          <a:chOff x="0" y="0"/>
+          <a:chExt cx="0" cy="0"/>
+        </a:xfrm>
+      </p:grpSpPr>
+      <p:sp>
+        <p:nvSpPr>
+          <p:cNvPr id="2" name="Slide Image Placeholder 1"/>
+          <p:cNvSpPr>
+            <a:spLocks noGrp="1" noRot="1" noChangeAspect="1"/>
+          </p:cNvSpPr>
+          <p:nvPr>
+            <p:ph type="sldImg"/>
+          </p:nvPr>
+        </p:nvSpPr>
+        <p:spPr/>
+      </p:sp>
+      <p:sp>
+        <p:nvSpPr>
+          <p:cNvPr id="3" name="Notes Placeholder 2"/>
+          <p:cNvSpPr>
+            <a:spLocks noGrp="1"/>
+          </p:cNvSpPr>
+          <p:nvPr>
+            <p:ph type="body" idx="1"/>
+          </p:nvPr>
+        </p:nvSpPr>
+        <p:spPr/>
+        <p:txBody>
+          <a:bodyPr/>
+          <a:lstStyle/>
+          <a:p>
+            <a:pPr marL="0" marR="0" lvl="0" indent="0" algn="l" defTabSz="914400" rtl="0" eaLnBrk="1" fontAlgn="auto" latinLnBrk="0" hangingPunct="1">
+              <a:lnSpc>
+                <a:spcPct val="100000"/>
+              </a:lnSpc>
+              <a:spcBef>
+                <a:spcPts val="0"/>
+              </a:spcBef>
+              <a:spcAft>
+                <a:spcPts val="0"/>
+              </a:spcAft>
+              <a:buClrTx/>
+              <a:buSzTx/>
+              <a:buFontTx/>
+              <a:buNone/>
+              <a:tabLst/>
+              <a:defRPr/>
+            </a:pPr>
+            <a:r>
+              <a:rPr lang="de-DE" sz="1200" kern="1200" dirty="0">
+                <a:solidFill>
+                  <a:schemeClr val="tx1"/>
+                </a:solidFill>
+                <a:effectLst/>
+                <a:latin typeface="+mn-lt"/>
+                <a:ea typeface="+mn-ea"/>
+                <a:cs typeface="+mn-cs"/>
+              </a:rPr>
+              <a:t>[</a:t>
+            </a:r>
+            <a:r>
+              <a:rPr lang="de-DE" sz="1200" kern="1200" dirty="0" err="1">
+                <a:solidFill>
+                  <a:schemeClr val="tx1"/>
+                </a:solidFill>
+                <a:effectLst/>
+                <a:latin typeface="+mn-lt"/>
+                <a:ea typeface="+mn-ea"/>
+                <a:cs typeface="+mn-cs"/>
+              </a:rPr>
+              <a:t>layout</a:t>
+            </a:r>
+            <a:r>
+              <a:rPr lang="de-DE" sz="1200" kern="1200" dirty="0">
+                <a:solidFill>
+                  <a:schemeClr val="tx1"/>
+                </a:solidFill>
+                <a:effectLst/>
+                <a:latin typeface="+mn-lt"/>
+                <a:ea typeface="+mn-ea"/>
+                <a:cs typeface="+mn-cs"/>
+              </a:rPr>
+              <a:t>: </a:t>
+            </a:r>
+            <a:r>
+              <a:rPr lang="de-DE" sz="1200" kern="1200" dirty="0" err="1">
+                <a:solidFill>
+                  <a:schemeClr val="tx1"/>
+                </a:solidFill>
+                <a:effectLst/>
+                <a:latin typeface="+mn-lt"/>
+                <a:ea typeface="+mn-ea"/>
+                <a:cs typeface="+mn-cs"/>
+              </a:rPr>
+              <a:t>two_content</a:t>
+            </a:r>
+            <a:r>
+              <a:rPr lang="de-DE" sz="1200" kern="1200" dirty="0">
+                <a:solidFill>
+                  <a:schemeClr val="tx1"/>
+                </a:solidFill>
+                <a:effectLst/>
+                <a:latin typeface="+mn-lt"/>
+                <a:ea typeface="+mn-ea"/>
+                <a:cs typeface="+mn-cs"/>
+              </a:rPr>
+              <a:t>, </a:t>
+            </a:r>
+            <a:r>
+              <a:rPr lang="de-DE" sz="1200" kern="1200" dirty="0" err="1">
+                <a:solidFill>
+                  <a:schemeClr val="tx1"/>
+                </a:solidFill>
+                <a:effectLst/>
+                <a:latin typeface="+mn-lt"/>
+                <a:ea typeface="+mn-ea"/>
+                <a:cs typeface="+mn-cs"/>
+              </a:rPr>
+              <a:t>image</a:t>
+            </a:r>
+            <a:r>
+              <a:rPr lang="de-DE" sz="1200" kern="1200" dirty="0">
+                <a:solidFill>
+                  <a:schemeClr val="tx1"/>
+                </a:solidFill>
+                <a:effectLst/>
+                <a:latin typeface="+mn-lt"/>
+                <a:ea typeface="+mn-ea"/>
+                <a:cs typeface="+mn-cs"/>
+              </a:rPr>
+              <a:t> </a:t>
+            </a:r>
+            <a:r>
+              <a:rPr lang="de-DE" sz="1200" kern="1200" dirty="0" err="1">
+                <a:solidFill>
+                  <a:schemeClr val="tx1"/>
+                </a:solidFill>
+                <a:effectLst/>
+                <a:latin typeface="+mn-lt"/>
+                <a:ea typeface="+mn-ea"/>
+                <a:cs typeface="+mn-cs"/>
+              </a:rPr>
+              <a:t>left</a:t>
+            </a:r>
+            <a:r>
+              <a:rPr lang="de-DE" sz="1200" kern="1200" dirty="0">
+                <a:solidFill>
+                  <a:schemeClr val="tx1"/>
+                </a:solidFill>
+                <a:effectLst/>
+                <a:latin typeface="+mn-lt"/>
+                <a:ea typeface="+mn-ea"/>
+                <a:cs typeface="+mn-cs"/>
+              </a:rPr>
+              <a:t>]</a:t>
+            </a:r>
+          </a:p>
+          <a:p>
+            <a:endParaRPr lang="de-DE" dirty="0"/>
+          </a:p>
+        </p:txBody>
+      </p:sp>
+      <p:sp>
+        <p:nvSpPr>
+          <p:cNvPr id="4" name="Slide Number Placeholder 3"/>
+          <p:cNvSpPr>
+            <a:spLocks noGrp="1"/>
+          </p:cNvSpPr>
+          <p:nvPr>
+            <p:ph type="sldNum" sz="quarter" idx="5"/>
+          </p:nvPr>
+        </p:nvSpPr>
+        <p:spPr/>
+        <p:txBody>
+          <a:bodyPr/>
+          <a:lstStyle/>
+          <a:p>
+            <a:fld id="{CE7B3DDE-D4F3-48A2-A1E3-A61CF778A29A}" type="slidenum">
+              <a:rPr lang="de-DE" smtClean="0"/>
+              <a:t>4</a:t>
+            </a:fld>
+            <a:endParaRPr lang="de-DE"/>
+          </a:p>
+        </p:txBody>
+      </p:sp>
+    </p:spTree>
+    <p:extLst>
+      <p:ext uri="{BB962C8B-B14F-4D97-AF65-F5344CB8AC3E}">
+        <p14:creationId xmlns:p14="http://schemas.microsoft.com/office/powerpoint/2010/main" val="4086926183"/>
+      </p:ext>
+    </p:extLst>
+  </p:cSld>
+  <p:clrMapOvr>
+    <a:masterClrMapping/>
+  </p:clrMapOvr>
+</p:notes>
+</file>
+
+<file path=ppt/notesSlides/notesSlide5.xml><?xml version="1.0" encoding="utf-8"?>
+<p:notes xmlns:a="http://schemas.openxmlformats.org/drawingml/2006/main" xmlns:r="http://schemas.openxmlformats.org/officeDocument/2006/relationships" xmlns:p="http://schemas.openxmlformats.org/presentationml/2006/main">
+  <p:cSld>
+    <p:spTree>
+      <p:nvGrpSpPr>
+        <p:cNvPr id="1" name=""/>
+        <p:cNvGrpSpPr/>
+        <p:nvPr/>
+      </p:nvGrpSpPr>
+      <p:grpSpPr>
+        <a:xfrm>
+          <a:off x="0" y="0"/>
+          <a:ext cx="0" cy="0"/>
+          <a:chOff x="0" y="0"/>
+          <a:chExt cx="0" cy="0"/>
+        </a:xfrm>
+      </p:grpSpPr>
+      <p:sp>
+        <p:nvSpPr>
+          <p:cNvPr id="2" name="Slide Image Placeholder 1"/>
+          <p:cNvSpPr>
+            <a:spLocks noGrp="1" noRot="1" noChangeAspect="1"/>
+          </p:cNvSpPr>
+          <p:nvPr>
+            <p:ph type="sldImg"/>
+          </p:nvPr>
+        </p:nvSpPr>
+        <p:spPr/>
+      </p:sp>
+      <p:sp>
+        <p:nvSpPr>
+          <p:cNvPr id="3" name="Notes Placeholder 2"/>
+          <p:cNvSpPr>
+            <a:spLocks noGrp="1"/>
+          </p:cNvSpPr>
+          <p:nvPr>
+            <p:ph type="body" idx="1"/>
+          </p:nvPr>
+        </p:nvSpPr>
+        <p:spPr/>
+        <p:txBody>
+          <a:bodyPr/>
+          <a:lstStyle/>
+          <a:p>
+            <a:pPr marL="0" marR="0" lvl="0" indent="0" algn="l" defTabSz="914400" rtl="0" eaLnBrk="1" fontAlgn="auto" latinLnBrk="0" hangingPunct="1">
+              <a:lnSpc>
+                <a:spcPct val="100000"/>
+              </a:lnSpc>
+              <a:spcBef>
+                <a:spcPts val="0"/>
+              </a:spcBef>
+              <a:spcAft>
+                <a:spcPts val="0"/>
+              </a:spcAft>
+              <a:buClrTx/>
+              <a:buSzTx/>
+              <a:buFontTx/>
+              <a:buNone/>
+              <a:tabLst/>
+              <a:defRPr/>
+            </a:pPr>
+            <a:r>
+              <a:rPr lang="de-DE" sz="1200" kern="1200" dirty="0">
+                <a:solidFill>
+                  <a:schemeClr val="tx1"/>
+                </a:solidFill>
+                <a:effectLst/>
+                <a:latin typeface="+mn-lt"/>
+                <a:ea typeface="+mn-ea"/>
+                <a:cs typeface="+mn-cs"/>
+              </a:rPr>
+              <a:t>[</a:t>
+            </a:r>
+            <a:r>
+              <a:rPr lang="de-DE" sz="1200" kern="1200" dirty="0" err="1">
+                <a:solidFill>
+                  <a:schemeClr val="tx1"/>
+                </a:solidFill>
+                <a:effectLst/>
+                <a:latin typeface="+mn-lt"/>
+                <a:ea typeface="+mn-ea"/>
+                <a:cs typeface="+mn-cs"/>
+              </a:rPr>
+              <a:t>layout</a:t>
+            </a:r>
+            <a:r>
+              <a:rPr lang="de-DE" sz="1200" kern="1200" dirty="0">
+                <a:solidFill>
+                  <a:schemeClr val="tx1"/>
+                </a:solidFill>
+                <a:effectLst/>
+                <a:latin typeface="+mn-lt"/>
+                <a:ea typeface="+mn-ea"/>
+                <a:cs typeface="+mn-cs"/>
+              </a:rPr>
+              <a:t>: </a:t>
+            </a:r>
+            <a:r>
+              <a:rPr lang="de-DE" sz="1200" kern="1200" dirty="0" err="1">
+                <a:solidFill>
+                  <a:schemeClr val="tx1"/>
+                </a:solidFill>
+                <a:effectLst/>
+                <a:latin typeface="+mn-lt"/>
+                <a:ea typeface="+mn-ea"/>
+                <a:cs typeface="+mn-cs"/>
+              </a:rPr>
+              <a:t>title_and_content</a:t>
+            </a:r>
+            <a:r>
+              <a:rPr lang="de-DE" sz="1200" kern="1200" dirty="0">
+                <a:solidFill>
+                  <a:schemeClr val="tx1"/>
+                </a:solidFill>
+                <a:effectLst/>
+                <a:latin typeface="+mn-lt"/>
+                <a:ea typeface="+mn-ea"/>
+                <a:cs typeface="+mn-cs"/>
+              </a:rPr>
+              <a:t>]</a:t>
+            </a:r>
+          </a:p>
+        </p:txBody>
+      </p:sp>
+      <p:sp>
+        <p:nvSpPr>
+          <p:cNvPr id="4" name="Slide Number Placeholder 3"/>
+          <p:cNvSpPr>
+            <a:spLocks noGrp="1"/>
+          </p:cNvSpPr>
+          <p:nvPr>
+            <p:ph type="sldNum" sz="quarter" idx="5"/>
+          </p:nvPr>
+        </p:nvSpPr>
+        <p:spPr/>
+        <p:txBody>
+          <a:bodyPr/>
+          <a:lstStyle/>
+          <a:p>
+            <a:fld id="{CE7B3DDE-D4F3-48A2-A1E3-A61CF778A29A}" type="slidenum">
+              <a:rPr lang="de-DE" smtClean="0"/>
+              <a:t>5</a:t>
+            </a:fld>
+            <a:endParaRPr lang="de-DE"/>
+          </a:p>
+        </p:txBody>
+      </p:sp>
+    </p:spTree>
+    <p:extLst>
+      <p:ext uri="{BB962C8B-B14F-4D97-AF65-F5344CB8AC3E}">
+        <p14:creationId xmlns:p14="http://schemas.microsoft.com/office/powerpoint/2010/main" val="3084600682"/>
+      </p:ext>
+    </p:extLst>
+  </p:cSld>
+  <p:clrMapOvr>
+    <a:masterClrMapping/>
+  </p:clrMapOvr>
+</p:notes>
+</file>
+
+<file path=ppt/notesSlides/notesSlide6.xml><?xml version="1.0" encoding="utf-8"?>
+<p:notes xmlns:a="http://schemas.openxmlformats.org/drawingml/2006/main" xmlns:r="http://schemas.openxmlformats.org/officeDocument/2006/relationships" xmlns:p="http://schemas.openxmlformats.org/presentationml/2006/main">
+  <p:cSld>
+    <p:spTree>
+      <p:nvGrpSpPr>
+        <p:cNvPr id="1" name=""/>
+        <p:cNvGrpSpPr/>
+        <p:nvPr/>
+      </p:nvGrpSpPr>
+      <p:grpSpPr>
+        <a:xfrm>
+          <a:off x="0" y="0"/>
+          <a:ext cx="0" cy="0"/>
+          <a:chOff x="0" y="0"/>
+          <a:chExt cx="0" cy="0"/>
+        </a:xfrm>
+      </p:grpSpPr>
+      <p:sp>
+        <p:nvSpPr>
+          <p:cNvPr id="2" name="Slide Image Placeholder 1"/>
+          <p:cNvSpPr>
+            <a:spLocks noGrp="1" noRot="1" noChangeAspect="1"/>
+          </p:cNvSpPr>
+          <p:nvPr>
+            <p:ph type="sldImg"/>
+          </p:nvPr>
+        </p:nvSpPr>
+        <p:spPr/>
+      </p:sp>
+      <p:sp>
+        <p:nvSpPr>
+          <p:cNvPr id="3" name="Notes Placeholder 2"/>
+          <p:cNvSpPr>
+            <a:spLocks noGrp="1"/>
+          </p:cNvSpPr>
+          <p:nvPr>
+            <p:ph type="body" idx="1"/>
+          </p:nvPr>
+        </p:nvSpPr>
+        <p:spPr/>
+        <p:txBody>
+          <a:bodyPr/>
+          <a:lstStyle/>
+          <a:p>
+            <a:pPr marL="0" marR="0" lvl="0" indent="0" algn="l" defTabSz="914400" rtl="0" eaLnBrk="1" fontAlgn="auto" latinLnBrk="0" hangingPunct="1">
+              <a:lnSpc>
+                <a:spcPct val="100000"/>
+              </a:lnSpc>
+              <a:spcBef>
+                <a:spcPts val="0"/>
+              </a:spcBef>
+              <a:spcAft>
+                <a:spcPts val="0"/>
+              </a:spcAft>
+              <a:buClrTx/>
+              <a:buSzTx/>
+              <a:buFontTx/>
+              <a:buNone/>
+              <a:tabLst/>
+              <a:defRPr/>
+            </a:pPr>
+            <a:r>
+              <a:rPr lang="de-DE" sz="1200" kern="1200" dirty="0">
+                <a:solidFill>
+                  <a:schemeClr val="tx1"/>
+                </a:solidFill>
+                <a:effectLst/>
+                <a:latin typeface="+mn-lt"/>
+                <a:ea typeface="+mn-ea"/>
+                <a:cs typeface="+mn-cs"/>
+              </a:rPr>
+              <a:t>[</a:t>
+            </a:r>
+            <a:r>
+              <a:rPr lang="de-DE" sz="1200" kern="1200" dirty="0" err="1">
+                <a:solidFill>
+                  <a:schemeClr val="tx1"/>
+                </a:solidFill>
+                <a:effectLst/>
+                <a:latin typeface="+mn-lt"/>
+                <a:ea typeface="+mn-ea"/>
+                <a:cs typeface="+mn-cs"/>
+              </a:rPr>
+              <a:t>layout</a:t>
+            </a:r>
+            <a:r>
+              <a:rPr lang="de-DE" sz="1200" kern="1200" dirty="0">
+                <a:solidFill>
+                  <a:schemeClr val="tx1"/>
+                </a:solidFill>
+                <a:effectLst/>
+                <a:latin typeface="+mn-lt"/>
+                <a:ea typeface="+mn-ea"/>
+                <a:cs typeface="+mn-cs"/>
+              </a:rPr>
+              <a:t>: </a:t>
+            </a:r>
+            <a:r>
+              <a:rPr lang="de-DE" sz="1200" kern="1200" dirty="0" err="1">
+                <a:solidFill>
+                  <a:schemeClr val="tx1"/>
+                </a:solidFill>
+                <a:effectLst/>
+                <a:latin typeface="+mn-lt"/>
+                <a:ea typeface="+mn-ea"/>
+                <a:cs typeface="+mn-cs"/>
+              </a:rPr>
+              <a:t>two_content</a:t>
+            </a:r>
+            <a:r>
+              <a:rPr lang="de-DE" sz="1200" kern="1200" dirty="0">
+                <a:solidFill>
+                  <a:schemeClr val="tx1"/>
+                </a:solidFill>
+                <a:effectLst/>
+                <a:latin typeface="+mn-lt"/>
+                <a:ea typeface="+mn-ea"/>
+                <a:cs typeface="+mn-cs"/>
+              </a:rPr>
+              <a:t>, </a:t>
+            </a:r>
+            <a:r>
+              <a:rPr lang="de-DE" sz="1200" kern="1200" dirty="0" err="1">
+                <a:solidFill>
+                  <a:schemeClr val="tx1"/>
+                </a:solidFill>
+                <a:effectLst/>
+                <a:latin typeface="+mn-lt"/>
+                <a:ea typeface="+mn-ea"/>
+                <a:cs typeface="+mn-cs"/>
+              </a:rPr>
+              <a:t>text</a:t>
+            </a:r>
+            <a:r>
+              <a:rPr lang="de-DE" sz="1200" kern="1200" dirty="0">
+                <a:solidFill>
+                  <a:schemeClr val="tx1"/>
+                </a:solidFill>
+                <a:effectLst/>
+                <a:latin typeface="+mn-lt"/>
+                <a:ea typeface="+mn-ea"/>
+                <a:cs typeface="+mn-cs"/>
+              </a:rPr>
+              <a:t> </a:t>
+            </a:r>
+            <a:r>
+              <a:rPr lang="de-DE" sz="1200" kern="1200" dirty="0" err="1">
+                <a:solidFill>
+                  <a:schemeClr val="tx1"/>
+                </a:solidFill>
+                <a:effectLst/>
+                <a:latin typeface="+mn-lt"/>
+                <a:ea typeface="+mn-ea"/>
+                <a:cs typeface="+mn-cs"/>
+              </a:rPr>
+              <a:t>both</a:t>
+            </a:r>
+            <a:r>
+              <a:rPr lang="de-DE" sz="1200" kern="1200" dirty="0">
+                <a:solidFill>
+                  <a:schemeClr val="tx1"/>
+                </a:solidFill>
+                <a:effectLst/>
+                <a:latin typeface="+mn-lt"/>
+                <a:ea typeface="+mn-ea"/>
+                <a:cs typeface="+mn-cs"/>
+              </a:rPr>
+              <a:t>] </a:t>
+            </a:r>
+          </a:p>
+          <a:p>
+            <a:endParaRPr lang="de-DE" dirty="0"/>
+          </a:p>
+        </p:txBody>
+      </p:sp>
+      <p:sp>
+        <p:nvSpPr>
+          <p:cNvPr id="4" name="Slide Number Placeholder 3"/>
+          <p:cNvSpPr>
+            <a:spLocks noGrp="1"/>
+          </p:cNvSpPr>
+          <p:nvPr>
+            <p:ph type="sldNum" sz="quarter" idx="5"/>
+          </p:nvPr>
+        </p:nvSpPr>
+        <p:spPr/>
+        <p:txBody>
+          <a:bodyPr/>
+          <a:lstStyle/>
+          <a:p>
+            <a:fld id="{CE7B3DDE-D4F3-48A2-A1E3-A61CF778A29A}" type="slidenum">
+              <a:rPr lang="de-DE" smtClean="0"/>
+              <a:t>6</a:t>
+            </a:fld>
+            <a:endParaRPr lang="de-DE"/>
+          </a:p>
+        </p:txBody>
+      </p:sp>
+    </p:spTree>
+    <p:extLst>
+      <p:ext uri="{BB962C8B-B14F-4D97-AF65-F5344CB8AC3E}">
+        <p14:creationId xmlns:p14="http://schemas.microsoft.com/office/powerpoint/2010/main" val="2587736696"/>
+      </p:ext>
+    </p:extLst>
+  </p:cSld>
+  <p:clrMapOvr>
+    <a:masterClrMapping/>
+  </p:clrMapOvr>
+</p:notes>
+</file>
+
 <file path=ppt/slideLayouts/slideLayout1.xml><?xml version="1.0" encoding="utf-8"?>
 <p:sldLayout xmlns:a="http://schemas.openxmlformats.org/drawingml/2006/main" xmlns:r="http://schemas.openxmlformats.org/officeDocument/2006/relationships" xmlns:p="http://schemas.openxmlformats.org/presentationml/2006/main" type="title" preserve="1">
   <p:cSld name="Title Slide">
@@ -741,6 +2182,2019 @@
 </p:sldLayout>
 </file>
 
+<file path=ppt/slideLayouts/slideLayout12.xml><?xml version="1.0" encoding="utf-8"?>
+<p:sldLayout xmlns:a="http://schemas.openxmlformats.org/drawingml/2006/main" xmlns:r="http://schemas.openxmlformats.org/officeDocument/2006/relationships" xmlns:p="http://schemas.openxmlformats.org/presentationml/2006/main" showMasterSp="0" type="titleOnly">
+  <p:cSld name="Titelfolie">
+    <p:spTree>
+      <p:nvGrpSpPr>
+        <p:cNvPr id="1" name=""/>
+        <p:cNvGrpSpPr/>
+        <p:nvPr/>
+      </p:nvGrpSpPr>
+      <p:grpSpPr>
+        <a:xfrm>
+          <a:off x="0" y="0"/>
+          <a:ext cx="0" cy="0"/>
+          <a:chOff x="0" y="0"/>
+          <a:chExt cx="0" cy="0"/>
+        </a:xfrm>
+      </p:grpSpPr>
+      <p:pic>
+        <p:nvPicPr>
+          <p:cNvPr id="7" name="Hintergrundbild">
+            <a:extLst>
+              <a:ext uri="{FF2B5EF4-FFF2-40B4-BE49-F238E27FC236}">
+                <a16:creationId xmlns:a16="http://schemas.microsoft.com/office/drawing/2014/main" id="{3D1FB8BF-7CDF-39AE-7E27-7E86A69D9163}"/>
+              </a:ext>
+            </a:extLst>
+          </p:cNvPr>
+          <p:cNvPicPr>
+            <a:picLocks/>
+          </p:cNvPicPr>
+          <p:nvPr userDrawn="1"/>
+        </p:nvPicPr>
+        <p:blipFill>
+          <a:blip r:embed="rId2">
+            <a:extLst>
+              <a:ext uri="{28A0092B-C50C-407E-A947-70E740481C1C}">
+                <a14:useLocalDpi xmlns:a14="http://schemas.microsoft.com/office/drawing/2010/main" val="0"/>
+              </a:ext>
+            </a:extLst>
+          </a:blip>
+          <a:srcRect l="21" r="21"/>
+          <a:stretch>
+            <a:fillRect/>
+          </a:stretch>
+        </p:blipFill>
+        <p:spPr>
+          <a:xfrm>
+            <a:off x="0" y="0"/>
+            <a:ext cx="12192000" cy="6858000"/>
+          </a:xfrm>
+          <a:prstGeom prst="rect">
+            <a:avLst/>
+          </a:prstGeom>
+        </p:spPr>
+      </p:pic>
+      <p:sp>
+        <p:nvSpPr>
+          <p:cNvPr id="2" name="Titel 1">
+            <a:extLst>
+              <a:ext uri="{FF2B5EF4-FFF2-40B4-BE49-F238E27FC236}">
+                <a16:creationId xmlns:a16="http://schemas.microsoft.com/office/drawing/2014/main" id="{3365766F-6108-765D-42F9-80F55CD31629}"/>
+              </a:ext>
+            </a:extLst>
+          </p:cNvPr>
+          <p:cNvSpPr>
+            <a:spLocks noGrp="1"/>
+          </p:cNvSpPr>
+          <p:nvPr>
+            <p:ph type="title" hasCustomPrompt="1"/>
+          </p:nvPr>
+        </p:nvSpPr>
+        <p:spPr>
+          <a:xfrm>
+            <a:off x="290031" y="1787951"/>
+            <a:ext cx="8618780" cy="4503999"/>
+          </a:xfrm>
+          <a:prstGeom prst="rect">
+            <a:avLst/>
+          </a:prstGeom>
+        </p:spPr>
+        <p:txBody>
+          <a:bodyPr lIns="0" tIns="0" rIns="0" bIns="0" anchor="t"/>
+          <a:lstStyle>
+            <a:lvl1pPr algn="l">
+              <a:lnSpc>
+                <a:spcPct val="95000"/>
+              </a:lnSpc>
+              <a:spcBef>
+                <a:spcPts val="0"/>
+              </a:spcBef>
+              <a:spcAft>
+                <a:spcPts val="0"/>
+              </a:spcAft>
+              <a:defRPr sz="5690" b="1" i="0" u="none">
+                <a:solidFill>
+                  <a:srgbClr val="FFFFFF"/>
+                </a:solidFill>
+                <a:latin typeface="Frutiger for ZKB Light" panose="020B0303030504020204" pitchFamily="34" charset="0"/>
+              </a:defRPr>
+            </a:lvl1pPr>
+          </a:lstStyle>
+          <a:p>
+            <a:r>
+              <a:rPr lang="de-CH"/>
+              <a:t>Präsentationstitel</a:t>
+            </a:r>
+            <a:br>
+              <a:rPr lang="de-CH"/>
+            </a:br>
+            <a:r>
+              <a:rPr lang="de-CH"/>
+              <a:t>(max. dreizeilig)</a:t>
+            </a:r>
+            <a:endParaRPr lang="de-CH" dirty="0"/>
+          </a:p>
+        </p:txBody>
+      </p:sp>
+      <p:sp>
+        <p:nvSpPr>
+          <p:cNvPr id="5" name="Untertitel 4">
+            <a:extLst>
+              <a:ext uri="{FF2B5EF4-FFF2-40B4-BE49-F238E27FC236}">
+                <a16:creationId xmlns:a16="http://schemas.microsoft.com/office/drawing/2014/main" id="{7B1B45FA-E305-A413-78CB-99F3966EEEBE}"/>
+              </a:ext>
+            </a:extLst>
+          </p:cNvPr>
+          <p:cNvSpPr>
+            <a:spLocks noGrp="1"/>
+          </p:cNvSpPr>
+          <p:nvPr>
+            <p:ph type="subTitle" idx="10" hasCustomPrompt="1"/>
+          </p:nvPr>
+        </p:nvSpPr>
+        <p:spPr>
+          <a:xfrm>
+            <a:off x="290031" y="272970"/>
+            <a:ext cx="8618780" cy="232706"/>
+          </a:xfrm>
+          <a:prstGeom prst="rect">
+            <a:avLst/>
+          </a:prstGeom>
+        </p:spPr>
+        <p:txBody>
+          <a:bodyPr lIns="0" tIns="0" rIns="0" bIns="0" anchor="t"/>
+          <a:lstStyle>
+            <a:lvl1pPr marL="0" indent="0" algn="l">
+              <a:lnSpc>
+                <a:spcPct val="100000"/>
+              </a:lnSpc>
+              <a:spcBef>
+                <a:spcPts val="0"/>
+              </a:spcBef>
+              <a:spcAft>
+                <a:spcPts val="0"/>
+              </a:spcAft>
+              <a:buNone/>
+              <a:defRPr sz="1517" b="1" i="0" u="none">
+                <a:solidFill>
+                  <a:srgbClr val="FFFFFF"/>
+                </a:solidFill>
+                <a:latin typeface="Frutiger for ZKB Light" panose="020B0303030504020204" pitchFamily="34" charset="0"/>
+              </a:defRPr>
+            </a:lvl1pPr>
+            <a:lvl2pPr marL="433608" indent="0" algn="ctr">
+              <a:buNone/>
+            </a:lvl2pPr>
+            <a:lvl3pPr marL="867217" indent="0" algn="ctr">
+              <a:buNone/>
+            </a:lvl3pPr>
+            <a:lvl4pPr marL="1300825" indent="0" algn="ctr">
+              <a:buNone/>
+            </a:lvl4pPr>
+            <a:lvl5pPr marL="1734434" indent="0" algn="ctr">
+              <a:buNone/>
+            </a:lvl5pPr>
+            <a:lvl6pPr marL="2168042" indent="0" algn="ctr">
+              <a:buNone/>
+            </a:lvl6pPr>
+            <a:lvl7pPr marL="2601651" indent="0" algn="ctr">
+              <a:buNone/>
+            </a:lvl7pPr>
+            <a:lvl8pPr marL="3035259" indent="0" algn="ctr">
+              <a:buNone/>
+            </a:lvl8pPr>
+            <a:lvl9pPr marL="3468868" indent="0" algn="ctr">
+              <a:buNone/>
+            </a:lvl9pPr>
+          </a:lstStyle>
+          <a:p>
+            <a:r>
+              <a:rPr lang="de-CH"/>
+              <a:t>Titel</a:t>
+            </a:r>
+            <a:endParaRPr lang="de-CH" dirty="0"/>
+          </a:p>
+        </p:txBody>
+      </p:sp>
+      <p:sp>
+        <p:nvSpPr>
+          <p:cNvPr id="6" name="Textplatzhalter 5">
+            <a:extLst>
+              <a:ext uri="{FF2B5EF4-FFF2-40B4-BE49-F238E27FC236}">
+                <a16:creationId xmlns:a16="http://schemas.microsoft.com/office/drawing/2014/main" id="{D9A82973-AB3D-5053-4B99-D1016BB695A9}"/>
+              </a:ext>
+            </a:extLst>
+          </p:cNvPr>
+          <p:cNvSpPr>
+            <a:spLocks noGrp="1"/>
+          </p:cNvSpPr>
+          <p:nvPr>
+            <p:ph type="body" sz="quarter" idx="11" hasCustomPrompt="1"/>
+          </p:nvPr>
+        </p:nvSpPr>
+        <p:spPr>
+          <a:xfrm>
+            <a:off x="290031" y="525467"/>
+            <a:ext cx="8618780" cy="232706"/>
+          </a:xfrm>
+          <a:prstGeom prst="rect">
+            <a:avLst/>
+          </a:prstGeom>
+        </p:spPr>
+        <p:txBody>
+          <a:bodyPr lIns="0" tIns="0" rIns="0" bIns="0" anchor="t"/>
+          <a:lstStyle>
+            <a:lvl1pPr algn="l">
+              <a:lnSpc>
+                <a:spcPct val="100000"/>
+              </a:lnSpc>
+              <a:spcBef>
+                <a:spcPts val="0"/>
+              </a:spcBef>
+              <a:spcAft>
+                <a:spcPts val="0"/>
+              </a:spcAft>
+              <a:defRPr sz="1517" b="0" i="0" u="none">
+                <a:solidFill>
+                  <a:srgbClr val="FFFFFF"/>
+                </a:solidFill>
+                <a:latin typeface="Frutiger for ZKB Light" panose="020B0303030504020204" pitchFamily="34" charset="0"/>
+              </a:defRPr>
+            </a:lvl1pPr>
+          </a:lstStyle>
+          <a:p>
+            <a:pPr lvl="0"/>
+            <a:r>
+              <a:rPr lang="de-CH"/>
+              <a:t>Referenz, Abteilung, Datum</a:t>
+            </a:r>
+            <a:endParaRPr lang="de-CH" dirty="0"/>
+          </a:p>
+        </p:txBody>
+      </p:sp>
+      <p:pic>
+        <p:nvPicPr>
+          <p:cNvPr id="10" name="ZKB_LOGO">
+            <a:extLst>
+              <a:ext uri="{FF2B5EF4-FFF2-40B4-BE49-F238E27FC236}">
+                <a16:creationId xmlns:a16="http://schemas.microsoft.com/office/drawing/2014/main" id="{5A92113E-222A-880D-9911-9770422C9D59}"/>
+              </a:ext>
+            </a:extLst>
+          </p:cNvPr>
+          <p:cNvPicPr>
+            <a:picLocks noChangeAspect="1"/>
+          </p:cNvPicPr>
+          <p:nvPr userDrawn="1"/>
+        </p:nvPicPr>
+        <p:blipFill>
+          <a:blip r:embed="rId3">
+            <a:extLst>
+              <a:ext uri="{96DAC541-7B7A-43D3-8B79-37D633B846F1}">
+                <asvg:svgBlip xmlns:asvg="http://schemas.microsoft.com/office/drawing/2016/SVG/main" r:embed="rId4"/>
+              </a:ext>
+            </a:extLst>
+          </a:blip>
+          <a:stretch>
+            <a:fillRect/>
+          </a:stretch>
+        </p:blipFill>
+        <p:spPr>
+          <a:xfrm>
+            <a:off x="10001478" y="296854"/>
+            <a:ext cx="1900499" cy="443954"/>
+          </a:xfrm>
+          <a:prstGeom prst="rect">
+            <a:avLst/>
+          </a:prstGeom>
+        </p:spPr>
+      </p:pic>
+      <p:sp>
+        <p:nvSpPr>
+          <p:cNvPr id="11" name="Hilfetext">
+            <a:extLst>
+              <a:ext uri="{FF2B5EF4-FFF2-40B4-BE49-F238E27FC236}">
+                <a16:creationId xmlns:a16="http://schemas.microsoft.com/office/drawing/2014/main" id="{236C1A26-0EEE-D3C3-BCF4-BBC843AF15E3}"/>
+              </a:ext>
+            </a:extLst>
+          </p:cNvPr>
+          <p:cNvSpPr/>
+          <p:nvPr userDrawn="1"/>
+        </p:nvSpPr>
+        <p:spPr>
+          <a:xfrm>
+            <a:off x="8973119" y="1312881"/>
+            <a:ext cx="3059292" cy="1698315"/>
+          </a:xfrm>
+          <a:prstGeom prst="rect">
+            <a:avLst/>
+          </a:prstGeom>
+        </p:spPr>
+        <p:txBody>
+          <a:bodyPr vert="horz" wrap="square" lIns="0" tIns="0" rIns="0" bIns="0" rtlCol="0" anchor="t" anchorCtr="0">
+            <a:noAutofit/>
+          </a:bodyPr>
+          <a:lstStyle/>
+          <a:p>
+            <a:pPr algn="l"/>
+            <a:r>
+              <a:rPr lang="de-CH" sz="1517" b="1" i="0" u="none" dirty="0">
+                <a:solidFill>
+                  <a:srgbClr val="FFFFFF"/>
+                </a:solidFill>
+                <a:latin typeface="Frutiger for ZKB Light" panose="020B0303030504020204" pitchFamily="34" charset="0"/>
+              </a:rPr>
+              <a:t>Bild Titelfolie ändern</a:t>
+            </a:r>
+            <a:br>
+              <a:rPr lang="de-CH" sz="1517" b="1" i="0" u="none" dirty="0">
+                <a:solidFill>
+                  <a:srgbClr val="FFFFFF"/>
+                </a:solidFill>
+                <a:latin typeface="Frutiger for ZKB Light" panose="020B0303030504020204" pitchFamily="34" charset="0"/>
+              </a:rPr>
+            </a:br>
+            <a:r>
+              <a:rPr lang="de-CH" sz="1517" b="1" i="0" u="none" dirty="0">
+                <a:solidFill>
+                  <a:srgbClr val="FFFFFF"/>
+                </a:solidFill>
+                <a:latin typeface="Frutiger for ZKB Light" panose="020B0303030504020204" pitchFamily="34" charset="0"/>
+              </a:rPr>
+              <a:t>über die ZKB-Lasche</a:t>
+            </a:r>
+            <a:br>
+              <a:rPr lang="de-CH" sz="1517" b="1" i="0" u="none" dirty="0">
+                <a:solidFill>
+                  <a:srgbClr val="FFFFFF"/>
+                </a:solidFill>
+                <a:latin typeface="Frutiger for ZKB Light" panose="020B0303030504020204" pitchFamily="34" charset="0"/>
+              </a:rPr>
+            </a:br>
+            <a:br>
+              <a:rPr lang="de-CH" sz="1517" b="1" i="0" u="none" dirty="0">
+                <a:solidFill>
+                  <a:srgbClr val="FFFFFF"/>
+                </a:solidFill>
+                <a:latin typeface="Frutiger for ZKB Light" panose="020B0303030504020204" pitchFamily="34" charset="0"/>
+              </a:rPr>
+            </a:br>
+            <a:r>
+              <a:rPr lang="de-CH" sz="1517" b="1" i="0" u="none" dirty="0">
+                <a:solidFill>
+                  <a:srgbClr val="FFFFFF"/>
+                </a:solidFill>
+                <a:latin typeface="Frutiger for ZKB Light" panose="020B0303030504020204" pitchFamily="34" charset="0"/>
+              </a:rPr>
+              <a:t>Button: Bild Titelfolie</a:t>
+            </a:r>
+          </a:p>
+        </p:txBody>
+      </p:sp>
+      <p:grpSp>
+        <p:nvGrpSpPr>
+          <p:cNvPr id="15" name="StempelA" hidden="1">
+            <a:extLst>
+              <a:ext uri="{FF2B5EF4-FFF2-40B4-BE49-F238E27FC236}">
+                <a16:creationId xmlns:a16="http://schemas.microsoft.com/office/drawing/2014/main" id="{D45DCE91-4B51-CAEF-3B08-E0B079E6E462}"/>
+              </a:ext>
+            </a:extLst>
+          </p:cNvPr>
+          <p:cNvGrpSpPr/>
+          <p:nvPr userDrawn="1"/>
+        </p:nvGrpSpPr>
+        <p:grpSpPr>
+          <a:xfrm>
+            <a:off x="11375960" y="6014647"/>
+            <a:ext cx="526010" cy="277303"/>
+            <a:chOff x="1270000" y="1270000"/>
+            <a:chExt cx="554639" cy="292388"/>
+          </a:xfrm>
+        </p:grpSpPr>
+        <p:sp>
+          <p:nvSpPr>
+            <p:cNvPr id="12" name="Textfeld 11" hidden="1">
+              <a:extLst>
+                <a:ext uri="{FF2B5EF4-FFF2-40B4-BE49-F238E27FC236}">
+                  <a16:creationId xmlns:a16="http://schemas.microsoft.com/office/drawing/2014/main" id="{61BB873D-AA17-4BEA-EE14-5BAB2D51E1D3}"/>
+                </a:ext>
+              </a:extLst>
+            </p:cNvPr>
+            <p:cNvSpPr txBox="1"/>
+            <p:nvPr userDrawn="1"/>
+          </p:nvSpPr>
+          <p:spPr>
+            <a:xfrm>
+              <a:off x="1270000" y="1270000"/>
+              <a:ext cx="554639" cy="292388"/>
+            </a:xfrm>
+            <a:prstGeom prst="rect">
+              <a:avLst/>
+            </a:prstGeom>
+            <a:noFill/>
+            <a:ln cmpd="sng">
+              <a:noFill/>
+              <a:prstDash val="solid"/>
+            </a:ln>
+            <a:effectLst/>
+            <a:extLst>
+              <a:ext uri="{909E8E84-426E-40DD-AFC4-6F175D3DCCD1}">
+                <a14:hiddenFill xmlns:a14="http://schemas.microsoft.com/office/drawing/2010/main">
+                  <a:solidFill>
+                    <a:schemeClr val="accent1"/>
+                  </a:solidFill>
+                </a14:hiddenFill>
+              </a:ext>
+              <a:ext uri="{91240B29-F687-4F45-9708-019B960494DF}">
+                <a14:hiddenLine xmlns:a14="http://schemas.microsoft.com/office/drawing/2010/main" w="9525" cap="flat" cmpd="sng" algn="ctr">
+                  <a:solidFill>
+                    <a:srgbClr val="FF0000"/>
+                  </a:solidFill>
+                  <a:prstDash val="solid"/>
+                  <a:round/>
+                  <a:headEnd type="none" w="med" len="med"/>
+                  <a:tailEnd type="none" w="med" len="med"/>
+                </a14:hiddenLine>
+              </a:ext>
+            </a:extLst>
+          </p:spPr>
+          <p:txBody>
+            <a:bodyPr vert="horz" wrap="none" lIns="88900" tIns="38100" rIns="76200" bIns="38100" rtlCol="0" anchor="t" anchorCtr="0">
+              <a:noAutofit/>
+            </a:bodyPr>
+            <a:lstStyle/>
+            <a:p>
+              <a:pPr marL="0" indent="-271005" algn="l" defTabSz="269555" rtl="0" eaLnBrk="1" fontAlgn="base" latinLnBrk="0" hangingPunct="1">
+                <a:lnSpc>
+                  <a:spcPct val="100000"/>
+                </a:lnSpc>
+                <a:spcBef>
+                  <a:spcPts val="0"/>
+                </a:spcBef>
+                <a:spcAft>
+                  <a:spcPts val="0"/>
+                </a:spcAft>
+                <a:buClr>
+                  <a:srgbClr val="003CB4"/>
+                </a:buClr>
+                <a:buFont typeface="Frutiger for ZKB Light" panose="020B0303030504020204" pitchFamily="34" charset="0"/>
+                <a:buNone/>
+              </a:pPr>
+              <a:r>
+                <a:rPr lang="de-CH" sz="1328" b="0" i="0" u="none" dirty="0" err="1">
+                  <a:solidFill>
+                    <a:srgbClr val="003CB4"/>
+                  </a:solidFill>
+                  <a:latin typeface="Frutiger for ZKB Light" panose="020B0303030504020204" pitchFamily="34" charset="0"/>
+                </a:rPr>
+                <a:t>Draft</a:t>
+              </a:r>
+              <a:endParaRPr lang="de-CH" sz="1328" b="0" i="0" u="none" dirty="0">
+                <a:solidFill>
+                  <a:srgbClr val="003CB4"/>
+                </a:solidFill>
+                <a:latin typeface="Frutiger for ZKB Light" panose="020B0303030504020204" pitchFamily="34" charset="0"/>
+              </a:endParaRPr>
+            </a:p>
+          </p:txBody>
+        </p:sp>
+        <p:cxnSp>
+          <p:nvCxnSpPr>
+            <p:cNvPr id="13" name="Gerader Verbinder 12" hidden="1">
+              <a:extLst>
+                <a:ext uri="{FF2B5EF4-FFF2-40B4-BE49-F238E27FC236}">
+                  <a16:creationId xmlns:a16="http://schemas.microsoft.com/office/drawing/2014/main" id="{16BF8AA4-8278-0B95-C0B0-12B392F55CDC}"/>
+                </a:ext>
+              </a:extLst>
+            </p:cNvPr>
+            <p:cNvCxnSpPr/>
+            <p:nvPr userDrawn="1"/>
+          </p:nvCxnSpPr>
+          <p:spPr>
+            <a:xfrm>
+              <a:off x="1270000" y="1270000"/>
+              <a:ext cx="554639" cy="0"/>
+            </a:xfrm>
+            <a:prstGeom prst="line">
+              <a:avLst/>
+            </a:prstGeom>
+            <a:ln w="6350" cap="flat" cmpd="sng" algn="ctr">
+              <a:solidFill>
+                <a:srgbClr val="003CB4"/>
+              </a:solidFill>
+              <a:prstDash val="solid"/>
+              <a:miter lim="800000"/>
+              <a:headEnd type="none" w="med" len="med"/>
+              <a:tailEnd type="none" w="med" len="med"/>
+            </a:ln>
+          </p:spPr>
+          <p:style>
+            <a:lnRef idx="1">
+              <a:schemeClr val="accent1"/>
+            </a:lnRef>
+            <a:fillRef idx="0">
+              <a:schemeClr val="accent1"/>
+            </a:fillRef>
+            <a:effectRef idx="0">
+              <a:schemeClr val="accent1"/>
+            </a:effectRef>
+            <a:fontRef idx="minor">
+              <a:schemeClr val="tx1"/>
+            </a:fontRef>
+          </p:style>
+        </p:cxnSp>
+        <p:cxnSp>
+          <p:nvCxnSpPr>
+            <p:cNvPr id="14" name="Gerader Verbinder 13" hidden="1">
+              <a:extLst>
+                <a:ext uri="{FF2B5EF4-FFF2-40B4-BE49-F238E27FC236}">
+                  <a16:creationId xmlns:a16="http://schemas.microsoft.com/office/drawing/2014/main" id="{844FC251-4BAA-4668-7D9D-87B05430ACE9}"/>
+                </a:ext>
+              </a:extLst>
+            </p:cNvPr>
+            <p:cNvCxnSpPr/>
+            <p:nvPr userDrawn="1"/>
+          </p:nvCxnSpPr>
+          <p:spPr>
+            <a:xfrm>
+              <a:off x="1270000" y="1562388"/>
+              <a:ext cx="554639" cy="0"/>
+            </a:xfrm>
+            <a:prstGeom prst="line">
+              <a:avLst/>
+            </a:prstGeom>
+            <a:ln w="6350" cap="flat" cmpd="sng" algn="ctr">
+              <a:solidFill>
+                <a:srgbClr val="003CB4"/>
+              </a:solidFill>
+              <a:prstDash val="solid"/>
+              <a:miter lim="800000"/>
+              <a:headEnd type="none" w="med" len="med"/>
+              <a:tailEnd type="none" w="med" len="med"/>
+            </a:ln>
+          </p:spPr>
+          <p:style>
+            <a:lnRef idx="1">
+              <a:schemeClr val="accent1"/>
+            </a:lnRef>
+            <a:fillRef idx="0">
+              <a:schemeClr val="accent1"/>
+            </a:fillRef>
+            <a:effectRef idx="0">
+              <a:schemeClr val="accent1"/>
+            </a:effectRef>
+            <a:fontRef idx="minor">
+              <a:schemeClr val="tx1"/>
+            </a:fontRef>
+          </p:style>
+        </p:cxnSp>
+      </p:grpSp>
+    </p:spTree>
+    <p:extLst>
+      <p:ext uri="{BB962C8B-B14F-4D97-AF65-F5344CB8AC3E}">
+        <p14:creationId xmlns:p14="http://schemas.microsoft.com/office/powerpoint/2010/main" val="1387748482"/>
+      </p:ext>
+    </p:extLst>
+  </p:cSld>
+  <p:clrMapOvr>
+    <a:masterClrMapping/>
+  </p:clrMapOvr>
+</p:sldLayout>
+</file>
+
+<file path=ppt/slideLayouts/slideLayout13.xml><?xml version="1.0" encoding="utf-8"?>
+<p:sldLayout xmlns:a="http://schemas.openxmlformats.org/drawingml/2006/main" xmlns:r="http://schemas.openxmlformats.org/officeDocument/2006/relationships" xmlns:p="http://schemas.openxmlformats.org/presentationml/2006/main" type="titleOnly">
+  <p:cSld name="Agenda">
+    <p:spTree>
+      <p:nvGrpSpPr>
+        <p:cNvPr id="1" name=""/>
+        <p:cNvGrpSpPr/>
+        <p:nvPr/>
+      </p:nvGrpSpPr>
+      <p:grpSpPr>
+        <a:xfrm>
+          <a:off x="0" y="0"/>
+          <a:ext cx="0" cy="0"/>
+          <a:chOff x="0" y="0"/>
+          <a:chExt cx="0" cy="0"/>
+        </a:xfrm>
+      </p:grpSpPr>
+      <p:sp>
+        <p:nvSpPr>
+          <p:cNvPr id="2" name="Titel 1">
+            <a:extLst>
+              <a:ext uri="{FF2B5EF4-FFF2-40B4-BE49-F238E27FC236}">
+                <a16:creationId xmlns:a16="http://schemas.microsoft.com/office/drawing/2014/main" id="{AC0A4AE7-72D4-F30F-AB0F-4EA3B9EA6E62}"/>
+              </a:ext>
+            </a:extLst>
+          </p:cNvPr>
+          <p:cNvSpPr>
+            <a:spLocks noGrp="1"/>
+          </p:cNvSpPr>
+          <p:nvPr>
+            <p:ph type="title" hasCustomPrompt="1"/>
+          </p:nvPr>
+        </p:nvSpPr>
+        <p:spPr>
+          <a:xfrm>
+            <a:off x="290030" y="272970"/>
+            <a:ext cx="9656040" cy="818909"/>
+          </a:xfrm>
+          <a:prstGeom prst="rect">
+            <a:avLst/>
+          </a:prstGeom>
+        </p:spPr>
+        <p:txBody>
+          <a:bodyPr wrap="square" lIns="0" tIns="0" rIns="0" bIns="0" anchor="t" anchorCtr="0">
+            <a:noAutofit/>
+          </a:bodyPr>
+          <a:lstStyle>
+            <a:lvl1pPr algn="l">
+              <a:lnSpc>
+                <a:spcPct val="95000"/>
+              </a:lnSpc>
+              <a:spcBef>
+                <a:spcPts val="0"/>
+              </a:spcBef>
+              <a:spcAft>
+                <a:spcPts val="0"/>
+              </a:spcAft>
+              <a:defRPr sz="2656" b="1">
+                <a:solidFill>
+                  <a:srgbClr val="003CB4"/>
+                </a:solidFill>
+                <a:latin typeface="Frutiger for ZKB Light" panose="020B0303030504020204" pitchFamily="34" charset="0"/>
+              </a:defRPr>
+            </a:lvl1pPr>
+          </a:lstStyle>
+          <a:p>
+            <a:r>
+              <a:rPr lang="de-CH"/>
+              <a:t>Agenda</a:t>
+            </a:r>
+            <a:endParaRPr lang="de-CH" dirty="0"/>
+          </a:p>
+        </p:txBody>
+      </p:sp>
+      <p:sp>
+        <p:nvSpPr>
+          <p:cNvPr id="3" name="Foliennummernplatzhalter 2">
+            <a:extLst>
+              <a:ext uri="{FF2B5EF4-FFF2-40B4-BE49-F238E27FC236}">
+                <a16:creationId xmlns:a16="http://schemas.microsoft.com/office/drawing/2014/main" id="{3F2EFDAA-C170-A142-FCF2-9C9F638B9732}"/>
+              </a:ext>
+            </a:extLst>
+          </p:cNvPr>
+          <p:cNvSpPr>
+            <a:spLocks noGrp="1"/>
+          </p:cNvSpPr>
+          <p:nvPr>
+            <p:ph type="sldNum" sz="quarter" idx="10"/>
+          </p:nvPr>
+        </p:nvSpPr>
+        <p:spPr>
+          <a:xfrm>
+            <a:off x="290031" y="6448909"/>
+            <a:ext cx="290022" cy="180842"/>
+          </a:xfrm>
+          <a:prstGeom prst="rect">
+            <a:avLst/>
+          </a:prstGeom>
+        </p:spPr>
+        <p:txBody>
+          <a:bodyPr wrap="none" lIns="0" tIns="0" rIns="0" bIns="0" anchor="ctr"/>
+          <a:lstStyle>
+            <a:lvl1pPr algn="l">
+              <a:lnSpc>
+                <a:spcPct val="100000"/>
+              </a:lnSpc>
+              <a:spcBef>
+                <a:spcPts val="0"/>
+              </a:spcBef>
+              <a:spcAft>
+                <a:spcPts val="0"/>
+              </a:spcAft>
+              <a:defRPr sz="1043" b="1">
+                <a:solidFill>
+                  <a:srgbClr val="003CB4"/>
+                </a:solidFill>
+                <a:latin typeface="Frutiger for ZKB Light" panose="020B0303030504020204" pitchFamily="34" charset="0"/>
+              </a:defRPr>
+            </a:lvl1pPr>
+          </a:lstStyle>
+          <a:p>
+            <a:fld id="{DF46F67B-DFC5-4D4D-B823-2A149AD963A3}" type="slidenum">
+              <a:rPr lang="de-CH" smtClean="0"/>
+              <a:pPr/>
+              <a:t>‹#›</a:t>
+            </a:fld>
+            <a:endParaRPr lang="de-CH" dirty="0"/>
+          </a:p>
+        </p:txBody>
+      </p:sp>
+      <p:sp>
+        <p:nvSpPr>
+          <p:cNvPr id="4" name="Fußzeilenplatzhalter 3">
+            <a:extLst>
+              <a:ext uri="{FF2B5EF4-FFF2-40B4-BE49-F238E27FC236}">
+                <a16:creationId xmlns:a16="http://schemas.microsoft.com/office/drawing/2014/main" id="{9DAE186C-2DB2-92A1-3D70-E6BA1B57DF59}"/>
+              </a:ext>
+            </a:extLst>
+          </p:cNvPr>
+          <p:cNvSpPr>
+            <a:spLocks noGrp="1"/>
+          </p:cNvSpPr>
+          <p:nvPr>
+            <p:ph type="ftr" sz="quarter" idx="11"/>
+          </p:nvPr>
+        </p:nvSpPr>
+        <p:spPr>
+          <a:xfrm>
+            <a:off x="580052" y="6448909"/>
+            <a:ext cx="9366017" cy="180842"/>
+          </a:xfrm>
+          <a:prstGeom prst="rect">
+            <a:avLst/>
+          </a:prstGeom>
+        </p:spPr>
+        <p:txBody>
+          <a:bodyPr wrap="none" lIns="0" tIns="0" rIns="0" bIns="0" anchor="ctr"/>
+          <a:lstStyle>
+            <a:lvl1pPr algn="l">
+              <a:lnSpc>
+                <a:spcPct val="100000"/>
+              </a:lnSpc>
+              <a:spcBef>
+                <a:spcPts val="0"/>
+              </a:spcBef>
+              <a:spcAft>
+                <a:spcPts val="0"/>
+              </a:spcAft>
+              <a:defRPr sz="1043" b="1">
+                <a:solidFill>
+                  <a:srgbClr val="003CB4"/>
+                </a:solidFill>
+                <a:latin typeface="Frutiger for ZKB Light" panose="020B0303030504020204" pitchFamily="34" charset="0"/>
+              </a:defRPr>
+            </a:lvl1pPr>
+          </a:lstStyle>
+          <a:p>
+            <a:endParaRPr lang="de-CH" dirty="0"/>
+          </a:p>
+        </p:txBody>
+      </p:sp>
+      <p:sp>
+        <p:nvSpPr>
+          <p:cNvPr id="5" name="Textplatzhalter 4">
+            <a:extLst>
+              <a:ext uri="{FF2B5EF4-FFF2-40B4-BE49-F238E27FC236}">
+                <a16:creationId xmlns:a16="http://schemas.microsoft.com/office/drawing/2014/main" id="{D98CF490-3399-447A-4FA8-C3B2DB430BEA}"/>
+              </a:ext>
+            </a:extLst>
+          </p:cNvPr>
+          <p:cNvSpPr>
+            <a:spLocks noGrp="1"/>
+          </p:cNvSpPr>
+          <p:nvPr>
+            <p:ph type="body" idx="12" hasCustomPrompt="1"/>
+          </p:nvPr>
+        </p:nvSpPr>
+        <p:spPr>
+          <a:xfrm>
+            <a:off x="290030" y="1787951"/>
+            <a:ext cx="9656040" cy="4503999"/>
+          </a:xfrm>
+          <a:prstGeom prst="rect">
+            <a:avLst/>
+          </a:prstGeom>
+        </p:spPr>
+        <p:txBody>
+          <a:bodyPr wrap="square" lIns="0" tIns="0" rIns="0" bIns="0" anchor="t" anchorCtr="0">
+            <a:noAutofit/>
+          </a:bodyPr>
+          <a:lstStyle>
+            <a:lvl1pPr algn="l" defTabSz="269555">
+              <a:lnSpc>
+                <a:spcPct val="100000"/>
+              </a:lnSpc>
+              <a:spcBef>
+                <a:spcPts val="0"/>
+              </a:spcBef>
+              <a:spcAft>
+                <a:spcPts val="0"/>
+              </a:spcAft>
+              <a:defRPr sz="1897" b="0">
+                <a:solidFill>
+                  <a:srgbClr val="003CB4"/>
+                </a:solidFill>
+                <a:latin typeface="Frutiger for ZKB Light" panose="020B0303030504020204" pitchFamily="34" charset="0"/>
+              </a:defRPr>
+            </a:lvl1pPr>
+            <a:lvl2pPr algn="l">
+              <a:lnSpc>
+                <a:spcPct val="100000"/>
+              </a:lnSpc>
+              <a:spcBef>
+                <a:spcPts val="0"/>
+              </a:spcBef>
+              <a:spcAft>
+                <a:spcPts val="0"/>
+              </a:spcAft>
+              <a:defRPr sz="1897" b="0">
+                <a:solidFill>
+                  <a:srgbClr val="003CB4"/>
+                </a:solidFill>
+                <a:latin typeface="Frutiger for ZKB Light" panose="020B0303030504020204" pitchFamily="34" charset="0"/>
+              </a:defRPr>
+            </a:lvl2pPr>
+            <a:lvl3pPr algn="l">
+              <a:lnSpc>
+                <a:spcPct val="100000"/>
+              </a:lnSpc>
+              <a:spcBef>
+                <a:spcPts val="0"/>
+              </a:spcBef>
+              <a:spcAft>
+                <a:spcPts val="0"/>
+              </a:spcAft>
+              <a:defRPr sz="1897" b="0">
+                <a:solidFill>
+                  <a:srgbClr val="003CB4"/>
+                </a:solidFill>
+                <a:latin typeface="Frutiger for ZKB Light" panose="020B0303030504020204" pitchFamily="34" charset="0"/>
+              </a:defRPr>
+            </a:lvl3pPr>
+            <a:lvl4pPr algn="l">
+              <a:lnSpc>
+                <a:spcPct val="100000"/>
+              </a:lnSpc>
+              <a:spcBef>
+                <a:spcPts val="0"/>
+              </a:spcBef>
+              <a:spcAft>
+                <a:spcPts val="0"/>
+              </a:spcAft>
+              <a:defRPr sz="1897" b="0">
+                <a:solidFill>
+                  <a:srgbClr val="003CB4"/>
+                </a:solidFill>
+                <a:latin typeface="Frutiger for ZKB Light" panose="020B0303030504020204" pitchFamily="34" charset="0"/>
+              </a:defRPr>
+            </a:lvl4pPr>
+            <a:lvl5pPr algn="l">
+              <a:lnSpc>
+                <a:spcPct val="100000"/>
+              </a:lnSpc>
+              <a:spcBef>
+                <a:spcPts val="0"/>
+              </a:spcBef>
+              <a:spcAft>
+                <a:spcPts val="0"/>
+              </a:spcAft>
+              <a:defRPr sz="1897" b="0">
+                <a:solidFill>
+                  <a:srgbClr val="003CB4"/>
+                </a:solidFill>
+                <a:latin typeface="Frutiger for ZKB Light" panose="020B0303030504020204" pitchFamily="34" charset="0"/>
+              </a:defRPr>
+            </a:lvl5pPr>
+          </a:lstStyle>
+          <a:p>
+            <a:pPr lvl="0"/>
+            <a:r>
+              <a:rPr lang="de-CH" dirty="0" err="1"/>
+              <a:t>Agendapunkt</a:t>
+            </a:r>
+            <a:endParaRPr lang="de-CH" dirty="0"/>
+          </a:p>
+        </p:txBody>
+      </p:sp>
+    </p:spTree>
+    <p:extLst>
+      <p:ext uri="{BB962C8B-B14F-4D97-AF65-F5344CB8AC3E}">
+        <p14:creationId xmlns:p14="http://schemas.microsoft.com/office/powerpoint/2010/main" val="525992453"/>
+      </p:ext>
+    </p:extLst>
+  </p:cSld>
+  <p:clrMapOvr>
+    <a:masterClrMapping/>
+  </p:clrMapOvr>
+</p:sldLayout>
+</file>
+
+<file path=ppt/slideLayouts/slideLayout14.xml><?xml version="1.0" encoding="utf-8"?>
+<p:sldLayout xmlns:a="http://schemas.openxmlformats.org/drawingml/2006/main" xmlns:r="http://schemas.openxmlformats.org/officeDocument/2006/relationships" xmlns:p="http://schemas.openxmlformats.org/presentationml/2006/main" type="titleOnly">
+  <p:cSld name="2 Spalten">
+    <p:spTree>
+      <p:nvGrpSpPr>
+        <p:cNvPr id="1" name=""/>
+        <p:cNvGrpSpPr/>
+        <p:nvPr/>
+      </p:nvGrpSpPr>
+      <p:grpSpPr>
+        <a:xfrm>
+          <a:off x="0" y="0"/>
+          <a:ext cx="0" cy="0"/>
+          <a:chOff x="0" y="0"/>
+          <a:chExt cx="0" cy="0"/>
+        </a:xfrm>
+      </p:grpSpPr>
+      <p:sp>
+        <p:nvSpPr>
+          <p:cNvPr id="2" name="Titel 1">
+            <a:extLst>
+              <a:ext uri="{FF2B5EF4-FFF2-40B4-BE49-F238E27FC236}">
+                <a16:creationId xmlns:a16="http://schemas.microsoft.com/office/drawing/2014/main" id="{68F4A75C-F916-4BBB-C762-C7B82E3D614D}"/>
+              </a:ext>
+            </a:extLst>
+          </p:cNvPr>
+          <p:cNvSpPr>
+            <a:spLocks noGrp="1"/>
+          </p:cNvSpPr>
+          <p:nvPr>
+            <p:ph type="title" hasCustomPrompt="1"/>
+          </p:nvPr>
+        </p:nvSpPr>
+        <p:spPr>
+          <a:xfrm>
+            <a:off x="290030" y="272970"/>
+            <a:ext cx="9656040" cy="818909"/>
+          </a:xfrm>
+          <a:prstGeom prst="rect">
+            <a:avLst/>
+          </a:prstGeom>
+        </p:spPr>
+        <p:txBody>
+          <a:bodyPr wrap="square" lIns="0" tIns="0" rIns="0" bIns="0" anchor="t" anchorCtr="0">
+            <a:noAutofit/>
+          </a:bodyPr>
+          <a:lstStyle>
+            <a:lvl1pPr algn="l">
+              <a:lnSpc>
+                <a:spcPct val="95000"/>
+              </a:lnSpc>
+              <a:spcBef>
+                <a:spcPts val="0"/>
+              </a:spcBef>
+              <a:spcAft>
+                <a:spcPts val="0"/>
+              </a:spcAft>
+              <a:defRPr sz="2656" b="1">
+                <a:solidFill>
+                  <a:srgbClr val="003CB4"/>
+                </a:solidFill>
+                <a:latin typeface="Frutiger for ZKB Light" panose="020B0303030504020204" pitchFamily="34" charset="0"/>
+              </a:defRPr>
+            </a:lvl1pPr>
+          </a:lstStyle>
+          <a:p>
+            <a:r>
+              <a:rPr lang="de-CH"/>
+              <a:t>Titel (max. zweizeilig)</a:t>
+            </a:r>
+            <a:endParaRPr lang="de-CH" dirty="0"/>
+          </a:p>
+        </p:txBody>
+      </p:sp>
+      <p:sp>
+        <p:nvSpPr>
+          <p:cNvPr id="3" name="Foliennummernplatzhalter 2">
+            <a:extLst>
+              <a:ext uri="{FF2B5EF4-FFF2-40B4-BE49-F238E27FC236}">
+                <a16:creationId xmlns:a16="http://schemas.microsoft.com/office/drawing/2014/main" id="{B35A555B-E14C-1089-F1E0-19263815DFFB}"/>
+              </a:ext>
+            </a:extLst>
+          </p:cNvPr>
+          <p:cNvSpPr>
+            <a:spLocks noGrp="1"/>
+          </p:cNvSpPr>
+          <p:nvPr>
+            <p:ph type="sldNum" sz="quarter" idx="10"/>
+          </p:nvPr>
+        </p:nvSpPr>
+        <p:spPr>
+          <a:xfrm>
+            <a:off x="290031" y="6448909"/>
+            <a:ext cx="290022" cy="180842"/>
+          </a:xfrm>
+          <a:prstGeom prst="rect">
+            <a:avLst/>
+          </a:prstGeom>
+        </p:spPr>
+        <p:txBody>
+          <a:bodyPr wrap="none" lIns="0" tIns="0" rIns="0" bIns="0" anchor="ctr"/>
+          <a:lstStyle>
+            <a:lvl1pPr algn="l">
+              <a:lnSpc>
+                <a:spcPct val="100000"/>
+              </a:lnSpc>
+              <a:spcBef>
+                <a:spcPts val="0"/>
+              </a:spcBef>
+              <a:spcAft>
+                <a:spcPts val="0"/>
+              </a:spcAft>
+              <a:defRPr sz="1043" b="1">
+                <a:solidFill>
+                  <a:srgbClr val="003CB4"/>
+                </a:solidFill>
+                <a:latin typeface="Frutiger for ZKB Light" panose="020B0303030504020204" pitchFamily="34" charset="0"/>
+              </a:defRPr>
+            </a:lvl1pPr>
+          </a:lstStyle>
+          <a:p>
+            <a:fld id="{DF46F67B-DFC5-4D4D-B823-2A149AD963A3}" type="slidenum">
+              <a:rPr lang="de-CH" smtClean="0"/>
+              <a:pPr/>
+              <a:t>‹#›</a:t>
+            </a:fld>
+            <a:endParaRPr lang="de-CH" dirty="0"/>
+          </a:p>
+        </p:txBody>
+      </p:sp>
+      <p:sp>
+        <p:nvSpPr>
+          <p:cNvPr id="4" name="Fußzeilenplatzhalter 3">
+            <a:extLst>
+              <a:ext uri="{FF2B5EF4-FFF2-40B4-BE49-F238E27FC236}">
+                <a16:creationId xmlns:a16="http://schemas.microsoft.com/office/drawing/2014/main" id="{20BAC495-E2B9-11BA-4B37-AE93E7D2C83E}"/>
+              </a:ext>
+            </a:extLst>
+          </p:cNvPr>
+          <p:cNvSpPr>
+            <a:spLocks noGrp="1"/>
+          </p:cNvSpPr>
+          <p:nvPr>
+            <p:ph type="ftr" sz="quarter" idx="11"/>
+          </p:nvPr>
+        </p:nvSpPr>
+        <p:spPr>
+          <a:xfrm>
+            <a:off x="580052" y="6448909"/>
+            <a:ext cx="9366017" cy="180842"/>
+          </a:xfrm>
+          <a:prstGeom prst="rect">
+            <a:avLst/>
+          </a:prstGeom>
+        </p:spPr>
+        <p:txBody>
+          <a:bodyPr wrap="none" lIns="0" tIns="0" rIns="0" bIns="0" anchor="ctr"/>
+          <a:lstStyle>
+            <a:lvl1pPr algn="l">
+              <a:lnSpc>
+                <a:spcPct val="100000"/>
+              </a:lnSpc>
+              <a:spcBef>
+                <a:spcPts val="0"/>
+              </a:spcBef>
+              <a:spcAft>
+                <a:spcPts val="0"/>
+              </a:spcAft>
+              <a:defRPr sz="1043" b="1">
+                <a:solidFill>
+                  <a:srgbClr val="003CB4"/>
+                </a:solidFill>
+                <a:latin typeface="Frutiger for ZKB Light" panose="020B0303030504020204" pitchFamily="34" charset="0"/>
+              </a:defRPr>
+            </a:lvl1pPr>
+          </a:lstStyle>
+          <a:p>
+            <a:endParaRPr lang="de-CH" dirty="0"/>
+          </a:p>
+        </p:txBody>
+      </p:sp>
+      <p:sp>
+        <p:nvSpPr>
+          <p:cNvPr id="5" name="Inhaltsplatzhalter 4">
+            <a:extLst>
+              <a:ext uri="{FF2B5EF4-FFF2-40B4-BE49-F238E27FC236}">
+                <a16:creationId xmlns:a16="http://schemas.microsoft.com/office/drawing/2014/main" id="{7BA0856B-745A-C4FD-017F-283D91F7390D}"/>
+              </a:ext>
+            </a:extLst>
+          </p:cNvPr>
+          <p:cNvSpPr>
+            <a:spLocks noGrp="1"/>
+          </p:cNvSpPr>
+          <p:nvPr>
+            <p:ph idx="12" hasCustomPrompt="1"/>
+          </p:nvPr>
+        </p:nvSpPr>
+        <p:spPr>
+          <a:xfrm>
+            <a:off x="290031" y="1787951"/>
+            <a:ext cx="5669488" cy="4503999"/>
+          </a:xfrm>
+          <a:prstGeom prst="rect">
+            <a:avLst/>
+          </a:prstGeom>
+        </p:spPr>
+        <p:txBody>
+          <a:bodyPr wrap="square" lIns="0" tIns="0" rIns="0" bIns="0" anchor="t" anchorCtr="0">
+            <a:noAutofit/>
+          </a:bodyPr>
+          <a:lstStyle>
+            <a:lvl1pPr algn="l" defTabSz="269555">
+              <a:lnSpc>
+                <a:spcPct val="100000"/>
+              </a:lnSpc>
+              <a:spcBef>
+                <a:spcPts val="0"/>
+              </a:spcBef>
+              <a:spcAft>
+                <a:spcPts val="0"/>
+              </a:spcAft>
+              <a:defRPr sz="1517" b="0">
+                <a:solidFill>
+                  <a:srgbClr val="003CB4"/>
+                </a:solidFill>
+                <a:latin typeface="Frutiger for ZKB Light" panose="020B0303030504020204" pitchFamily="34" charset="0"/>
+              </a:defRPr>
+            </a:lvl1pPr>
+            <a:lvl2pPr algn="l">
+              <a:lnSpc>
+                <a:spcPct val="100000"/>
+              </a:lnSpc>
+              <a:spcBef>
+                <a:spcPts val="0"/>
+              </a:spcBef>
+              <a:spcAft>
+                <a:spcPts val="0"/>
+              </a:spcAft>
+              <a:defRPr sz="1517" b="0">
+                <a:solidFill>
+                  <a:srgbClr val="003CB4"/>
+                </a:solidFill>
+                <a:latin typeface="Frutiger for ZKB Light" panose="020B0303030504020204" pitchFamily="34" charset="0"/>
+              </a:defRPr>
+            </a:lvl2pPr>
+            <a:lvl3pPr algn="l">
+              <a:lnSpc>
+                <a:spcPct val="100000"/>
+              </a:lnSpc>
+              <a:spcBef>
+                <a:spcPts val="0"/>
+              </a:spcBef>
+              <a:spcAft>
+                <a:spcPts val="0"/>
+              </a:spcAft>
+              <a:defRPr sz="1517" b="0">
+                <a:solidFill>
+                  <a:srgbClr val="003CB4"/>
+                </a:solidFill>
+                <a:latin typeface="Frutiger for ZKB Light" panose="020B0303030504020204" pitchFamily="34" charset="0"/>
+              </a:defRPr>
+            </a:lvl3pPr>
+            <a:lvl4pPr algn="l">
+              <a:lnSpc>
+                <a:spcPct val="100000"/>
+              </a:lnSpc>
+              <a:spcBef>
+                <a:spcPts val="0"/>
+              </a:spcBef>
+              <a:spcAft>
+                <a:spcPts val="0"/>
+              </a:spcAft>
+              <a:defRPr sz="1517" b="0">
+                <a:solidFill>
+                  <a:srgbClr val="003CB4"/>
+                </a:solidFill>
+                <a:latin typeface="Frutiger for ZKB Light" panose="020B0303030504020204" pitchFamily="34" charset="0"/>
+              </a:defRPr>
+            </a:lvl4pPr>
+            <a:lvl5pPr algn="l">
+              <a:lnSpc>
+                <a:spcPct val="100000"/>
+              </a:lnSpc>
+              <a:spcBef>
+                <a:spcPts val="0"/>
+              </a:spcBef>
+              <a:spcAft>
+                <a:spcPts val="0"/>
+              </a:spcAft>
+              <a:defRPr sz="1517" b="0">
+                <a:solidFill>
+                  <a:srgbClr val="003CB4"/>
+                </a:solidFill>
+                <a:latin typeface="Frutiger for ZKB Light" panose="020B0303030504020204" pitchFamily="34" charset="0"/>
+              </a:defRPr>
+            </a:lvl5pPr>
+          </a:lstStyle>
+          <a:p>
+            <a:pPr lvl="0"/>
+            <a:r>
+              <a:rPr lang="de-CH" dirty="0"/>
+              <a:t>Erste Ebene</a:t>
+            </a:r>
+          </a:p>
+          <a:p>
+            <a:pPr lvl="1"/>
+            <a:r>
+              <a:rPr lang="de-CH" dirty="0"/>
+              <a:t>Zweite Ebene</a:t>
+            </a:r>
+          </a:p>
+          <a:p>
+            <a:pPr lvl="2"/>
+            <a:r>
+              <a:rPr lang="de-CH" dirty="0"/>
+              <a:t>Dritte Ebene</a:t>
+            </a:r>
+          </a:p>
+          <a:p>
+            <a:pPr lvl="3"/>
+            <a:r>
+              <a:rPr lang="de-CH" dirty="0"/>
+              <a:t>Vierte Ebene</a:t>
+            </a:r>
+          </a:p>
+          <a:p>
+            <a:pPr lvl="4"/>
+            <a:r>
+              <a:rPr lang="de-CH" dirty="0"/>
+              <a:t>Fünfte Ebene</a:t>
+            </a:r>
+          </a:p>
+        </p:txBody>
+      </p:sp>
+      <p:sp>
+        <p:nvSpPr>
+          <p:cNvPr id="6" name="Inhaltsplatzhalter 5">
+            <a:extLst>
+              <a:ext uri="{FF2B5EF4-FFF2-40B4-BE49-F238E27FC236}">
+                <a16:creationId xmlns:a16="http://schemas.microsoft.com/office/drawing/2014/main" id="{22814876-CE70-86F0-D8E3-B9AB5CC2106B}"/>
+              </a:ext>
+            </a:extLst>
+          </p:cNvPr>
+          <p:cNvSpPr>
+            <a:spLocks noGrp="1"/>
+          </p:cNvSpPr>
+          <p:nvPr>
+            <p:ph sz="quarter" idx="13" hasCustomPrompt="1"/>
+          </p:nvPr>
+        </p:nvSpPr>
+        <p:spPr>
+          <a:xfrm>
+            <a:off x="6232481" y="1787951"/>
+            <a:ext cx="5669488" cy="4503999"/>
+          </a:xfrm>
+          <a:prstGeom prst="rect">
+            <a:avLst/>
+          </a:prstGeom>
+        </p:spPr>
+        <p:txBody>
+          <a:bodyPr wrap="square" lIns="0" tIns="0" rIns="0" bIns="0" anchor="t" anchorCtr="0">
+            <a:noAutofit/>
+          </a:bodyPr>
+          <a:lstStyle>
+            <a:lvl1pPr algn="l" defTabSz="269555">
+              <a:lnSpc>
+                <a:spcPct val="100000"/>
+              </a:lnSpc>
+              <a:spcBef>
+                <a:spcPts val="0"/>
+              </a:spcBef>
+              <a:spcAft>
+                <a:spcPts val="0"/>
+              </a:spcAft>
+              <a:defRPr sz="1517" b="0">
+                <a:solidFill>
+                  <a:srgbClr val="003CB4"/>
+                </a:solidFill>
+                <a:latin typeface="Frutiger for ZKB Light" panose="020B0303030504020204" pitchFamily="34" charset="0"/>
+              </a:defRPr>
+            </a:lvl1pPr>
+            <a:lvl2pPr algn="l">
+              <a:lnSpc>
+                <a:spcPct val="100000"/>
+              </a:lnSpc>
+              <a:spcBef>
+                <a:spcPts val="0"/>
+              </a:spcBef>
+              <a:spcAft>
+                <a:spcPts val="0"/>
+              </a:spcAft>
+              <a:defRPr sz="1517" b="0">
+                <a:solidFill>
+                  <a:srgbClr val="003CB4"/>
+                </a:solidFill>
+                <a:latin typeface="Frutiger for ZKB Light" panose="020B0303030504020204" pitchFamily="34" charset="0"/>
+              </a:defRPr>
+            </a:lvl2pPr>
+            <a:lvl3pPr algn="l">
+              <a:lnSpc>
+                <a:spcPct val="100000"/>
+              </a:lnSpc>
+              <a:spcBef>
+                <a:spcPts val="0"/>
+              </a:spcBef>
+              <a:spcAft>
+                <a:spcPts val="0"/>
+              </a:spcAft>
+              <a:defRPr sz="1517" b="0">
+                <a:solidFill>
+                  <a:srgbClr val="003CB4"/>
+                </a:solidFill>
+                <a:latin typeface="Frutiger for ZKB Light" panose="020B0303030504020204" pitchFamily="34" charset="0"/>
+              </a:defRPr>
+            </a:lvl3pPr>
+            <a:lvl4pPr algn="l">
+              <a:lnSpc>
+                <a:spcPct val="100000"/>
+              </a:lnSpc>
+              <a:spcBef>
+                <a:spcPts val="0"/>
+              </a:spcBef>
+              <a:spcAft>
+                <a:spcPts val="0"/>
+              </a:spcAft>
+              <a:defRPr sz="1517" b="0">
+                <a:solidFill>
+                  <a:srgbClr val="003CB4"/>
+                </a:solidFill>
+                <a:latin typeface="Frutiger for ZKB Light" panose="020B0303030504020204" pitchFamily="34" charset="0"/>
+              </a:defRPr>
+            </a:lvl4pPr>
+            <a:lvl5pPr algn="l">
+              <a:lnSpc>
+                <a:spcPct val="100000"/>
+              </a:lnSpc>
+              <a:spcBef>
+                <a:spcPts val="0"/>
+              </a:spcBef>
+              <a:spcAft>
+                <a:spcPts val="0"/>
+              </a:spcAft>
+              <a:defRPr sz="1517" b="0">
+                <a:solidFill>
+                  <a:srgbClr val="003CB4"/>
+                </a:solidFill>
+                <a:latin typeface="Frutiger for ZKB Light" panose="020B0303030504020204" pitchFamily="34" charset="0"/>
+              </a:defRPr>
+            </a:lvl5pPr>
+          </a:lstStyle>
+          <a:p>
+            <a:pPr lvl="0"/>
+            <a:r>
+              <a:rPr lang="de-CH" dirty="0"/>
+              <a:t>Erste Ebene</a:t>
+            </a:r>
+          </a:p>
+          <a:p>
+            <a:pPr lvl="1"/>
+            <a:r>
+              <a:rPr lang="de-CH" dirty="0"/>
+              <a:t>Zweite Ebene</a:t>
+            </a:r>
+          </a:p>
+          <a:p>
+            <a:pPr lvl="2"/>
+            <a:r>
+              <a:rPr lang="de-CH" dirty="0"/>
+              <a:t>Dritte Ebene</a:t>
+            </a:r>
+          </a:p>
+          <a:p>
+            <a:pPr lvl="3"/>
+            <a:r>
+              <a:rPr lang="de-CH" dirty="0"/>
+              <a:t>Vierte Ebene</a:t>
+            </a:r>
+          </a:p>
+          <a:p>
+            <a:pPr lvl="4"/>
+            <a:r>
+              <a:rPr lang="de-CH" dirty="0"/>
+              <a:t>Fünfte Ebene</a:t>
+            </a:r>
+          </a:p>
+        </p:txBody>
+      </p:sp>
+    </p:spTree>
+    <p:extLst>
+      <p:ext uri="{BB962C8B-B14F-4D97-AF65-F5344CB8AC3E}">
+        <p14:creationId xmlns:p14="http://schemas.microsoft.com/office/powerpoint/2010/main" val="501638068"/>
+      </p:ext>
+    </p:extLst>
+  </p:cSld>
+  <p:clrMapOvr>
+    <a:masterClrMapping/>
+  </p:clrMapOvr>
+</p:sldLayout>
+</file>
+
+<file path=ppt/slideLayouts/slideLayout15.xml><?xml version="1.0" encoding="utf-8"?>
+<p:sldLayout xmlns:a="http://schemas.openxmlformats.org/drawingml/2006/main" xmlns:r="http://schemas.openxmlformats.org/officeDocument/2006/relationships" xmlns:p="http://schemas.openxmlformats.org/presentationml/2006/main" type="titleOnly">
+  <p:cSld name="2 Spalten mit Untertitel">
+    <p:spTree>
+      <p:nvGrpSpPr>
+        <p:cNvPr id="1" name=""/>
+        <p:cNvGrpSpPr/>
+        <p:nvPr/>
+      </p:nvGrpSpPr>
+      <p:grpSpPr>
+        <a:xfrm>
+          <a:off x="0" y="0"/>
+          <a:ext cx="0" cy="0"/>
+          <a:chOff x="0" y="0"/>
+          <a:chExt cx="0" cy="0"/>
+        </a:xfrm>
+      </p:grpSpPr>
+      <p:sp>
+        <p:nvSpPr>
+          <p:cNvPr id="2" name="Titel 1">
+            <a:extLst>
+              <a:ext uri="{FF2B5EF4-FFF2-40B4-BE49-F238E27FC236}">
+                <a16:creationId xmlns:a16="http://schemas.microsoft.com/office/drawing/2014/main" id="{C732250C-4FC6-E157-1E58-C36235997FD9}"/>
+              </a:ext>
+            </a:extLst>
+          </p:cNvPr>
+          <p:cNvSpPr>
+            <a:spLocks noGrp="1"/>
+          </p:cNvSpPr>
+          <p:nvPr>
+            <p:ph type="title" hasCustomPrompt="1"/>
+          </p:nvPr>
+        </p:nvSpPr>
+        <p:spPr>
+          <a:xfrm>
+            <a:off x="290030" y="272970"/>
+            <a:ext cx="9656040" cy="818909"/>
+          </a:xfrm>
+          <a:prstGeom prst="rect">
+            <a:avLst/>
+          </a:prstGeom>
+        </p:spPr>
+        <p:txBody>
+          <a:bodyPr wrap="square" lIns="0" tIns="0" rIns="0" bIns="0" anchor="t" anchorCtr="0">
+            <a:noAutofit/>
+          </a:bodyPr>
+          <a:lstStyle>
+            <a:lvl1pPr algn="l">
+              <a:lnSpc>
+                <a:spcPct val="95000"/>
+              </a:lnSpc>
+              <a:spcBef>
+                <a:spcPts val="0"/>
+              </a:spcBef>
+              <a:spcAft>
+                <a:spcPts val="0"/>
+              </a:spcAft>
+              <a:defRPr sz="2656" b="1">
+                <a:solidFill>
+                  <a:srgbClr val="003CB4"/>
+                </a:solidFill>
+                <a:latin typeface="Frutiger for ZKB Light" panose="020B0303030504020204" pitchFamily="34" charset="0"/>
+              </a:defRPr>
+            </a:lvl1pPr>
+          </a:lstStyle>
+          <a:p>
+            <a:r>
+              <a:rPr lang="de-CH"/>
+              <a:t>Titel (max. zweizeilig)</a:t>
+            </a:r>
+            <a:endParaRPr lang="de-CH" dirty="0"/>
+          </a:p>
+        </p:txBody>
+      </p:sp>
+      <p:sp>
+        <p:nvSpPr>
+          <p:cNvPr id="3" name="Foliennummernplatzhalter 2">
+            <a:extLst>
+              <a:ext uri="{FF2B5EF4-FFF2-40B4-BE49-F238E27FC236}">
+                <a16:creationId xmlns:a16="http://schemas.microsoft.com/office/drawing/2014/main" id="{E8CAAB6A-0383-42BA-C3C6-3ACEB23AA4B2}"/>
+              </a:ext>
+            </a:extLst>
+          </p:cNvPr>
+          <p:cNvSpPr>
+            <a:spLocks noGrp="1"/>
+          </p:cNvSpPr>
+          <p:nvPr>
+            <p:ph type="sldNum" sz="quarter" idx="10"/>
+          </p:nvPr>
+        </p:nvSpPr>
+        <p:spPr>
+          <a:xfrm>
+            <a:off x="290031" y="6448909"/>
+            <a:ext cx="290022" cy="180842"/>
+          </a:xfrm>
+          <a:prstGeom prst="rect">
+            <a:avLst/>
+          </a:prstGeom>
+        </p:spPr>
+        <p:txBody>
+          <a:bodyPr wrap="none" lIns="0" tIns="0" rIns="0" bIns="0" anchor="ctr"/>
+          <a:lstStyle>
+            <a:lvl1pPr algn="l">
+              <a:lnSpc>
+                <a:spcPct val="100000"/>
+              </a:lnSpc>
+              <a:spcBef>
+                <a:spcPts val="0"/>
+              </a:spcBef>
+              <a:spcAft>
+                <a:spcPts val="0"/>
+              </a:spcAft>
+              <a:defRPr sz="1043" b="1">
+                <a:solidFill>
+                  <a:srgbClr val="003CB4"/>
+                </a:solidFill>
+                <a:latin typeface="Frutiger for ZKB Light" panose="020B0303030504020204" pitchFamily="34" charset="0"/>
+              </a:defRPr>
+            </a:lvl1pPr>
+          </a:lstStyle>
+          <a:p>
+            <a:fld id="{DF46F67B-DFC5-4D4D-B823-2A149AD963A3}" type="slidenum">
+              <a:rPr lang="de-CH" smtClean="0"/>
+              <a:pPr/>
+              <a:t>‹#›</a:t>
+            </a:fld>
+            <a:endParaRPr lang="de-CH" dirty="0"/>
+          </a:p>
+        </p:txBody>
+      </p:sp>
+      <p:sp>
+        <p:nvSpPr>
+          <p:cNvPr id="4" name="Fußzeilenplatzhalter 3">
+            <a:extLst>
+              <a:ext uri="{FF2B5EF4-FFF2-40B4-BE49-F238E27FC236}">
+                <a16:creationId xmlns:a16="http://schemas.microsoft.com/office/drawing/2014/main" id="{DDF3EC20-05C3-76EB-FF1E-B5346B867479}"/>
+              </a:ext>
+            </a:extLst>
+          </p:cNvPr>
+          <p:cNvSpPr>
+            <a:spLocks noGrp="1"/>
+          </p:cNvSpPr>
+          <p:nvPr>
+            <p:ph type="ftr" sz="quarter" idx="11"/>
+          </p:nvPr>
+        </p:nvSpPr>
+        <p:spPr>
+          <a:xfrm>
+            <a:off x="580052" y="6448909"/>
+            <a:ext cx="9366017" cy="180842"/>
+          </a:xfrm>
+          <a:prstGeom prst="rect">
+            <a:avLst/>
+          </a:prstGeom>
+        </p:spPr>
+        <p:txBody>
+          <a:bodyPr wrap="none" lIns="0" tIns="0" rIns="0" bIns="0" anchor="ctr"/>
+          <a:lstStyle>
+            <a:lvl1pPr algn="l">
+              <a:lnSpc>
+                <a:spcPct val="100000"/>
+              </a:lnSpc>
+              <a:spcBef>
+                <a:spcPts val="0"/>
+              </a:spcBef>
+              <a:spcAft>
+                <a:spcPts val="0"/>
+              </a:spcAft>
+              <a:defRPr sz="1043" b="1">
+                <a:solidFill>
+                  <a:srgbClr val="003CB4"/>
+                </a:solidFill>
+                <a:latin typeface="Frutiger for ZKB Light" panose="020B0303030504020204" pitchFamily="34" charset="0"/>
+              </a:defRPr>
+            </a:lvl1pPr>
+          </a:lstStyle>
+          <a:p>
+            <a:endParaRPr lang="de-CH" dirty="0"/>
+          </a:p>
+        </p:txBody>
+      </p:sp>
+      <p:sp>
+        <p:nvSpPr>
+          <p:cNvPr id="5" name="Inhaltsplatzhalter 4">
+            <a:extLst>
+              <a:ext uri="{FF2B5EF4-FFF2-40B4-BE49-F238E27FC236}">
+                <a16:creationId xmlns:a16="http://schemas.microsoft.com/office/drawing/2014/main" id="{291030FD-48D8-BCF6-7B28-C54E16A06BE7}"/>
+              </a:ext>
+            </a:extLst>
+          </p:cNvPr>
+          <p:cNvSpPr>
+            <a:spLocks noGrp="1"/>
+          </p:cNvSpPr>
+          <p:nvPr>
+            <p:ph idx="12" hasCustomPrompt="1"/>
+          </p:nvPr>
+        </p:nvSpPr>
+        <p:spPr>
+          <a:xfrm>
+            <a:off x="290031" y="2402133"/>
+            <a:ext cx="5669488" cy="3889818"/>
+          </a:xfrm>
+          <a:prstGeom prst="rect">
+            <a:avLst/>
+          </a:prstGeom>
+        </p:spPr>
+        <p:txBody>
+          <a:bodyPr wrap="square" lIns="0" tIns="0" rIns="0" bIns="0" anchor="t" anchorCtr="0">
+            <a:noAutofit/>
+          </a:bodyPr>
+          <a:lstStyle>
+            <a:lvl1pPr algn="l" defTabSz="269555">
+              <a:lnSpc>
+                <a:spcPct val="100000"/>
+              </a:lnSpc>
+              <a:spcBef>
+                <a:spcPts val="0"/>
+              </a:spcBef>
+              <a:spcAft>
+                <a:spcPts val="0"/>
+              </a:spcAft>
+              <a:defRPr sz="1517" b="0">
+                <a:solidFill>
+                  <a:srgbClr val="003CB4"/>
+                </a:solidFill>
+                <a:latin typeface="Frutiger for ZKB Light" panose="020B0303030504020204" pitchFamily="34" charset="0"/>
+              </a:defRPr>
+            </a:lvl1pPr>
+            <a:lvl2pPr algn="l">
+              <a:lnSpc>
+                <a:spcPct val="100000"/>
+              </a:lnSpc>
+              <a:spcBef>
+                <a:spcPts val="0"/>
+              </a:spcBef>
+              <a:spcAft>
+                <a:spcPts val="0"/>
+              </a:spcAft>
+              <a:defRPr sz="1517" b="0">
+                <a:solidFill>
+                  <a:srgbClr val="003CB4"/>
+                </a:solidFill>
+                <a:latin typeface="Frutiger for ZKB Light" panose="020B0303030504020204" pitchFamily="34" charset="0"/>
+              </a:defRPr>
+            </a:lvl2pPr>
+            <a:lvl3pPr algn="l">
+              <a:lnSpc>
+                <a:spcPct val="100000"/>
+              </a:lnSpc>
+              <a:spcBef>
+                <a:spcPts val="0"/>
+              </a:spcBef>
+              <a:spcAft>
+                <a:spcPts val="0"/>
+              </a:spcAft>
+              <a:defRPr sz="1517" b="0">
+                <a:solidFill>
+                  <a:srgbClr val="003CB4"/>
+                </a:solidFill>
+                <a:latin typeface="Frutiger for ZKB Light" panose="020B0303030504020204" pitchFamily="34" charset="0"/>
+              </a:defRPr>
+            </a:lvl3pPr>
+            <a:lvl4pPr algn="l">
+              <a:lnSpc>
+                <a:spcPct val="100000"/>
+              </a:lnSpc>
+              <a:spcBef>
+                <a:spcPts val="0"/>
+              </a:spcBef>
+              <a:spcAft>
+                <a:spcPts val="0"/>
+              </a:spcAft>
+              <a:defRPr sz="1517" b="0">
+                <a:solidFill>
+                  <a:srgbClr val="003CB4"/>
+                </a:solidFill>
+                <a:latin typeface="Frutiger for ZKB Light" panose="020B0303030504020204" pitchFamily="34" charset="0"/>
+              </a:defRPr>
+            </a:lvl4pPr>
+            <a:lvl5pPr algn="l">
+              <a:lnSpc>
+                <a:spcPct val="100000"/>
+              </a:lnSpc>
+              <a:spcBef>
+                <a:spcPts val="0"/>
+              </a:spcBef>
+              <a:spcAft>
+                <a:spcPts val="0"/>
+              </a:spcAft>
+              <a:defRPr sz="1517" b="0">
+                <a:solidFill>
+                  <a:srgbClr val="003CB4"/>
+                </a:solidFill>
+                <a:latin typeface="Frutiger for ZKB Light" panose="020B0303030504020204" pitchFamily="34" charset="0"/>
+              </a:defRPr>
+            </a:lvl5pPr>
+          </a:lstStyle>
+          <a:p>
+            <a:pPr lvl="0"/>
+            <a:r>
+              <a:rPr lang="de-CH" dirty="0"/>
+              <a:t>Erste Ebene</a:t>
+            </a:r>
+          </a:p>
+          <a:p>
+            <a:pPr lvl="1"/>
+            <a:r>
+              <a:rPr lang="de-CH" dirty="0"/>
+              <a:t>Zweite Ebene</a:t>
+            </a:r>
+          </a:p>
+          <a:p>
+            <a:pPr lvl="2"/>
+            <a:r>
+              <a:rPr lang="de-CH" dirty="0"/>
+              <a:t>Dritte Ebene</a:t>
+            </a:r>
+          </a:p>
+          <a:p>
+            <a:pPr lvl="3"/>
+            <a:r>
+              <a:rPr lang="de-CH" dirty="0"/>
+              <a:t>Vierte Ebene</a:t>
+            </a:r>
+          </a:p>
+          <a:p>
+            <a:pPr lvl="4"/>
+            <a:r>
+              <a:rPr lang="de-CH" dirty="0"/>
+              <a:t>Fünfte Ebene</a:t>
+            </a:r>
+          </a:p>
+        </p:txBody>
+      </p:sp>
+      <p:sp>
+        <p:nvSpPr>
+          <p:cNvPr id="6" name="Inhaltsplatzhalter 5">
+            <a:extLst>
+              <a:ext uri="{FF2B5EF4-FFF2-40B4-BE49-F238E27FC236}">
+                <a16:creationId xmlns:a16="http://schemas.microsoft.com/office/drawing/2014/main" id="{7168B6A3-25D0-3CE9-E422-F5B8A2971658}"/>
+              </a:ext>
+            </a:extLst>
+          </p:cNvPr>
+          <p:cNvSpPr>
+            <a:spLocks noGrp="1"/>
+          </p:cNvSpPr>
+          <p:nvPr>
+            <p:ph sz="quarter" idx="13" hasCustomPrompt="1"/>
+          </p:nvPr>
+        </p:nvSpPr>
+        <p:spPr>
+          <a:xfrm>
+            <a:off x="6232481" y="2402133"/>
+            <a:ext cx="5669488" cy="3889818"/>
+          </a:xfrm>
+          <a:prstGeom prst="rect">
+            <a:avLst/>
+          </a:prstGeom>
+        </p:spPr>
+        <p:txBody>
+          <a:bodyPr wrap="square" lIns="0" tIns="0" rIns="0" bIns="0" anchor="t" anchorCtr="0">
+            <a:noAutofit/>
+          </a:bodyPr>
+          <a:lstStyle>
+            <a:lvl1pPr algn="l" defTabSz="269555">
+              <a:lnSpc>
+                <a:spcPct val="100000"/>
+              </a:lnSpc>
+              <a:spcBef>
+                <a:spcPts val="0"/>
+              </a:spcBef>
+              <a:spcAft>
+                <a:spcPts val="0"/>
+              </a:spcAft>
+              <a:defRPr sz="1517" b="0">
+                <a:solidFill>
+                  <a:srgbClr val="003CB4"/>
+                </a:solidFill>
+                <a:latin typeface="Frutiger for ZKB Light" panose="020B0303030504020204" pitchFamily="34" charset="0"/>
+              </a:defRPr>
+            </a:lvl1pPr>
+            <a:lvl2pPr algn="l">
+              <a:lnSpc>
+                <a:spcPct val="100000"/>
+              </a:lnSpc>
+              <a:spcBef>
+                <a:spcPts val="0"/>
+              </a:spcBef>
+              <a:spcAft>
+                <a:spcPts val="0"/>
+              </a:spcAft>
+              <a:defRPr sz="1517" b="0">
+                <a:solidFill>
+                  <a:srgbClr val="003CB4"/>
+                </a:solidFill>
+                <a:latin typeface="Frutiger for ZKB Light" panose="020B0303030504020204" pitchFamily="34" charset="0"/>
+              </a:defRPr>
+            </a:lvl2pPr>
+            <a:lvl3pPr algn="l">
+              <a:lnSpc>
+                <a:spcPct val="100000"/>
+              </a:lnSpc>
+              <a:spcBef>
+                <a:spcPts val="0"/>
+              </a:spcBef>
+              <a:spcAft>
+                <a:spcPts val="0"/>
+              </a:spcAft>
+              <a:defRPr sz="1517" b="0">
+                <a:solidFill>
+                  <a:srgbClr val="003CB4"/>
+                </a:solidFill>
+                <a:latin typeface="Frutiger for ZKB Light" panose="020B0303030504020204" pitchFamily="34" charset="0"/>
+              </a:defRPr>
+            </a:lvl3pPr>
+            <a:lvl4pPr algn="l">
+              <a:lnSpc>
+                <a:spcPct val="100000"/>
+              </a:lnSpc>
+              <a:spcBef>
+                <a:spcPts val="0"/>
+              </a:spcBef>
+              <a:spcAft>
+                <a:spcPts val="0"/>
+              </a:spcAft>
+              <a:defRPr sz="1517" b="0">
+                <a:solidFill>
+                  <a:srgbClr val="003CB4"/>
+                </a:solidFill>
+                <a:latin typeface="Frutiger for ZKB Light" panose="020B0303030504020204" pitchFamily="34" charset="0"/>
+              </a:defRPr>
+            </a:lvl4pPr>
+            <a:lvl5pPr algn="l">
+              <a:lnSpc>
+                <a:spcPct val="100000"/>
+              </a:lnSpc>
+              <a:spcBef>
+                <a:spcPts val="0"/>
+              </a:spcBef>
+              <a:spcAft>
+                <a:spcPts val="0"/>
+              </a:spcAft>
+              <a:defRPr sz="1517" b="0">
+                <a:solidFill>
+                  <a:srgbClr val="003CB4"/>
+                </a:solidFill>
+                <a:latin typeface="Frutiger for ZKB Light" panose="020B0303030504020204" pitchFamily="34" charset="0"/>
+              </a:defRPr>
+            </a:lvl5pPr>
+          </a:lstStyle>
+          <a:p>
+            <a:pPr lvl="0"/>
+            <a:r>
+              <a:rPr lang="de-CH" dirty="0"/>
+              <a:t>Erste Ebene</a:t>
+            </a:r>
+          </a:p>
+          <a:p>
+            <a:pPr lvl="1"/>
+            <a:r>
+              <a:rPr lang="de-CH" dirty="0"/>
+              <a:t>Zweite Ebene</a:t>
+            </a:r>
+          </a:p>
+          <a:p>
+            <a:pPr lvl="2"/>
+            <a:r>
+              <a:rPr lang="de-CH" dirty="0"/>
+              <a:t>Dritte Ebene</a:t>
+            </a:r>
+          </a:p>
+          <a:p>
+            <a:pPr lvl="3"/>
+            <a:r>
+              <a:rPr lang="de-CH" dirty="0"/>
+              <a:t>Vierte Ebene</a:t>
+            </a:r>
+          </a:p>
+          <a:p>
+            <a:pPr lvl="4"/>
+            <a:r>
+              <a:rPr lang="de-CH" dirty="0"/>
+              <a:t>Fünfte Ebene</a:t>
+            </a:r>
+          </a:p>
+        </p:txBody>
+      </p:sp>
+      <p:sp>
+        <p:nvSpPr>
+          <p:cNvPr id="7" name="Textplatzhalter 6">
+            <a:extLst>
+              <a:ext uri="{FF2B5EF4-FFF2-40B4-BE49-F238E27FC236}">
+                <a16:creationId xmlns:a16="http://schemas.microsoft.com/office/drawing/2014/main" id="{736221A3-5F93-2D83-D956-206FC829253D}"/>
+              </a:ext>
+            </a:extLst>
+          </p:cNvPr>
+          <p:cNvSpPr>
+            <a:spLocks noGrp="1"/>
+          </p:cNvSpPr>
+          <p:nvPr>
+            <p:ph type="body" sz="quarter" idx="14" hasCustomPrompt="1"/>
+          </p:nvPr>
+        </p:nvSpPr>
+        <p:spPr>
+          <a:xfrm>
+            <a:off x="290031" y="1787950"/>
+            <a:ext cx="5669488" cy="614182"/>
+          </a:xfrm>
+          <a:prstGeom prst="rect">
+            <a:avLst/>
+          </a:prstGeom>
+        </p:spPr>
+        <p:txBody>
+          <a:bodyPr lIns="0" tIns="0" rIns="0" bIns="0"/>
+          <a:lstStyle>
+            <a:lvl1pPr algn="l">
+              <a:lnSpc>
+                <a:spcPct val="100000"/>
+              </a:lnSpc>
+              <a:spcBef>
+                <a:spcPts val="0"/>
+              </a:spcBef>
+              <a:spcAft>
+                <a:spcPts val="0"/>
+              </a:spcAft>
+              <a:defRPr sz="1897" b="1" i="0" u="none">
+                <a:solidFill>
+                  <a:srgbClr val="003CB4"/>
+                </a:solidFill>
+                <a:latin typeface="Frutiger for ZKB Light" panose="020B0303030504020204" pitchFamily="34" charset="0"/>
+              </a:defRPr>
+            </a:lvl1pPr>
+          </a:lstStyle>
+          <a:p>
+            <a:pPr lvl="0"/>
+            <a:r>
+              <a:rPr lang="de-CH"/>
+              <a:t>Untertitel</a:t>
+            </a:r>
+            <a:endParaRPr lang="de-CH" dirty="0"/>
+          </a:p>
+        </p:txBody>
+      </p:sp>
+      <p:sp>
+        <p:nvSpPr>
+          <p:cNvPr id="8" name="Textplatzhalter 7">
+            <a:extLst>
+              <a:ext uri="{FF2B5EF4-FFF2-40B4-BE49-F238E27FC236}">
+                <a16:creationId xmlns:a16="http://schemas.microsoft.com/office/drawing/2014/main" id="{6C991335-357B-ACA8-4198-AD27EBDBF055}"/>
+              </a:ext>
+            </a:extLst>
+          </p:cNvPr>
+          <p:cNvSpPr>
+            <a:spLocks noGrp="1"/>
+          </p:cNvSpPr>
+          <p:nvPr>
+            <p:ph type="body" sz="quarter" idx="15" hasCustomPrompt="1"/>
+          </p:nvPr>
+        </p:nvSpPr>
+        <p:spPr>
+          <a:xfrm>
+            <a:off x="6232481" y="1787950"/>
+            <a:ext cx="5669488" cy="614182"/>
+          </a:xfrm>
+          <a:prstGeom prst="rect">
+            <a:avLst/>
+          </a:prstGeom>
+        </p:spPr>
+        <p:txBody>
+          <a:bodyPr lIns="0" tIns="0" rIns="0" bIns="0"/>
+          <a:lstStyle>
+            <a:lvl1pPr algn="l">
+              <a:lnSpc>
+                <a:spcPct val="100000"/>
+              </a:lnSpc>
+              <a:spcBef>
+                <a:spcPts val="0"/>
+              </a:spcBef>
+              <a:spcAft>
+                <a:spcPts val="0"/>
+              </a:spcAft>
+              <a:defRPr sz="1897" b="1" i="0" u="none">
+                <a:solidFill>
+                  <a:srgbClr val="003CB4"/>
+                </a:solidFill>
+                <a:latin typeface="Frutiger for ZKB Light" panose="020B0303030504020204" pitchFamily="34" charset="0"/>
+              </a:defRPr>
+            </a:lvl1pPr>
+          </a:lstStyle>
+          <a:p>
+            <a:pPr lvl="0"/>
+            <a:r>
+              <a:rPr lang="de-CH"/>
+              <a:t>Untertitel</a:t>
+            </a:r>
+            <a:endParaRPr lang="de-CH" dirty="0"/>
+          </a:p>
+        </p:txBody>
+      </p:sp>
+    </p:spTree>
+    <p:extLst>
+      <p:ext uri="{BB962C8B-B14F-4D97-AF65-F5344CB8AC3E}">
+        <p14:creationId xmlns:p14="http://schemas.microsoft.com/office/powerpoint/2010/main" val="1855002031"/>
+      </p:ext>
+    </p:extLst>
+  </p:cSld>
+  <p:clrMapOvr>
+    <a:masterClrMapping/>
+  </p:clrMapOvr>
+</p:sldLayout>
+</file>
+
 <file path=ppt/slideLayouts/slideLayout2.xml><?xml version="1.0" encoding="utf-8"?>
 <p:sldLayout xmlns:a="http://schemas.openxmlformats.org/drawingml/2006/main" xmlns:r="http://schemas.openxmlformats.org/officeDocument/2006/relationships" xmlns:p="http://schemas.openxmlformats.org/presentationml/2006/main" type="obj" preserve="1">
   <p:cSld name="Title and Content">
@@ -3043,6 +6497,10 @@
     <p:sldLayoutId id="2147483657" r:id="rId9"/>
     <p:sldLayoutId id="2147483658" r:id="rId10"/>
     <p:sldLayoutId id="2147483659" r:id="rId11"/>
+    <p:sldLayoutId id="2147483660" r:id="rId12"/>
+    <p:sldLayoutId id="2147483661" r:id="rId13"/>
+    <p:sldLayoutId id="2147483662" r:id="rId14"/>
+    <p:sldLayoutId id="2147483663" r:id="rId15"/>
   </p:sldLayoutIdLst>
   <p:txStyles>
     <p:titleStyle>
@@ -3325,6 +6783,4078 @@
     </p:otherStyle>
   </p:txStyles>
 </p:sldMaster>
+</file>
+
+<file path=ppt/slides/slide1.xml><?xml version="1.0" encoding="utf-8"?>
+<p:sld xmlns:a="http://schemas.openxmlformats.org/drawingml/2006/main" xmlns:r="http://schemas.openxmlformats.org/officeDocument/2006/relationships" xmlns:p="http://schemas.openxmlformats.org/presentationml/2006/main">
+  <p:cSld>
+    <p:spTree>
+      <p:nvGrpSpPr>
+        <p:cNvPr id="1" name=""/>
+        <p:cNvGrpSpPr/>
+        <p:nvPr/>
+      </p:nvGrpSpPr>
+      <p:grpSpPr>
+        <a:xfrm>
+          <a:off x="0" y="0"/>
+          <a:ext cx="0" cy="0"/>
+          <a:chOff x="0" y="0"/>
+          <a:chExt cx="0" cy="0"/>
+        </a:xfrm>
+      </p:grpSpPr>
+      <p:pic>
+        <p:nvPicPr>
+          <p:cNvPr id="7" name="Hintergrundbild">
+            <a:extLst>
+              <a:ext uri="{FF2B5EF4-FFF2-40B4-BE49-F238E27FC236}">
+                <a16:creationId xmlns:a16="http://schemas.microsoft.com/office/drawing/2014/main" id="{7305FDB7-3001-5328-1AB5-E6BD3065D2DA}"/>
+              </a:ext>
+            </a:extLst>
+          </p:cNvPr>
+          <p:cNvPicPr>
+            <a:picLocks/>
+          </p:cNvPicPr>
+          <p:nvPr/>
+        </p:nvPicPr>
+        <p:blipFill>
+          <a:blip r:embed="rId4" cstate="print">
+            <a:extLst>
+              <a:ext uri="{28A0092B-C50C-407E-A947-70E740481C1C}">
+                <a14:useLocalDpi xmlns:a14="http://schemas.microsoft.com/office/drawing/2010/main" val="0"/>
+              </a:ext>
+            </a:extLst>
+          </a:blip>
+          <a:srcRect t="7762" b="7785"/>
+          <a:stretch>
+            <a:fillRect/>
+          </a:stretch>
+        </p:blipFill>
+        <p:spPr>
+          <a:xfrm>
+            <a:off x="1" y="95"/>
+            <a:ext cx="12192000" cy="6857812"/>
+          </a:xfrm>
+          <a:prstGeom prst="rect">
+            <a:avLst/>
+          </a:prstGeom>
+        </p:spPr>
+      </p:pic>
+      <p:graphicFrame>
+        <p:nvGraphicFramePr>
+          <p:cNvPr id="20483" name="think-cell data - do not delete" hidden="1">
+            <a:extLst>
+              <a:ext uri="{FF2B5EF4-FFF2-40B4-BE49-F238E27FC236}">
+                <a16:creationId xmlns:a16="http://schemas.microsoft.com/office/drawing/2014/main" id="{75BE8ADF-BE65-FB69-1A83-0D508E50DEE8}"/>
+              </a:ext>
+            </a:extLst>
+          </p:cNvPr>
+          <p:cNvGraphicFramePr>
+            <a:graphicFrameLocks noChangeAspect="1"/>
+          </p:cNvGraphicFramePr>
+          <p:nvPr>
+            <p:custDataLst>
+              <p:tags r:id="rId1"/>
+            </p:custDataLst>
+          </p:nvPr>
+        </p:nvGraphicFramePr>
+        <p:xfrm>
+          <a:off x="1507" y="1601"/>
+          <a:ext cx="1505" cy="1505"/>
+        </p:xfrm>
+        <a:graphic>
+          <a:graphicData uri="http://schemas.openxmlformats.org/presentationml/2006/ole">
+            <mc:AlternateContent xmlns:mc="http://schemas.openxmlformats.org/markup-compatibility/2006">
+              <mc:Choice xmlns:v="urn:schemas-microsoft-com:vml" Requires="v">
+                <p:oleObj name="think-cell Folie" r:id="rId5" imgW="360" imgH="360" progId="TCLayout.ActiveDocument.1">
+                  <p:embed/>
+                </p:oleObj>
+              </mc:Choice>
+              <mc:Fallback>
+                <p:oleObj name="think-cell Folie" r:id="rId5" imgW="360" imgH="360" progId="TCLayout.ActiveDocument.1">
+                  <p:embed/>
+                  <p:pic>
+                    <p:nvPicPr>
+                      <p:cNvPr id="20483" name="think-cell data - do not delete" hidden="1">
+                        <a:extLst>
+                          <a:ext uri="{FF2B5EF4-FFF2-40B4-BE49-F238E27FC236}">
+                            <a16:creationId xmlns:a16="http://schemas.microsoft.com/office/drawing/2014/main" id="{75BE8ADF-BE65-FB69-1A83-0D508E50DEE8}"/>
+                          </a:ext>
+                        </a:extLst>
+                      </p:cNvPr>
+                      <p:cNvPicPr>
+                        <a:picLocks noChangeAspect="1" noChangeArrowheads="1"/>
+                      </p:cNvPicPr>
+                      <p:nvPr/>
+                    </p:nvPicPr>
+                    <p:blipFill>
+                      <a:blip r:embed="rId6">
+                        <a:extLst>
+                          <a:ext uri="{28A0092B-C50C-407E-A947-70E740481C1C}">
+                            <a14:useLocalDpi xmlns:a14="http://schemas.microsoft.com/office/drawing/2010/main" val="0"/>
+                          </a:ext>
+                        </a:extLst>
+                      </a:blip>
+                      <a:srcRect/>
+                      <a:stretch>
+                        <a:fillRect/>
+                      </a:stretch>
+                    </p:blipFill>
+                    <p:spPr bwMode="auto">
+                      <a:xfrm>
+                        <a:off x="1507" y="1601"/>
+                        <a:ext cx="1505" cy="1505"/>
+                      </a:xfrm>
+                      <a:prstGeom prst="rect">
+                        <a:avLst/>
+                      </a:prstGeom>
+                      <a:noFill/>
+                      <a:ln>
+                        <a:noFill/>
+                      </a:ln>
+                      <a:extLst>
+                        <a:ext uri="{909E8E84-426E-40DD-AFC4-6F175D3DCCD1}">
+                          <a14:hiddenFill xmlns:a14="http://schemas.microsoft.com/office/drawing/2010/main">
+                            <a:solidFill>
+                              <a:srgbClr val="FFFFFF"/>
+                            </a:solidFill>
+                          </a14:hiddenFill>
+                        </a:ext>
+                        <a:ext uri="{91240B29-F687-4F45-9708-019B960494DF}">
+                          <a14:hiddenLine xmlns:a14="http://schemas.microsoft.com/office/drawing/2010/main" w="9525">
+                            <a:solidFill>
+                              <a:srgbClr val="000000"/>
+                            </a:solidFill>
+                            <a:miter lim="800000"/>
+                            <a:headEnd/>
+                            <a:tailEnd/>
+                          </a14:hiddenLine>
+                        </a:ext>
+                      </a:extLst>
+                    </p:spPr>
+                  </p:pic>
+                </p:oleObj>
+              </mc:Fallback>
+            </mc:AlternateContent>
+          </a:graphicData>
+        </a:graphic>
+      </p:graphicFrame>
+      <p:sp>
+        <p:nvSpPr>
+          <p:cNvPr id="20484" name="Titel 5">
+            <a:extLst>
+              <a:ext uri="{FF2B5EF4-FFF2-40B4-BE49-F238E27FC236}">
+                <a16:creationId xmlns:a16="http://schemas.microsoft.com/office/drawing/2014/main" id="{B445C47A-FCEA-1A4A-ADA0-3F83CC87920A}"/>
+              </a:ext>
+            </a:extLst>
+          </p:cNvPr>
+          <p:cNvSpPr>
+            <a:spLocks noGrp="1" noChangeArrowheads="1"/>
+          </p:cNvSpPr>
+          <p:nvPr>
+            <p:ph type="title"/>
+          </p:nvPr>
+        </p:nvSpPr>
+        <p:spPr>
+          <a:xfrm>
+            <a:off x="290573" y="1788697"/>
+            <a:ext cx="8617808" cy="4503121"/>
+          </a:xfrm>
+        </p:spPr>
+        <p:txBody>
+          <a:bodyPr/>
+          <a:lstStyle/>
+          <a:p>
+            <a:pPr eaLnBrk="1" hangingPunct="1">
+              <a:spcBef>
+                <a:spcPct val="0"/>
+              </a:spcBef>
+              <a:spcAft>
+                <a:spcPct val="0"/>
+              </a:spcAft>
+            </a:pPr>
+            <a:r>
+              <a:rPr lang="de-CH" altLang="de-DE" dirty="0">
+                <a:solidFill>
+                  <a:schemeClr val="bg1"/>
+                </a:solidFill>
+              </a:rPr>
+              <a:t>Lorem ipsum </a:t>
+            </a:r>
+            <a:br>
+              <a:rPr lang="de-CH" altLang="de-DE" dirty="0">
+                <a:solidFill>
+                  <a:schemeClr val="bg1"/>
+                </a:solidFill>
+              </a:rPr>
+            </a:br>
+            <a:r>
+              <a:rPr lang="de-CH" altLang="de-DE" dirty="0">
+                <a:solidFill>
+                  <a:schemeClr val="bg1"/>
+                </a:solidFill>
+              </a:rPr>
+              <a:t>dolor sit amet, consetetur</a:t>
+            </a:r>
+            <a:endParaRPr lang="de-CH" altLang="de-DE" dirty="0"/>
+          </a:p>
+        </p:txBody>
+      </p:sp>
+      <p:sp>
+        <p:nvSpPr>
+          <p:cNvPr id="20485" name="Untertitel 6">
+            <a:extLst>
+              <a:ext uri="{FF2B5EF4-FFF2-40B4-BE49-F238E27FC236}">
+                <a16:creationId xmlns:a16="http://schemas.microsoft.com/office/drawing/2014/main" id="{8B1EA7C5-BD68-8318-40FF-81B6165A80AA}"/>
+              </a:ext>
+            </a:extLst>
+          </p:cNvPr>
+          <p:cNvSpPr>
+            <a:spLocks noGrp="1" noChangeArrowheads="1"/>
+          </p:cNvSpPr>
+          <p:nvPr>
+            <p:ph type="subTitle" idx="10"/>
+          </p:nvPr>
+        </p:nvSpPr>
+        <p:spPr>
+          <a:xfrm>
+            <a:off x="290573" y="272601"/>
+            <a:ext cx="8617808" cy="233361"/>
+          </a:xfrm>
+        </p:spPr>
+        <p:txBody>
+          <a:bodyPr/>
+          <a:lstStyle/>
+          <a:p>
+            <a:pPr eaLnBrk="1" hangingPunct="1">
+              <a:spcBef>
+                <a:spcPct val="0"/>
+              </a:spcBef>
+              <a:spcAft>
+                <a:spcPct val="0"/>
+              </a:spcAft>
+            </a:pPr>
+            <a:r>
+              <a:rPr lang="de-CH" altLang="de-DE" dirty="0">
+                <a:cs typeface="Aharoni" panose="020F0502020204030204" pitchFamily="2" charset="-79"/>
+              </a:rPr>
+              <a:t>Titel</a:t>
+            </a:r>
+          </a:p>
+        </p:txBody>
+      </p:sp>
+      <p:sp>
+        <p:nvSpPr>
+          <p:cNvPr id="20486" name="Textplatzhalter 7">
+            <a:extLst>
+              <a:ext uri="{FF2B5EF4-FFF2-40B4-BE49-F238E27FC236}">
+                <a16:creationId xmlns:a16="http://schemas.microsoft.com/office/drawing/2014/main" id="{2603409C-202A-1936-173F-2F4CE9E1AE8C}"/>
+              </a:ext>
+            </a:extLst>
+          </p:cNvPr>
+          <p:cNvSpPr>
+            <a:spLocks noGrp="1" noChangeArrowheads="1"/>
+          </p:cNvSpPr>
+          <p:nvPr>
+            <p:ph type="body" sz="quarter" idx="11"/>
+          </p:nvPr>
+        </p:nvSpPr>
+        <p:spPr>
+          <a:xfrm>
+            <a:off x="290573" y="525534"/>
+            <a:ext cx="8617808" cy="233361"/>
+          </a:xfrm>
+        </p:spPr>
+        <p:txBody>
+          <a:bodyPr/>
+          <a:lstStyle/>
+          <a:p>
+            <a:pPr eaLnBrk="1" hangingPunct="1">
+              <a:spcBef>
+                <a:spcPct val="0"/>
+              </a:spcBef>
+              <a:spcAft>
+                <a:spcPct val="0"/>
+              </a:spcAft>
+            </a:pPr>
+            <a:r>
+              <a:rPr lang="de-CH" altLang="de-DE" dirty="0">
+                <a:cs typeface="Aharoni" panose="020F0502020204030204" pitchFamily="2" charset="-79"/>
+              </a:rPr>
+              <a:t>H. Muster, xx. Monat Jahr</a:t>
+            </a:r>
+          </a:p>
+        </p:txBody>
+      </p:sp>
+      <p:pic>
+        <p:nvPicPr>
+          <p:cNvPr id="9" name="ZKB_LOGO">
+            <a:extLst>
+              <a:ext uri="{FF2B5EF4-FFF2-40B4-BE49-F238E27FC236}">
+                <a16:creationId xmlns:a16="http://schemas.microsoft.com/office/drawing/2014/main" id="{E27B430C-81FC-3BB4-040E-AF3BC826CDC5}"/>
+              </a:ext>
+            </a:extLst>
+          </p:cNvPr>
+          <p:cNvPicPr>
+            <a:picLocks noChangeAspect="1"/>
+          </p:cNvPicPr>
+          <p:nvPr/>
+        </p:nvPicPr>
+        <p:blipFill>
+          <a:blip r:embed="rId7">
+            <a:extLst>
+              <a:ext uri="{96DAC541-7B7A-43D3-8B79-37D633B846F1}">
+                <asvg:svgBlip xmlns:asvg="http://schemas.microsoft.com/office/drawing/2016/SVG/main" r:embed="rId8"/>
+              </a:ext>
+            </a:extLst>
+          </a:blip>
+          <a:stretch>
+            <a:fillRect/>
+          </a:stretch>
+        </p:blipFill>
+        <p:spPr>
+          <a:xfrm>
+            <a:off x="10001478" y="296941"/>
+            <a:ext cx="1900499" cy="443942"/>
+          </a:xfrm>
+          <a:prstGeom prst="rect">
+            <a:avLst/>
+          </a:prstGeom>
+        </p:spPr>
+      </p:pic>
+    </p:spTree>
+    <p:extLst>
+      <p:ext uri="{BB962C8B-B14F-4D97-AF65-F5344CB8AC3E}">
+        <p14:creationId xmlns:p14="http://schemas.microsoft.com/office/powerpoint/2010/main" val="1072291188"/>
+      </p:ext>
+    </p:extLst>
+  </p:cSld>
+  <p:clrMapOvr>
+    <a:masterClrMapping/>
+  </p:clrMapOvr>
+</p:sld>
+</file>
+
+<file path=ppt/slides/slide2.xml><?xml version="1.0" encoding="utf-8"?>
+<p:sld xmlns:a="http://schemas.openxmlformats.org/drawingml/2006/main" xmlns:r="http://schemas.openxmlformats.org/officeDocument/2006/relationships" xmlns:p="http://schemas.openxmlformats.org/presentationml/2006/main">
+  <p:cSld>
+    <p:spTree>
+      <p:nvGrpSpPr>
+        <p:cNvPr id="1" name=""/>
+        <p:cNvGrpSpPr/>
+        <p:nvPr/>
+      </p:nvGrpSpPr>
+      <p:grpSpPr>
+        <a:xfrm>
+          <a:off x="0" y="0"/>
+          <a:ext cx="0" cy="0"/>
+          <a:chOff x="0" y="0"/>
+          <a:chExt cx="0" cy="0"/>
+        </a:xfrm>
+      </p:grpSpPr>
+      <p:graphicFrame>
+        <p:nvGraphicFramePr>
+          <p:cNvPr id="23554" name="think-cell data - do not delete" hidden="1">
+            <a:extLst>
+              <a:ext uri="{FF2B5EF4-FFF2-40B4-BE49-F238E27FC236}">
+                <a16:creationId xmlns:a16="http://schemas.microsoft.com/office/drawing/2014/main" id="{D9CBFEC2-465A-CBB1-CEE9-27B4914FA6B5}"/>
+              </a:ext>
+            </a:extLst>
+          </p:cNvPr>
+          <p:cNvGraphicFramePr>
+            <a:graphicFrameLocks noChangeAspect="1"/>
+          </p:cNvGraphicFramePr>
+          <p:nvPr>
+            <p:custDataLst>
+              <p:tags r:id="rId1"/>
+            </p:custDataLst>
+          </p:nvPr>
+        </p:nvGraphicFramePr>
+        <p:xfrm>
+          <a:off x="1507" y="1601"/>
+          <a:ext cx="1505" cy="1505"/>
+        </p:xfrm>
+        <a:graphic>
+          <a:graphicData uri="http://schemas.openxmlformats.org/presentationml/2006/ole">
+            <mc:AlternateContent xmlns:mc="http://schemas.openxmlformats.org/markup-compatibility/2006">
+              <mc:Choice xmlns:v="urn:schemas-microsoft-com:vml" Requires="v">
+                <p:oleObj name="think-cell Folie" r:id="rId4" imgW="360" imgH="360" progId="TCLayout.ActiveDocument.1">
+                  <p:embed/>
+                </p:oleObj>
+              </mc:Choice>
+              <mc:Fallback>
+                <p:oleObj name="think-cell Folie" r:id="rId4" imgW="360" imgH="360" progId="TCLayout.ActiveDocument.1">
+                  <p:embed/>
+                  <p:pic>
+                    <p:nvPicPr>
+                      <p:cNvPr id="23554" name="think-cell data - do not delete" hidden="1">
+                        <a:extLst>
+                          <a:ext uri="{FF2B5EF4-FFF2-40B4-BE49-F238E27FC236}">
+                            <a16:creationId xmlns:a16="http://schemas.microsoft.com/office/drawing/2014/main" id="{D9CBFEC2-465A-CBB1-CEE9-27B4914FA6B5}"/>
+                          </a:ext>
+                        </a:extLst>
+                      </p:cNvPr>
+                      <p:cNvPicPr>
+                        <a:picLocks noChangeAspect="1" noChangeArrowheads="1"/>
+                      </p:cNvPicPr>
+                      <p:nvPr/>
+                    </p:nvPicPr>
+                    <p:blipFill>
+                      <a:blip r:embed="rId5">
+                        <a:extLst>
+                          <a:ext uri="{28A0092B-C50C-407E-A947-70E740481C1C}">
+                            <a14:useLocalDpi xmlns:a14="http://schemas.microsoft.com/office/drawing/2010/main" val="0"/>
+                          </a:ext>
+                        </a:extLst>
+                      </a:blip>
+                      <a:srcRect/>
+                      <a:stretch>
+                        <a:fillRect/>
+                      </a:stretch>
+                    </p:blipFill>
+                    <p:spPr bwMode="auto">
+                      <a:xfrm>
+                        <a:off x="1507" y="1601"/>
+                        <a:ext cx="1505" cy="1505"/>
+                      </a:xfrm>
+                      <a:prstGeom prst="rect">
+                        <a:avLst/>
+                      </a:prstGeom>
+                      <a:noFill/>
+                      <a:ln>
+                        <a:noFill/>
+                      </a:ln>
+                      <a:extLst>
+                        <a:ext uri="{909E8E84-426E-40DD-AFC4-6F175D3DCCD1}">
+                          <a14:hiddenFill xmlns:a14="http://schemas.microsoft.com/office/drawing/2010/main">
+                            <a:solidFill>
+                              <a:srgbClr val="FFFFFF"/>
+                            </a:solidFill>
+                          </a14:hiddenFill>
+                        </a:ext>
+                        <a:ext uri="{91240B29-F687-4F45-9708-019B960494DF}">
+                          <a14:hiddenLine xmlns:a14="http://schemas.microsoft.com/office/drawing/2010/main" w="9525">
+                            <a:solidFill>
+                              <a:srgbClr val="000000"/>
+                            </a:solidFill>
+                            <a:miter lim="800000"/>
+                            <a:headEnd/>
+                            <a:tailEnd/>
+                          </a14:hiddenLine>
+                        </a:ext>
+                      </a:extLst>
+                    </p:spPr>
+                  </p:pic>
+                </p:oleObj>
+              </mc:Fallback>
+            </mc:AlternateContent>
+          </a:graphicData>
+        </a:graphic>
+      </p:graphicFrame>
+      <p:sp>
+        <p:nvSpPr>
+          <p:cNvPr id="23555" name="Titel 4">
+            <a:extLst>
+              <a:ext uri="{FF2B5EF4-FFF2-40B4-BE49-F238E27FC236}">
+                <a16:creationId xmlns:a16="http://schemas.microsoft.com/office/drawing/2014/main" id="{635E399C-641F-3CFB-CE2A-8A0D4A019A32}"/>
+              </a:ext>
+            </a:extLst>
+          </p:cNvPr>
+          <p:cNvSpPr>
+            <a:spLocks noGrp="1" noChangeArrowheads="1"/>
+          </p:cNvSpPr>
+          <p:nvPr>
+            <p:ph type="title"/>
+          </p:nvPr>
+        </p:nvSpPr>
+        <p:spPr>
+          <a:xfrm>
+            <a:off x="290574" y="272601"/>
+            <a:ext cx="9655136" cy="819023"/>
+          </a:xfrm>
+        </p:spPr>
+        <p:txBody>
+          <a:bodyPr/>
+          <a:lstStyle/>
+          <a:p>
+            <a:pPr eaLnBrk="1" hangingPunct="1">
+              <a:spcBef>
+                <a:spcPct val="0"/>
+              </a:spcBef>
+              <a:spcAft>
+                <a:spcPct val="0"/>
+              </a:spcAft>
+            </a:pPr>
+            <a:r>
+              <a:rPr lang="de-CH" altLang="de-DE" dirty="0"/>
+              <a:t>Agenda</a:t>
+            </a:r>
+          </a:p>
+        </p:txBody>
+      </p:sp>
+      <p:sp>
+        <p:nvSpPr>
+          <p:cNvPr id="23556" name="Foliennummernplatzhalter 8">
+            <a:extLst>
+              <a:ext uri="{FF2B5EF4-FFF2-40B4-BE49-F238E27FC236}">
+                <a16:creationId xmlns:a16="http://schemas.microsoft.com/office/drawing/2014/main" id="{569E5C78-DD4D-A2B3-71FC-13C13850DE53}"/>
+              </a:ext>
+            </a:extLst>
+          </p:cNvPr>
+          <p:cNvSpPr>
+            <a:spLocks noGrp="1" noChangeArrowheads="1"/>
+          </p:cNvSpPr>
+          <p:nvPr>
+            <p:ph type="sldNum" sz="quarter" idx="13"/>
+          </p:nvPr>
+        </p:nvSpPr>
+        <p:spPr bwMode="auto">
+          <a:xfrm>
+            <a:off x="290031" y="6448826"/>
+            <a:ext cx="290022" cy="180838"/>
+          </a:xfrm>
+          <a:prstGeom prst="rect">
+            <a:avLst/>
+          </a:prstGeom>
+          <a:noFill/>
+          <a:extLst>
+            <a:ext uri="{909E8E84-426E-40DD-AFC4-6F175D3DCCD1}">
+              <a14:hiddenFill xmlns:a14="http://schemas.microsoft.com/office/drawing/2010/main">
+                <a:solidFill>
+                  <a:srgbClr val="FFFFFF"/>
+                </a:solidFill>
+              </a14:hiddenFill>
+            </a:ext>
+            <a:ext uri="{91240B29-F687-4F45-9708-019B960494DF}">
+              <a14:hiddenLine xmlns:a14="http://schemas.microsoft.com/office/drawing/2010/main" w="9525">
+                <a:solidFill>
+                  <a:srgbClr val="000000"/>
+                </a:solidFill>
+                <a:miter lim="800000"/>
+                <a:headEnd/>
+                <a:tailEnd/>
+              </a14:hiddenLine>
+            </a:ext>
+          </a:extLst>
+        </p:spPr>
+        <p:txBody>
+          <a:bodyPr vert="horz" wrap="none" lIns="0" tIns="0" rIns="0" bIns="0" numCol="1" rtlCol="0" anchor="ctr" anchorCtr="0" compatLnSpc="1">
+            <a:prstTxWarp prst="textNoShape">
+              <a:avLst/>
+            </a:prstTxWarp>
+          </a:bodyPr>
+          <a:lstStyle>
+            <a:defPPr>
+              <a:defRPr lang="de-CH"/>
+            </a:defPPr>
+            <a:lvl1pPr algn="l" rtl="0" eaLnBrk="0" fontAlgn="base" hangingPunct="0">
+              <a:lnSpc>
+                <a:spcPct val="100000"/>
+              </a:lnSpc>
+              <a:spcBef>
+                <a:spcPts val="0"/>
+              </a:spcBef>
+              <a:spcAft>
+                <a:spcPts val="0"/>
+              </a:spcAft>
+              <a:defRPr sz="1043" b="1" kern="1200">
+                <a:solidFill>
+                  <a:srgbClr val="003CB4"/>
+                </a:solidFill>
+                <a:latin typeface="Frutiger for ZKB Light" panose="020B0303030504020204" pitchFamily="34" charset="0"/>
+                <a:ea typeface="+mn-ea"/>
+                <a:cs typeface="+mn-cs"/>
+              </a:defRPr>
+            </a:lvl1pPr>
+            <a:lvl2pPr marL="1154784" indent="-721176" algn="l" rtl="0" eaLnBrk="0" fontAlgn="base" hangingPunct="0">
+              <a:spcBef>
+                <a:spcPct val="0"/>
+              </a:spcBef>
+              <a:spcAft>
+                <a:spcPct val="0"/>
+              </a:spcAft>
+              <a:defRPr sz="5975" kern="1200">
+                <a:solidFill>
+                  <a:schemeClr val="tx1"/>
+                </a:solidFill>
+                <a:latin typeface="Frutiger for ZKB Light"/>
+                <a:ea typeface="+mn-ea"/>
+                <a:cs typeface="+mn-cs"/>
+              </a:defRPr>
+            </a:lvl2pPr>
+            <a:lvl3pPr marL="2309567" indent="-1442350" algn="l" rtl="0" eaLnBrk="0" fontAlgn="base" hangingPunct="0">
+              <a:spcBef>
+                <a:spcPct val="0"/>
+              </a:spcBef>
+              <a:spcAft>
+                <a:spcPct val="0"/>
+              </a:spcAft>
+              <a:defRPr sz="5975" kern="1200">
+                <a:solidFill>
+                  <a:schemeClr val="tx1"/>
+                </a:solidFill>
+                <a:latin typeface="Frutiger for ZKB Light"/>
+                <a:ea typeface="+mn-ea"/>
+                <a:cs typeface="+mn-cs"/>
+              </a:defRPr>
+            </a:lvl3pPr>
+            <a:lvl4pPr marL="3464352" indent="-2163526" algn="l" rtl="0" eaLnBrk="0" fontAlgn="base" hangingPunct="0">
+              <a:spcBef>
+                <a:spcPct val="0"/>
+              </a:spcBef>
+              <a:spcAft>
+                <a:spcPct val="0"/>
+              </a:spcAft>
+              <a:defRPr sz="5975" kern="1200">
+                <a:solidFill>
+                  <a:schemeClr val="tx1"/>
+                </a:solidFill>
+                <a:latin typeface="Frutiger for ZKB Light"/>
+                <a:ea typeface="+mn-ea"/>
+                <a:cs typeface="+mn-cs"/>
+              </a:defRPr>
+            </a:lvl4pPr>
+            <a:lvl5pPr marL="4619135" indent="-2884701" algn="l" rtl="0" eaLnBrk="0" fontAlgn="base" hangingPunct="0">
+              <a:spcBef>
+                <a:spcPct val="0"/>
+              </a:spcBef>
+              <a:spcAft>
+                <a:spcPct val="0"/>
+              </a:spcAft>
+              <a:defRPr sz="5975" kern="1200">
+                <a:solidFill>
+                  <a:schemeClr val="tx1"/>
+                </a:solidFill>
+                <a:latin typeface="Frutiger for ZKB Light"/>
+                <a:ea typeface="+mn-ea"/>
+                <a:cs typeface="+mn-cs"/>
+              </a:defRPr>
+            </a:lvl5pPr>
+            <a:lvl6pPr marL="2168042" algn="l" defTabSz="867217" rtl="0" eaLnBrk="1" latinLnBrk="0" hangingPunct="1">
+              <a:defRPr sz="5975" kern="1200">
+                <a:solidFill>
+                  <a:schemeClr val="tx1"/>
+                </a:solidFill>
+                <a:latin typeface="Frutiger for ZKB Light"/>
+                <a:ea typeface="+mn-ea"/>
+                <a:cs typeface="+mn-cs"/>
+              </a:defRPr>
+            </a:lvl6pPr>
+            <a:lvl7pPr marL="2601651" algn="l" defTabSz="867217" rtl="0" eaLnBrk="1" latinLnBrk="0" hangingPunct="1">
+              <a:defRPr sz="5975" kern="1200">
+                <a:solidFill>
+                  <a:schemeClr val="tx1"/>
+                </a:solidFill>
+                <a:latin typeface="Frutiger for ZKB Light"/>
+                <a:ea typeface="+mn-ea"/>
+                <a:cs typeface="+mn-cs"/>
+              </a:defRPr>
+            </a:lvl7pPr>
+            <a:lvl8pPr marL="3035259" algn="l" defTabSz="867217" rtl="0" eaLnBrk="1" latinLnBrk="0" hangingPunct="1">
+              <a:defRPr sz="5975" kern="1200">
+                <a:solidFill>
+                  <a:schemeClr val="tx1"/>
+                </a:solidFill>
+                <a:latin typeface="Frutiger for ZKB Light"/>
+                <a:ea typeface="+mn-ea"/>
+                <a:cs typeface="+mn-cs"/>
+              </a:defRPr>
+            </a:lvl8pPr>
+            <a:lvl9pPr marL="3468868" algn="l" defTabSz="867217" rtl="0" eaLnBrk="1" latinLnBrk="0" hangingPunct="1">
+              <a:defRPr sz="5975" kern="1200">
+                <a:solidFill>
+                  <a:schemeClr val="tx1"/>
+                </a:solidFill>
+                <a:latin typeface="Frutiger for ZKB Light"/>
+                <a:ea typeface="+mn-ea"/>
+                <a:cs typeface="+mn-cs"/>
+              </a:defRPr>
+            </a:lvl9pPr>
+          </a:lstStyle>
+          <a:p>
+            <a:pPr>
+              <a:spcBef>
+                <a:spcPct val="0"/>
+              </a:spcBef>
+              <a:spcAft>
+                <a:spcPct val="0"/>
+              </a:spcAft>
+              <a:defRPr/>
+            </a:pPr>
+            <a:fld id="{FCC427CC-9DD7-4DBC-B707-251EBA2222B9}" type="slidenum">
+              <a:rPr lang="de-CH" smtClean="0"/>
+              <a:pPr>
+                <a:spcBef>
+                  <a:spcPct val="0"/>
+                </a:spcBef>
+                <a:spcAft>
+                  <a:spcPct val="0"/>
+                </a:spcAft>
+                <a:defRPr/>
+              </a:pPr>
+              <a:t>2</a:t>
+            </a:fld>
+            <a:endParaRPr lang="de-CH" altLang="de-DE" dirty="0"/>
+          </a:p>
+        </p:txBody>
+      </p:sp>
+      <p:sp>
+        <p:nvSpPr>
+          <p:cNvPr id="23557" name="Fußzeilenplatzhalter 7">
+            <a:extLst>
+              <a:ext uri="{FF2B5EF4-FFF2-40B4-BE49-F238E27FC236}">
+                <a16:creationId xmlns:a16="http://schemas.microsoft.com/office/drawing/2014/main" id="{3367B64A-C840-69A1-B213-2DCFAD65C943}"/>
+              </a:ext>
+            </a:extLst>
+          </p:cNvPr>
+          <p:cNvSpPr>
+            <a:spLocks noGrp="1" noChangeArrowheads="1"/>
+          </p:cNvSpPr>
+          <p:nvPr>
+            <p:ph type="ftr" sz="quarter" idx="14"/>
+          </p:nvPr>
+        </p:nvSpPr>
+        <p:spPr bwMode="auto">
+          <a:xfrm>
+            <a:off x="580053" y="6448826"/>
+            <a:ext cx="9366017" cy="180838"/>
+          </a:xfrm>
+          <a:prstGeom prst="rect">
+            <a:avLst/>
+          </a:prstGeom>
+          <a:noFill/>
+          <a:extLst>
+            <a:ext uri="{909E8E84-426E-40DD-AFC4-6F175D3DCCD1}">
+              <a14:hiddenFill xmlns:a14="http://schemas.microsoft.com/office/drawing/2010/main">
+                <a:solidFill>
+                  <a:srgbClr val="FFFFFF"/>
+                </a:solidFill>
+              </a14:hiddenFill>
+            </a:ext>
+            <a:ext uri="{91240B29-F687-4F45-9708-019B960494DF}">
+              <a14:hiddenLine xmlns:a14="http://schemas.microsoft.com/office/drawing/2010/main" w="9525">
+                <a:solidFill>
+                  <a:srgbClr val="000000"/>
+                </a:solidFill>
+                <a:miter lim="800000"/>
+                <a:headEnd/>
+                <a:tailEnd/>
+              </a14:hiddenLine>
+            </a:ext>
+          </a:extLst>
+        </p:spPr>
+        <p:txBody>
+          <a:bodyPr vert="horz" wrap="none" lIns="0" tIns="0" rIns="0" bIns="0" numCol="1" rtlCol="0" anchor="ctr" anchorCtr="0" compatLnSpc="1">
+            <a:prstTxWarp prst="textNoShape">
+              <a:avLst/>
+            </a:prstTxWarp>
+          </a:bodyPr>
+          <a:lstStyle>
+            <a:defPPr>
+              <a:defRPr lang="de-CH"/>
+            </a:defPPr>
+            <a:lvl1pPr algn="l" rtl="0" eaLnBrk="0" fontAlgn="base" hangingPunct="0">
+              <a:lnSpc>
+                <a:spcPct val="100000"/>
+              </a:lnSpc>
+              <a:spcBef>
+                <a:spcPts val="0"/>
+              </a:spcBef>
+              <a:spcAft>
+                <a:spcPts val="0"/>
+              </a:spcAft>
+              <a:defRPr sz="1043" b="1" kern="1200">
+                <a:solidFill>
+                  <a:srgbClr val="003CB4"/>
+                </a:solidFill>
+                <a:latin typeface="Frutiger for ZKB Light" panose="020B0303030504020204" pitchFamily="34" charset="0"/>
+                <a:ea typeface="+mn-ea"/>
+                <a:cs typeface="+mn-cs"/>
+              </a:defRPr>
+            </a:lvl1pPr>
+            <a:lvl2pPr marL="1154784" indent="-721176" algn="l" rtl="0" eaLnBrk="0" fontAlgn="base" hangingPunct="0">
+              <a:spcBef>
+                <a:spcPct val="0"/>
+              </a:spcBef>
+              <a:spcAft>
+                <a:spcPct val="0"/>
+              </a:spcAft>
+              <a:defRPr sz="5975" kern="1200">
+                <a:solidFill>
+                  <a:schemeClr val="tx1"/>
+                </a:solidFill>
+                <a:latin typeface="Frutiger for ZKB Light"/>
+                <a:ea typeface="+mn-ea"/>
+                <a:cs typeface="+mn-cs"/>
+              </a:defRPr>
+            </a:lvl2pPr>
+            <a:lvl3pPr marL="2309567" indent="-1442350" algn="l" rtl="0" eaLnBrk="0" fontAlgn="base" hangingPunct="0">
+              <a:spcBef>
+                <a:spcPct val="0"/>
+              </a:spcBef>
+              <a:spcAft>
+                <a:spcPct val="0"/>
+              </a:spcAft>
+              <a:defRPr sz="5975" kern="1200">
+                <a:solidFill>
+                  <a:schemeClr val="tx1"/>
+                </a:solidFill>
+                <a:latin typeface="Frutiger for ZKB Light"/>
+                <a:ea typeface="+mn-ea"/>
+                <a:cs typeface="+mn-cs"/>
+              </a:defRPr>
+            </a:lvl3pPr>
+            <a:lvl4pPr marL="3464352" indent="-2163526" algn="l" rtl="0" eaLnBrk="0" fontAlgn="base" hangingPunct="0">
+              <a:spcBef>
+                <a:spcPct val="0"/>
+              </a:spcBef>
+              <a:spcAft>
+                <a:spcPct val="0"/>
+              </a:spcAft>
+              <a:defRPr sz="5975" kern="1200">
+                <a:solidFill>
+                  <a:schemeClr val="tx1"/>
+                </a:solidFill>
+                <a:latin typeface="Frutiger for ZKB Light"/>
+                <a:ea typeface="+mn-ea"/>
+                <a:cs typeface="+mn-cs"/>
+              </a:defRPr>
+            </a:lvl4pPr>
+            <a:lvl5pPr marL="4619135" indent="-2884701" algn="l" rtl="0" eaLnBrk="0" fontAlgn="base" hangingPunct="0">
+              <a:spcBef>
+                <a:spcPct val="0"/>
+              </a:spcBef>
+              <a:spcAft>
+                <a:spcPct val="0"/>
+              </a:spcAft>
+              <a:defRPr sz="5975" kern="1200">
+                <a:solidFill>
+                  <a:schemeClr val="tx1"/>
+                </a:solidFill>
+                <a:latin typeface="Frutiger for ZKB Light"/>
+                <a:ea typeface="+mn-ea"/>
+                <a:cs typeface="+mn-cs"/>
+              </a:defRPr>
+            </a:lvl5pPr>
+            <a:lvl6pPr marL="2168042" algn="l" defTabSz="867217" rtl="0" eaLnBrk="1" latinLnBrk="0" hangingPunct="1">
+              <a:defRPr sz="5975" kern="1200">
+                <a:solidFill>
+                  <a:schemeClr val="tx1"/>
+                </a:solidFill>
+                <a:latin typeface="Frutiger for ZKB Light"/>
+                <a:ea typeface="+mn-ea"/>
+                <a:cs typeface="+mn-cs"/>
+              </a:defRPr>
+            </a:lvl6pPr>
+            <a:lvl7pPr marL="2601651" algn="l" defTabSz="867217" rtl="0" eaLnBrk="1" latinLnBrk="0" hangingPunct="1">
+              <a:defRPr sz="5975" kern="1200">
+                <a:solidFill>
+                  <a:schemeClr val="tx1"/>
+                </a:solidFill>
+                <a:latin typeface="Frutiger for ZKB Light"/>
+                <a:ea typeface="+mn-ea"/>
+                <a:cs typeface="+mn-cs"/>
+              </a:defRPr>
+            </a:lvl7pPr>
+            <a:lvl8pPr marL="3035259" algn="l" defTabSz="867217" rtl="0" eaLnBrk="1" latinLnBrk="0" hangingPunct="1">
+              <a:defRPr sz="5975" kern="1200">
+                <a:solidFill>
+                  <a:schemeClr val="tx1"/>
+                </a:solidFill>
+                <a:latin typeface="Frutiger for ZKB Light"/>
+                <a:ea typeface="+mn-ea"/>
+                <a:cs typeface="+mn-cs"/>
+              </a:defRPr>
+            </a:lvl8pPr>
+            <a:lvl9pPr marL="3468868" algn="l" defTabSz="867217" rtl="0" eaLnBrk="1" latinLnBrk="0" hangingPunct="1">
+              <a:defRPr sz="5975" kern="1200">
+                <a:solidFill>
+                  <a:schemeClr val="tx1"/>
+                </a:solidFill>
+                <a:latin typeface="Frutiger for ZKB Light"/>
+                <a:ea typeface="+mn-ea"/>
+                <a:cs typeface="+mn-cs"/>
+              </a:defRPr>
+            </a:lvl9pPr>
+          </a:lstStyle>
+          <a:p>
+            <a:pPr>
+              <a:spcBef>
+                <a:spcPct val="0"/>
+              </a:spcBef>
+              <a:spcAft>
+                <a:spcPct val="0"/>
+              </a:spcAft>
+            </a:pPr>
+            <a:r>
+              <a:rPr lang="de-CH" dirty="0"/>
+              <a:t>Lorem ipsum dolor sit amet, consetetur | xx. Monat Jahr</a:t>
+            </a:r>
+            <a:endParaRPr lang="de-CH" altLang="de-DE" dirty="0"/>
+          </a:p>
+        </p:txBody>
+      </p:sp>
+      <p:sp>
+        <p:nvSpPr>
+          <p:cNvPr id="6" name="Textplatzhalter 5">
+            <a:extLst>
+              <a:ext uri="{FF2B5EF4-FFF2-40B4-BE49-F238E27FC236}">
+                <a16:creationId xmlns:a16="http://schemas.microsoft.com/office/drawing/2014/main" id="{0A653D7C-B7A7-B777-EC01-058194386328}"/>
+              </a:ext>
+            </a:extLst>
+          </p:cNvPr>
+          <p:cNvSpPr>
+            <a:spLocks noGrp="1"/>
+          </p:cNvSpPr>
+          <p:nvPr>
+            <p:ph type="body" idx="12"/>
+          </p:nvPr>
+        </p:nvSpPr>
+        <p:spPr>
+          <a:xfrm>
+            <a:off x="290574" y="1788697"/>
+            <a:ext cx="9655136" cy="4503121"/>
+          </a:xfrm>
+        </p:spPr>
+        <p:txBody>
+          <a:bodyPr rtlCol="0"/>
+          <a:lstStyle/>
+          <a:p>
+            <a:pPr marL="341209" indent="-341209">
+              <a:buFontTx/>
+              <a:buAutoNum type="arabicPeriod"/>
+              <a:defRPr/>
+            </a:pPr>
+            <a:r>
+              <a:rPr lang="de-CH" dirty="0"/>
+              <a:t>Lorem ipsum dolor </a:t>
+            </a:r>
+          </a:p>
+          <a:p>
+            <a:pPr marL="341209" indent="-341209">
+              <a:buFontTx/>
+              <a:buAutoNum type="arabicPeriod"/>
+              <a:defRPr/>
+            </a:pPr>
+            <a:endParaRPr lang="de-CH" dirty="0"/>
+          </a:p>
+          <a:p>
+            <a:pPr marL="341209" indent="-341209">
+              <a:buFontTx/>
+              <a:buAutoNum type="arabicPeriod"/>
+              <a:defRPr/>
+            </a:pPr>
+            <a:r>
+              <a:rPr lang="de-CH" dirty="0"/>
+              <a:t>Lorem ipsum dolor</a:t>
+            </a:r>
+          </a:p>
+          <a:p>
+            <a:pPr marL="341209" indent="-341209">
+              <a:buFontTx/>
+              <a:buAutoNum type="arabicPeriod"/>
+              <a:defRPr/>
+            </a:pPr>
+            <a:endParaRPr lang="de-CH" dirty="0"/>
+          </a:p>
+          <a:p>
+            <a:pPr marL="341209" indent="-341209">
+              <a:buFontTx/>
+              <a:buAutoNum type="arabicPeriod"/>
+              <a:defRPr/>
+            </a:pPr>
+            <a:r>
+              <a:rPr lang="de-CH" dirty="0"/>
+              <a:t>Lorem ipsum dolor </a:t>
+            </a:r>
+          </a:p>
+          <a:p>
+            <a:pPr marL="341209" indent="-341209">
+              <a:buFontTx/>
+              <a:buAutoNum type="arabicPeriod"/>
+              <a:defRPr/>
+            </a:pPr>
+            <a:endParaRPr lang="de-CH" dirty="0"/>
+          </a:p>
+          <a:p>
+            <a:pPr marL="341209" indent="-341209">
+              <a:buFontTx/>
+              <a:buAutoNum type="arabicPeriod"/>
+              <a:defRPr/>
+            </a:pPr>
+            <a:r>
+              <a:rPr lang="de-CH" dirty="0"/>
+              <a:t>Lorem ipsum dolor</a:t>
+            </a:r>
+          </a:p>
+          <a:p>
+            <a:pPr marL="341209" indent="-341209">
+              <a:defRPr/>
+            </a:pPr>
+            <a:endParaRPr lang="de-CH" dirty="0"/>
+          </a:p>
+          <a:p>
+            <a:pPr eaLnBrk="1" fontAlgn="auto" hangingPunct="1">
+              <a:defRPr/>
+            </a:pPr>
+            <a:endParaRPr lang="de-CH" dirty="0"/>
+          </a:p>
+        </p:txBody>
+      </p:sp>
+    </p:spTree>
+    <p:extLst>
+      <p:ext uri="{BB962C8B-B14F-4D97-AF65-F5344CB8AC3E}">
+        <p14:creationId xmlns:p14="http://schemas.microsoft.com/office/powerpoint/2010/main" val="2573403836"/>
+      </p:ext>
+    </p:extLst>
+  </p:cSld>
+  <p:clrMapOvr>
+    <a:masterClrMapping/>
+  </p:clrMapOvr>
+</p:sld>
+</file>
+
+<file path=ppt/slides/slide3.xml><?xml version="1.0" encoding="utf-8"?>
+<p:sld xmlns:a="http://schemas.openxmlformats.org/drawingml/2006/main" xmlns:r="http://schemas.openxmlformats.org/officeDocument/2006/relationships" xmlns:p="http://schemas.openxmlformats.org/presentationml/2006/main">
+  <p:cSld>
+    <p:spTree>
+      <p:nvGrpSpPr>
+        <p:cNvPr id="1" name=""/>
+        <p:cNvGrpSpPr/>
+        <p:nvPr/>
+      </p:nvGrpSpPr>
+      <p:grpSpPr>
+        <a:xfrm>
+          <a:off x="0" y="0"/>
+          <a:ext cx="0" cy="0"/>
+          <a:chOff x="0" y="0"/>
+          <a:chExt cx="0" cy="0"/>
+        </a:xfrm>
+      </p:grpSpPr>
+      <p:graphicFrame>
+        <p:nvGraphicFramePr>
+          <p:cNvPr id="34818" name="think-cell data - do not delete" hidden="1">
+            <a:extLst>
+              <a:ext uri="{FF2B5EF4-FFF2-40B4-BE49-F238E27FC236}">
+                <a16:creationId xmlns:a16="http://schemas.microsoft.com/office/drawing/2014/main" id="{BDB3CADD-5114-8BC4-542A-1C49F54D8DE4}"/>
+              </a:ext>
+            </a:extLst>
+          </p:cNvPr>
+          <p:cNvGraphicFramePr>
+            <a:graphicFrameLocks noChangeAspect="1"/>
+          </p:cNvGraphicFramePr>
+          <p:nvPr>
+            <p:custDataLst>
+              <p:tags r:id="rId1"/>
+            </p:custDataLst>
+          </p:nvPr>
+        </p:nvGraphicFramePr>
+        <p:xfrm>
+          <a:off x="1507" y="1601"/>
+          <a:ext cx="1505" cy="1505"/>
+        </p:xfrm>
+        <a:graphic>
+          <a:graphicData uri="http://schemas.openxmlformats.org/presentationml/2006/ole">
+            <mc:AlternateContent xmlns:mc="http://schemas.openxmlformats.org/markup-compatibility/2006">
+              <mc:Choice xmlns:v="urn:schemas-microsoft-com:vml" Requires="v">
+                <p:oleObj name="think-cell Folie" r:id="rId4" imgW="350" imgH="350" progId="TCLayout.ActiveDocument.1">
+                  <p:embed/>
+                </p:oleObj>
+              </mc:Choice>
+              <mc:Fallback>
+                <p:oleObj name="think-cell Folie" r:id="rId4" imgW="350" imgH="350" progId="TCLayout.ActiveDocument.1">
+                  <p:embed/>
+                  <p:pic>
+                    <p:nvPicPr>
+                      <p:cNvPr id="34818" name="think-cell data - do not delete" hidden="1">
+                        <a:extLst>
+                          <a:ext uri="{FF2B5EF4-FFF2-40B4-BE49-F238E27FC236}">
+                            <a16:creationId xmlns:a16="http://schemas.microsoft.com/office/drawing/2014/main" id="{BDB3CADD-5114-8BC4-542A-1C49F54D8DE4}"/>
+                          </a:ext>
+                        </a:extLst>
+                      </p:cNvPr>
+                      <p:cNvPicPr>
+                        <a:picLocks noChangeAspect="1" noChangeArrowheads="1"/>
+                      </p:cNvPicPr>
+                      <p:nvPr/>
+                    </p:nvPicPr>
+                    <p:blipFill>
+                      <a:blip r:embed="rId5">
+                        <a:extLst>
+                          <a:ext uri="{28A0092B-C50C-407E-A947-70E740481C1C}">
+                            <a14:useLocalDpi xmlns:a14="http://schemas.microsoft.com/office/drawing/2010/main" val="0"/>
+                          </a:ext>
+                        </a:extLst>
+                      </a:blip>
+                      <a:srcRect/>
+                      <a:stretch>
+                        <a:fillRect/>
+                      </a:stretch>
+                    </p:blipFill>
+                    <p:spPr bwMode="auto">
+                      <a:xfrm>
+                        <a:off x="1507" y="1601"/>
+                        <a:ext cx="1505" cy="1505"/>
+                      </a:xfrm>
+                      <a:prstGeom prst="rect">
+                        <a:avLst/>
+                      </a:prstGeom>
+                      <a:noFill/>
+                      <a:ln>
+                        <a:noFill/>
+                      </a:ln>
+                      <a:extLst>
+                        <a:ext uri="{909E8E84-426E-40DD-AFC4-6F175D3DCCD1}">
+                          <a14:hiddenFill xmlns:a14="http://schemas.microsoft.com/office/drawing/2010/main">
+                            <a:solidFill>
+                              <a:srgbClr val="FFFFFF"/>
+                            </a:solidFill>
+                          </a14:hiddenFill>
+                        </a:ext>
+                        <a:ext uri="{91240B29-F687-4F45-9708-019B960494DF}">
+                          <a14:hiddenLine xmlns:a14="http://schemas.microsoft.com/office/drawing/2010/main" w="9525">
+                            <a:solidFill>
+                              <a:srgbClr val="000000"/>
+                            </a:solidFill>
+                            <a:miter lim="800000"/>
+                            <a:headEnd/>
+                            <a:tailEnd/>
+                          </a14:hiddenLine>
+                        </a:ext>
+                      </a:extLst>
+                    </p:spPr>
+                  </p:pic>
+                </p:oleObj>
+              </mc:Fallback>
+            </mc:AlternateContent>
+          </a:graphicData>
+        </a:graphic>
+      </p:graphicFrame>
+      <p:sp>
+        <p:nvSpPr>
+          <p:cNvPr id="2" name="Titel 1">
+            <a:extLst>
+              <a:ext uri="{FF2B5EF4-FFF2-40B4-BE49-F238E27FC236}">
+                <a16:creationId xmlns:a16="http://schemas.microsoft.com/office/drawing/2014/main" id="{C2E1D5B5-6350-564F-3256-30EE7525F1D0}"/>
+              </a:ext>
+            </a:extLst>
+          </p:cNvPr>
+          <p:cNvSpPr>
+            <a:spLocks noGrp="1"/>
+          </p:cNvSpPr>
+          <p:nvPr>
+            <p:ph type="title"/>
+          </p:nvPr>
+        </p:nvSpPr>
+        <p:spPr>
+          <a:xfrm>
+            <a:off x="290574" y="272601"/>
+            <a:ext cx="9655136" cy="819023"/>
+          </a:xfrm>
+          <a:ln>
+            <a:solidFill>
+              <a:schemeClr val="bg1">
+                <a:lumMod val="75000"/>
+                <a:alpha val="0"/>
+              </a:schemeClr>
+            </a:solidFill>
+          </a:ln>
+        </p:spPr>
+        <p:txBody>
+          <a:bodyPr rtlCol="0"/>
+          <a:lstStyle/>
+          <a:p>
+            <a:pPr defTabSz="16303">
+              <a:defRPr/>
+            </a:pPr>
+            <a:r>
+              <a:rPr lang="de-CH" dirty="0"/>
+              <a:t>Text mit Bild links – 2 Spalten</a:t>
+            </a:r>
+          </a:p>
+        </p:txBody>
+      </p:sp>
+      <p:sp>
+        <p:nvSpPr>
+          <p:cNvPr id="34820" name="Foliennummernplatzhalter 17">
+            <a:extLst>
+              <a:ext uri="{FF2B5EF4-FFF2-40B4-BE49-F238E27FC236}">
+                <a16:creationId xmlns:a16="http://schemas.microsoft.com/office/drawing/2014/main" id="{374C8115-5A13-2DC9-BE21-E2C9D1763621}"/>
+              </a:ext>
+            </a:extLst>
+          </p:cNvPr>
+          <p:cNvSpPr>
+            <a:spLocks noGrp="1" noChangeArrowheads="1"/>
+          </p:cNvSpPr>
+          <p:nvPr>
+            <p:ph type="sldNum" sz="quarter" idx="14"/>
+          </p:nvPr>
+        </p:nvSpPr>
+        <p:spPr bwMode="auto">
+          <a:xfrm>
+            <a:off x="290031" y="6448826"/>
+            <a:ext cx="290022" cy="180838"/>
+          </a:xfrm>
+          <a:prstGeom prst="rect">
+            <a:avLst/>
+          </a:prstGeom>
+          <a:noFill/>
+          <a:extLst>
+            <a:ext uri="{909E8E84-426E-40DD-AFC4-6F175D3DCCD1}">
+              <a14:hiddenFill xmlns:a14="http://schemas.microsoft.com/office/drawing/2010/main">
+                <a:solidFill>
+                  <a:srgbClr val="FFFFFF"/>
+                </a:solidFill>
+              </a14:hiddenFill>
+            </a:ext>
+            <a:ext uri="{91240B29-F687-4F45-9708-019B960494DF}">
+              <a14:hiddenLine xmlns:a14="http://schemas.microsoft.com/office/drawing/2010/main" w="9525">
+                <a:solidFill>
+                  <a:srgbClr val="000000"/>
+                </a:solidFill>
+                <a:miter lim="800000"/>
+                <a:headEnd/>
+                <a:tailEnd/>
+              </a14:hiddenLine>
+            </a:ext>
+          </a:extLst>
+        </p:spPr>
+        <p:txBody>
+          <a:bodyPr vert="horz" wrap="none" lIns="0" tIns="0" rIns="0" bIns="0" numCol="1" rtlCol="0" anchor="ctr" anchorCtr="0" compatLnSpc="1">
+            <a:prstTxWarp prst="textNoShape">
+              <a:avLst/>
+            </a:prstTxWarp>
+          </a:bodyPr>
+          <a:lstStyle>
+            <a:defPPr>
+              <a:defRPr lang="de-CH"/>
+            </a:defPPr>
+            <a:lvl1pPr algn="l" rtl="0" eaLnBrk="0" fontAlgn="base" hangingPunct="0">
+              <a:lnSpc>
+                <a:spcPct val="100000"/>
+              </a:lnSpc>
+              <a:spcBef>
+                <a:spcPts val="0"/>
+              </a:spcBef>
+              <a:spcAft>
+                <a:spcPts val="0"/>
+              </a:spcAft>
+              <a:defRPr sz="1043" b="1" kern="1200">
+                <a:solidFill>
+                  <a:srgbClr val="003CB4"/>
+                </a:solidFill>
+                <a:latin typeface="Frutiger for ZKB Light" panose="020B0303030504020204" pitchFamily="34" charset="0"/>
+                <a:ea typeface="+mn-ea"/>
+                <a:cs typeface="+mn-cs"/>
+              </a:defRPr>
+            </a:lvl1pPr>
+            <a:lvl2pPr marL="1154784" indent="-721176" algn="l" rtl="0" eaLnBrk="0" fontAlgn="base" hangingPunct="0">
+              <a:spcBef>
+                <a:spcPct val="0"/>
+              </a:spcBef>
+              <a:spcAft>
+                <a:spcPct val="0"/>
+              </a:spcAft>
+              <a:defRPr sz="5975" kern="1200">
+                <a:solidFill>
+                  <a:schemeClr val="tx1"/>
+                </a:solidFill>
+                <a:latin typeface="Frutiger for ZKB Light"/>
+                <a:ea typeface="+mn-ea"/>
+                <a:cs typeface="+mn-cs"/>
+              </a:defRPr>
+            </a:lvl2pPr>
+            <a:lvl3pPr marL="2309567" indent="-1442350" algn="l" rtl="0" eaLnBrk="0" fontAlgn="base" hangingPunct="0">
+              <a:spcBef>
+                <a:spcPct val="0"/>
+              </a:spcBef>
+              <a:spcAft>
+                <a:spcPct val="0"/>
+              </a:spcAft>
+              <a:defRPr sz="5975" kern="1200">
+                <a:solidFill>
+                  <a:schemeClr val="tx1"/>
+                </a:solidFill>
+                <a:latin typeface="Frutiger for ZKB Light"/>
+                <a:ea typeface="+mn-ea"/>
+                <a:cs typeface="+mn-cs"/>
+              </a:defRPr>
+            </a:lvl3pPr>
+            <a:lvl4pPr marL="3464352" indent="-2163526" algn="l" rtl="0" eaLnBrk="0" fontAlgn="base" hangingPunct="0">
+              <a:spcBef>
+                <a:spcPct val="0"/>
+              </a:spcBef>
+              <a:spcAft>
+                <a:spcPct val="0"/>
+              </a:spcAft>
+              <a:defRPr sz="5975" kern="1200">
+                <a:solidFill>
+                  <a:schemeClr val="tx1"/>
+                </a:solidFill>
+                <a:latin typeface="Frutiger for ZKB Light"/>
+                <a:ea typeface="+mn-ea"/>
+                <a:cs typeface="+mn-cs"/>
+              </a:defRPr>
+            </a:lvl4pPr>
+            <a:lvl5pPr marL="4619135" indent="-2884701" algn="l" rtl="0" eaLnBrk="0" fontAlgn="base" hangingPunct="0">
+              <a:spcBef>
+                <a:spcPct val="0"/>
+              </a:spcBef>
+              <a:spcAft>
+                <a:spcPct val="0"/>
+              </a:spcAft>
+              <a:defRPr sz="5975" kern="1200">
+                <a:solidFill>
+                  <a:schemeClr val="tx1"/>
+                </a:solidFill>
+                <a:latin typeface="Frutiger for ZKB Light"/>
+                <a:ea typeface="+mn-ea"/>
+                <a:cs typeface="+mn-cs"/>
+              </a:defRPr>
+            </a:lvl5pPr>
+            <a:lvl6pPr marL="2168042" algn="l" defTabSz="867217" rtl="0" eaLnBrk="1" latinLnBrk="0" hangingPunct="1">
+              <a:defRPr sz="5975" kern="1200">
+                <a:solidFill>
+                  <a:schemeClr val="tx1"/>
+                </a:solidFill>
+                <a:latin typeface="Frutiger for ZKB Light"/>
+                <a:ea typeface="+mn-ea"/>
+                <a:cs typeface="+mn-cs"/>
+              </a:defRPr>
+            </a:lvl6pPr>
+            <a:lvl7pPr marL="2601651" algn="l" defTabSz="867217" rtl="0" eaLnBrk="1" latinLnBrk="0" hangingPunct="1">
+              <a:defRPr sz="5975" kern="1200">
+                <a:solidFill>
+                  <a:schemeClr val="tx1"/>
+                </a:solidFill>
+                <a:latin typeface="Frutiger for ZKB Light"/>
+                <a:ea typeface="+mn-ea"/>
+                <a:cs typeface="+mn-cs"/>
+              </a:defRPr>
+            </a:lvl7pPr>
+            <a:lvl8pPr marL="3035259" algn="l" defTabSz="867217" rtl="0" eaLnBrk="1" latinLnBrk="0" hangingPunct="1">
+              <a:defRPr sz="5975" kern="1200">
+                <a:solidFill>
+                  <a:schemeClr val="tx1"/>
+                </a:solidFill>
+                <a:latin typeface="Frutiger for ZKB Light"/>
+                <a:ea typeface="+mn-ea"/>
+                <a:cs typeface="+mn-cs"/>
+              </a:defRPr>
+            </a:lvl8pPr>
+            <a:lvl9pPr marL="3468868" algn="l" defTabSz="867217" rtl="0" eaLnBrk="1" latinLnBrk="0" hangingPunct="1">
+              <a:defRPr sz="5975" kern="1200">
+                <a:solidFill>
+                  <a:schemeClr val="tx1"/>
+                </a:solidFill>
+                <a:latin typeface="Frutiger for ZKB Light"/>
+                <a:ea typeface="+mn-ea"/>
+                <a:cs typeface="+mn-cs"/>
+              </a:defRPr>
+            </a:lvl9pPr>
+          </a:lstStyle>
+          <a:p>
+            <a:pPr>
+              <a:spcBef>
+                <a:spcPct val="0"/>
+              </a:spcBef>
+              <a:spcAft>
+                <a:spcPct val="0"/>
+              </a:spcAft>
+              <a:defRPr/>
+            </a:pPr>
+            <a:fld id="{E27750A0-D544-4C69-B9E8-50FBC5312155}" type="slidenum">
+              <a:rPr lang="de-CH" smtClean="0"/>
+              <a:pPr>
+                <a:spcBef>
+                  <a:spcPct val="0"/>
+                </a:spcBef>
+                <a:spcAft>
+                  <a:spcPct val="0"/>
+                </a:spcAft>
+                <a:defRPr/>
+              </a:pPr>
+              <a:t>3</a:t>
+            </a:fld>
+            <a:endParaRPr lang="de-CH" altLang="de-DE" dirty="0"/>
+          </a:p>
+        </p:txBody>
+      </p:sp>
+      <p:sp>
+        <p:nvSpPr>
+          <p:cNvPr id="34821" name="Fußzeilenplatzhalter 16">
+            <a:extLst>
+              <a:ext uri="{FF2B5EF4-FFF2-40B4-BE49-F238E27FC236}">
+                <a16:creationId xmlns:a16="http://schemas.microsoft.com/office/drawing/2014/main" id="{7B415FAF-F210-0367-38B8-378FC523AE8B}"/>
+              </a:ext>
+            </a:extLst>
+          </p:cNvPr>
+          <p:cNvSpPr>
+            <a:spLocks noGrp="1" noChangeArrowheads="1"/>
+          </p:cNvSpPr>
+          <p:nvPr>
+            <p:ph type="ftr" sz="quarter" idx="15"/>
+          </p:nvPr>
+        </p:nvSpPr>
+        <p:spPr bwMode="auto">
+          <a:xfrm>
+            <a:off x="580053" y="6448826"/>
+            <a:ext cx="9366017" cy="180838"/>
+          </a:xfrm>
+          <a:prstGeom prst="rect">
+            <a:avLst/>
+          </a:prstGeom>
+          <a:noFill/>
+          <a:extLst>
+            <a:ext uri="{909E8E84-426E-40DD-AFC4-6F175D3DCCD1}">
+              <a14:hiddenFill xmlns:a14="http://schemas.microsoft.com/office/drawing/2010/main">
+                <a:solidFill>
+                  <a:srgbClr val="FFFFFF"/>
+                </a:solidFill>
+              </a14:hiddenFill>
+            </a:ext>
+            <a:ext uri="{91240B29-F687-4F45-9708-019B960494DF}">
+              <a14:hiddenLine xmlns:a14="http://schemas.microsoft.com/office/drawing/2010/main" w="9525">
+                <a:solidFill>
+                  <a:srgbClr val="000000"/>
+                </a:solidFill>
+                <a:miter lim="800000"/>
+                <a:headEnd/>
+                <a:tailEnd/>
+              </a14:hiddenLine>
+            </a:ext>
+          </a:extLst>
+        </p:spPr>
+        <p:txBody>
+          <a:bodyPr vert="horz" wrap="none" lIns="0" tIns="0" rIns="0" bIns="0" numCol="1" rtlCol="0" anchor="ctr" anchorCtr="0" compatLnSpc="1">
+            <a:prstTxWarp prst="textNoShape">
+              <a:avLst/>
+            </a:prstTxWarp>
+          </a:bodyPr>
+          <a:lstStyle>
+            <a:defPPr>
+              <a:defRPr lang="de-CH"/>
+            </a:defPPr>
+            <a:lvl1pPr algn="l" rtl="0" eaLnBrk="0" fontAlgn="base" hangingPunct="0">
+              <a:lnSpc>
+                <a:spcPct val="100000"/>
+              </a:lnSpc>
+              <a:spcBef>
+                <a:spcPts val="0"/>
+              </a:spcBef>
+              <a:spcAft>
+                <a:spcPts val="0"/>
+              </a:spcAft>
+              <a:defRPr sz="1043" b="1" kern="1200">
+                <a:solidFill>
+                  <a:srgbClr val="003CB4"/>
+                </a:solidFill>
+                <a:latin typeface="Frutiger for ZKB Light" panose="020B0303030504020204" pitchFamily="34" charset="0"/>
+                <a:ea typeface="+mn-ea"/>
+                <a:cs typeface="+mn-cs"/>
+              </a:defRPr>
+            </a:lvl1pPr>
+            <a:lvl2pPr marL="1154784" indent="-721176" algn="l" rtl="0" eaLnBrk="0" fontAlgn="base" hangingPunct="0">
+              <a:spcBef>
+                <a:spcPct val="0"/>
+              </a:spcBef>
+              <a:spcAft>
+                <a:spcPct val="0"/>
+              </a:spcAft>
+              <a:defRPr sz="5975" kern="1200">
+                <a:solidFill>
+                  <a:schemeClr val="tx1"/>
+                </a:solidFill>
+                <a:latin typeface="Frutiger for ZKB Light"/>
+                <a:ea typeface="+mn-ea"/>
+                <a:cs typeface="+mn-cs"/>
+              </a:defRPr>
+            </a:lvl2pPr>
+            <a:lvl3pPr marL="2309567" indent="-1442350" algn="l" rtl="0" eaLnBrk="0" fontAlgn="base" hangingPunct="0">
+              <a:spcBef>
+                <a:spcPct val="0"/>
+              </a:spcBef>
+              <a:spcAft>
+                <a:spcPct val="0"/>
+              </a:spcAft>
+              <a:defRPr sz="5975" kern="1200">
+                <a:solidFill>
+                  <a:schemeClr val="tx1"/>
+                </a:solidFill>
+                <a:latin typeface="Frutiger for ZKB Light"/>
+                <a:ea typeface="+mn-ea"/>
+                <a:cs typeface="+mn-cs"/>
+              </a:defRPr>
+            </a:lvl3pPr>
+            <a:lvl4pPr marL="3464352" indent="-2163526" algn="l" rtl="0" eaLnBrk="0" fontAlgn="base" hangingPunct="0">
+              <a:spcBef>
+                <a:spcPct val="0"/>
+              </a:spcBef>
+              <a:spcAft>
+                <a:spcPct val="0"/>
+              </a:spcAft>
+              <a:defRPr sz="5975" kern="1200">
+                <a:solidFill>
+                  <a:schemeClr val="tx1"/>
+                </a:solidFill>
+                <a:latin typeface="Frutiger for ZKB Light"/>
+                <a:ea typeface="+mn-ea"/>
+                <a:cs typeface="+mn-cs"/>
+              </a:defRPr>
+            </a:lvl4pPr>
+            <a:lvl5pPr marL="4619135" indent="-2884701" algn="l" rtl="0" eaLnBrk="0" fontAlgn="base" hangingPunct="0">
+              <a:spcBef>
+                <a:spcPct val="0"/>
+              </a:spcBef>
+              <a:spcAft>
+                <a:spcPct val="0"/>
+              </a:spcAft>
+              <a:defRPr sz="5975" kern="1200">
+                <a:solidFill>
+                  <a:schemeClr val="tx1"/>
+                </a:solidFill>
+                <a:latin typeface="Frutiger for ZKB Light"/>
+                <a:ea typeface="+mn-ea"/>
+                <a:cs typeface="+mn-cs"/>
+              </a:defRPr>
+            </a:lvl5pPr>
+            <a:lvl6pPr marL="2168042" algn="l" defTabSz="867217" rtl="0" eaLnBrk="1" latinLnBrk="0" hangingPunct="1">
+              <a:defRPr sz="5975" kern="1200">
+                <a:solidFill>
+                  <a:schemeClr val="tx1"/>
+                </a:solidFill>
+                <a:latin typeface="Frutiger for ZKB Light"/>
+                <a:ea typeface="+mn-ea"/>
+                <a:cs typeface="+mn-cs"/>
+              </a:defRPr>
+            </a:lvl6pPr>
+            <a:lvl7pPr marL="2601651" algn="l" defTabSz="867217" rtl="0" eaLnBrk="1" latinLnBrk="0" hangingPunct="1">
+              <a:defRPr sz="5975" kern="1200">
+                <a:solidFill>
+                  <a:schemeClr val="tx1"/>
+                </a:solidFill>
+                <a:latin typeface="Frutiger for ZKB Light"/>
+                <a:ea typeface="+mn-ea"/>
+                <a:cs typeface="+mn-cs"/>
+              </a:defRPr>
+            </a:lvl7pPr>
+            <a:lvl8pPr marL="3035259" algn="l" defTabSz="867217" rtl="0" eaLnBrk="1" latinLnBrk="0" hangingPunct="1">
+              <a:defRPr sz="5975" kern="1200">
+                <a:solidFill>
+                  <a:schemeClr val="tx1"/>
+                </a:solidFill>
+                <a:latin typeface="Frutiger for ZKB Light"/>
+                <a:ea typeface="+mn-ea"/>
+                <a:cs typeface="+mn-cs"/>
+              </a:defRPr>
+            </a:lvl8pPr>
+            <a:lvl9pPr marL="3468868" algn="l" defTabSz="867217" rtl="0" eaLnBrk="1" latinLnBrk="0" hangingPunct="1">
+              <a:defRPr sz="5975" kern="1200">
+                <a:solidFill>
+                  <a:schemeClr val="tx1"/>
+                </a:solidFill>
+                <a:latin typeface="Frutiger for ZKB Light"/>
+                <a:ea typeface="+mn-ea"/>
+                <a:cs typeface="+mn-cs"/>
+              </a:defRPr>
+            </a:lvl9pPr>
+          </a:lstStyle>
+          <a:p>
+            <a:pPr>
+              <a:spcBef>
+                <a:spcPct val="0"/>
+              </a:spcBef>
+              <a:spcAft>
+                <a:spcPct val="0"/>
+              </a:spcAft>
+            </a:pPr>
+            <a:r>
+              <a:rPr lang="de-CH" dirty="0"/>
+              <a:t>Lorem ipsum dolor sit amet, consetetur | xx. Monat Jahr</a:t>
+            </a:r>
+            <a:endParaRPr lang="de-CH" altLang="de-DE" dirty="0"/>
+          </a:p>
+        </p:txBody>
+      </p:sp>
+      <p:sp>
+        <p:nvSpPr>
+          <p:cNvPr id="34823" name="Inhaltsplatzhalter 21">
+            <a:extLst>
+              <a:ext uri="{FF2B5EF4-FFF2-40B4-BE49-F238E27FC236}">
+                <a16:creationId xmlns:a16="http://schemas.microsoft.com/office/drawing/2014/main" id="{5C1EA259-1329-0588-D634-A37914FBD685}"/>
+              </a:ext>
+            </a:extLst>
+          </p:cNvPr>
+          <p:cNvSpPr>
+            <a:spLocks noGrp="1" noChangeArrowheads="1"/>
+          </p:cNvSpPr>
+          <p:nvPr>
+            <p:ph sz="quarter" idx="13"/>
+          </p:nvPr>
+        </p:nvSpPr>
+        <p:spPr>
+          <a:xfrm>
+            <a:off x="6233006" y="1788697"/>
+            <a:ext cx="5668422" cy="4503121"/>
+          </a:xfrm>
+        </p:spPr>
+        <p:txBody>
+          <a:bodyPr/>
+          <a:lstStyle/>
+          <a:p>
+            <a:pPr defTabSz="269500">
+              <a:spcBef>
+                <a:spcPct val="0"/>
+              </a:spcBef>
+              <a:spcAft>
+                <a:spcPct val="0"/>
+              </a:spcAft>
+            </a:pPr>
+            <a:r>
+              <a:rPr lang="de-CH" altLang="de-DE" sz="1897" b="1" dirty="0">
+                <a:cs typeface="Aharoni" panose="020F0502020204030204" pitchFamily="2" charset="-79"/>
+              </a:rPr>
+              <a:t>Text durch Lorem ipsum</a:t>
+            </a:r>
+          </a:p>
+          <a:p>
+            <a:pPr defTabSz="269500">
+              <a:spcBef>
+                <a:spcPct val="0"/>
+              </a:spcBef>
+              <a:spcAft>
+                <a:spcPct val="0"/>
+              </a:spcAft>
+            </a:pPr>
+            <a:endParaRPr lang="de-CH" altLang="de-DE" b="1" dirty="0">
+              <a:cs typeface="Aharoni" panose="020F0502020204030204" pitchFamily="2" charset="-79"/>
+            </a:endParaRPr>
+          </a:p>
+          <a:p>
+            <a:pPr defTabSz="269500">
+              <a:spcBef>
+                <a:spcPct val="0"/>
+              </a:spcBef>
+              <a:spcAft>
+                <a:spcPct val="0"/>
+              </a:spcAft>
+            </a:pPr>
+            <a:r>
+              <a:rPr lang="de-CH" altLang="de-DE" dirty="0">
+                <a:cs typeface="Aharoni" panose="020F0502020204030204" pitchFamily="2" charset="-79"/>
+              </a:rPr>
+              <a:t>Dolor sit amet, consetetur sadipscing elitr, sed diam nonumy eirmod tempor invidunt ut labore et dolore magna aliquyam erat, sed diam voluptua. At vero eos et accusam et justo duo dolores et ea rebum. Stet clita kasd gubergren, no sea takimata sanctus est Lorem ipsum dolor sit amet. Lorem ipsum dolor sit amet, consetetur sadipscing elitr, sed diam nonumy eirmod tempor invidunt ut labore et dolore magna aliquyam erat.</a:t>
+            </a:r>
+          </a:p>
+          <a:p>
+            <a:pPr defTabSz="269500">
+              <a:spcBef>
+                <a:spcPct val="0"/>
+              </a:spcBef>
+              <a:spcAft>
+                <a:spcPct val="0"/>
+              </a:spcAft>
+            </a:pPr>
+            <a:endParaRPr lang="de-CH" altLang="de-DE" dirty="0">
+              <a:cs typeface="Aharoni" panose="020F0502020204030204" pitchFamily="2" charset="-79"/>
+            </a:endParaRPr>
+          </a:p>
+        </p:txBody>
+      </p:sp>
+      <p:pic>
+        <p:nvPicPr>
+          <p:cNvPr id="34824" name="Inhaltsplatzhalter 4">
+            <a:extLst>
+              <a:ext uri="{FF2B5EF4-FFF2-40B4-BE49-F238E27FC236}">
+                <a16:creationId xmlns:a16="http://schemas.microsoft.com/office/drawing/2014/main" id="{753D5C6E-AF1E-2BE3-C05C-659DE1030248}"/>
+              </a:ext>
+            </a:extLst>
+          </p:cNvPr>
+          <p:cNvPicPr>
+            <a:picLocks noChangeAspect="1" noChangeArrowheads="1"/>
+          </p:cNvPicPr>
+          <p:nvPr/>
+        </p:nvPicPr>
+        <p:blipFill>
+          <a:blip r:embed="rId6">
+            <a:extLst>
+              <a:ext uri="{28A0092B-C50C-407E-A947-70E740481C1C}">
+                <a14:useLocalDpi xmlns:a14="http://schemas.microsoft.com/office/drawing/2010/main" val="0"/>
+              </a:ext>
+            </a:extLst>
+          </a:blip>
+          <a:srcRect/>
+          <a:stretch>
+            <a:fillRect/>
+          </a:stretch>
+        </p:blipFill>
+        <p:spPr bwMode="auto">
+          <a:xfrm>
+            <a:off x="290574" y="1788697"/>
+            <a:ext cx="5668421" cy="4503121"/>
+          </a:xfrm>
+          <a:prstGeom prst="rect">
+            <a:avLst/>
+          </a:prstGeom>
+          <a:noFill/>
+          <a:ln>
+            <a:noFill/>
+          </a:ln>
+          <a:extLst>
+            <a:ext uri="{909E8E84-426E-40DD-AFC4-6F175D3DCCD1}">
+              <a14:hiddenFill xmlns:a14="http://schemas.microsoft.com/office/drawing/2010/main">
+                <a:solidFill>
+                  <a:srgbClr val="FFFFFF"/>
+                </a:solidFill>
+              </a14:hiddenFill>
+            </a:ext>
+            <a:ext uri="{91240B29-F687-4F45-9708-019B960494DF}">
+              <a14:hiddenLine xmlns:a14="http://schemas.microsoft.com/office/drawing/2010/main" w="9525">
+                <a:solidFill>
+                  <a:srgbClr val="000000"/>
+                </a:solidFill>
+                <a:miter lim="800000"/>
+                <a:headEnd/>
+                <a:tailEnd/>
+              </a14:hiddenLine>
+            </a:ext>
+          </a:extLst>
+        </p:spPr>
+      </p:pic>
+    </p:spTree>
+    <p:extLst>
+      <p:ext uri="{BB962C8B-B14F-4D97-AF65-F5344CB8AC3E}">
+        <p14:creationId xmlns:p14="http://schemas.microsoft.com/office/powerpoint/2010/main" val="4069356303"/>
+      </p:ext>
+    </p:extLst>
+  </p:cSld>
+  <p:clrMapOvr>
+    <a:masterClrMapping/>
+  </p:clrMapOvr>
+</p:sld>
+</file>
+
+<file path=ppt/slides/slide4.xml><?xml version="1.0" encoding="utf-8"?>
+<p:sld xmlns:a="http://schemas.openxmlformats.org/drawingml/2006/main" xmlns:r="http://schemas.openxmlformats.org/officeDocument/2006/relationships" xmlns:p="http://schemas.openxmlformats.org/presentationml/2006/main">
+  <p:cSld>
+    <p:spTree>
+      <p:nvGrpSpPr>
+        <p:cNvPr id="1" name=""/>
+        <p:cNvGrpSpPr/>
+        <p:nvPr/>
+      </p:nvGrpSpPr>
+      <p:grpSpPr>
+        <a:xfrm>
+          <a:off x="0" y="0"/>
+          <a:ext cx="0" cy="0"/>
+          <a:chOff x="0" y="0"/>
+          <a:chExt cx="0" cy="0"/>
+        </a:xfrm>
+      </p:grpSpPr>
+      <p:graphicFrame>
+        <p:nvGraphicFramePr>
+          <p:cNvPr id="35842" name="think-cell data - do not delete" hidden="1">
+            <a:extLst>
+              <a:ext uri="{FF2B5EF4-FFF2-40B4-BE49-F238E27FC236}">
+                <a16:creationId xmlns:a16="http://schemas.microsoft.com/office/drawing/2014/main" id="{6B01AD2A-183B-02F7-C839-4CA11E825A73}"/>
+              </a:ext>
+            </a:extLst>
+          </p:cNvPr>
+          <p:cNvGraphicFramePr>
+            <a:graphicFrameLocks noChangeAspect="1"/>
+          </p:cNvGraphicFramePr>
+          <p:nvPr>
+            <p:custDataLst>
+              <p:tags r:id="rId1"/>
+            </p:custDataLst>
+          </p:nvPr>
+        </p:nvGraphicFramePr>
+        <p:xfrm>
+          <a:off x="1507" y="1601"/>
+          <a:ext cx="1505" cy="1505"/>
+        </p:xfrm>
+        <a:graphic>
+          <a:graphicData uri="http://schemas.openxmlformats.org/presentationml/2006/ole">
+            <mc:AlternateContent xmlns:mc="http://schemas.openxmlformats.org/markup-compatibility/2006">
+              <mc:Choice xmlns:v="urn:schemas-microsoft-com:vml" Requires="v">
+                <p:oleObj name="think-cell Folie" r:id="rId4" imgW="350" imgH="350" progId="TCLayout.ActiveDocument.1">
+                  <p:embed/>
+                </p:oleObj>
+              </mc:Choice>
+              <mc:Fallback>
+                <p:oleObj name="think-cell Folie" r:id="rId4" imgW="350" imgH="350" progId="TCLayout.ActiveDocument.1">
+                  <p:embed/>
+                  <p:pic>
+                    <p:nvPicPr>
+                      <p:cNvPr id="35842" name="think-cell data - do not delete" hidden="1">
+                        <a:extLst>
+                          <a:ext uri="{FF2B5EF4-FFF2-40B4-BE49-F238E27FC236}">
+                            <a16:creationId xmlns:a16="http://schemas.microsoft.com/office/drawing/2014/main" id="{6B01AD2A-183B-02F7-C839-4CA11E825A73}"/>
+                          </a:ext>
+                        </a:extLst>
+                      </p:cNvPr>
+                      <p:cNvPicPr>
+                        <a:picLocks noChangeAspect="1" noChangeArrowheads="1"/>
+                      </p:cNvPicPr>
+                      <p:nvPr/>
+                    </p:nvPicPr>
+                    <p:blipFill>
+                      <a:blip r:embed="rId5">
+                        <a:extLst>
+                          <a:ext uri="{28A0092B-C50C-407E-A947-70E740481C1C}">
+                            <a14:useLocalDpi xmlns:a14="http://schemas.microsoft.com/office/drawing/2010/main" val="0"/>
+                          </a:ext>
+                        </a:extLst>
+                      </a:blip>
+                      <a:srcRect/>
+                      <a:stretch>
+                        <a:fillRect/>
+                      </a:stretch>
+                    </p:blipFill>
+                    <p:spPr bwMode="auto">
+                      <a:xfrm>
+                        <a:off x="1507" y="1601"/>
+                        <a:ext cx="1505" cy="1505"/>
+                      </a:xfrm>
+                      <a:prstGeom prst="rect">
+                        <a:avLst/>
+                      </a:prstGeom>
+                      <a:noFill/>
+                      <a:ln>
+                        <a:noFill/>
+                      </a:ln>
+                      <a:extLst>
+                        <a:ext uri="{909E8E84-426E-40DD-AFC4-6F175D3DCCD1}">
+                          <a14:hiddenFill xmlns:a14="http://schemas.microsoft.com/office/drawing/2010/main">
+                            <a:solidFill>
+                              <a:srgbClr val="FFFFFF"/>
+                            </a:solidFill>
+                          </a14:hiddenFill>
+                        </a:ext>
+                        <a:ext uri="{91240B29-F687-4F45-9708-019B960494DF}">
+                          <a14:hiddenLine xmlns:a14="http://schemas.microsoft.com/office/drawing/2010/main" w="9525">
+                            <a:solidFill>
+                              <a:srgbClr val="000000"/>
+                            </a:solidFill>
+                            <a:miter lim="800000"/>
+                            <a:headEnd/>
+                            <a:tailEnd/>
+                          </a14:hiddenLine>
+                        </a:ext>
+                      </a:extLst>
+                    </p:spPr>
+                  </p:pic>
+                </p:oleObj>
+              </mc:Fallback>
+            </mc:AlternateContent>
+          </a:graphicData>
+        </a:graphic>
+      </p:graphicFrame>
+      <p:sp>
+        <p:nvSpPr>
+          <p:cNvPr id="2" name="Titel 1">
+            <a:extLst>
+              <a:ext uri="{FF2B5EF4-FFF2-40B4-BE49-F238E27FC236}">
+                <a16:creationId xmlns:a16="http://schemas.microsoft.com/office/drawing/2014/main" id="{D00C8E28-CA25-4B3E-F9DA-696D3CF46C96}"/>
+              </a:ext>
+            </a:extLst>
+          </p:cNvPr>
+          <p:cNvSpPr>
+            <a:spLocks noGrp="1"/>
+          </p:cNvSpPr>
+          <p:nvPr>
+            <p:ph type="title"/>
+          </p:nvPr>
+        </p:nvSpPr>
+        <p:spPr>
+          <a:xfrm>
+            <a:off x="290574" y="272601"/>
+            <a:ext cx="9655136" cy="819023"/>
+          </a:xfrm>
+          <a:ln>
+            <a:solidFill>
+              <a:schemeClr val="bg1">
+                <a:lumMod val="75000"/>
+                <a:alpha val="0"/>
+              </a:schemeClr>
+            </a:solidFill>
+          </a:ln>
+        </p:spPr>
+        <p:txBody>
+          <a:bodyPr rtlCol="0"/>
+          <a:lstStyle/>
+          <a:p>
+            <a:pPr defTabSz="16303">
+              <a:defRPr/>
+            </a:pPr>
+            <a:r>
+              <a:rPr lang="de-CH" dirty="0"/>
+              <a:t>Text mit Bild rechts – 2 Spalten</a:t>
+            </a:r>
+          </a:p>
+        </p:txBody>
+      </p:sp>
+      <p:sp>
+        <p:nvSpPr>
+          <p:cNvPr id="35844" name="Foliennummernplatzhalter 26">
+            <a:extLst>
+              <a:ext uri="{FF2B5EF4-FFF2-40B4-BE49-F238E27FC236}">
+                <a16:creationId xmlns:a16="http://schemas.microsoft.com/office/drawing/2014/main" id="{0784ED3D-BE02-EED6-9B94-E9D53C479ADD}"/>
+              </a:ext>
+            </a:extLst>
+          </p:cNvPr>
+          <p:cNvSpPr>
+            <a:spLocks noGrp="1" noChangeArrowheads="1"/>
+          </p:cNvSpPr>
+          <p:nvPr>
+            <p:ph type="sldNum" sz="quarter" idx="14"/>
+          </p:nvPr>
+        </p:nvSpPr>
+        <p:spPr bwMode="auto">
+          <a:xfrm>
+            <a:off x="290031" y="6448826"/>
+            <a:ext cx="290022" cy="180838"/>
+          </a:xfrm>
+          <a:prstGeom prst="rect">
+            <a:avLst/>
+          </a:prstGeom>
+          <a:noFill/>
+          <a:extLst>
+            <a:ext uri="{909E8E84-426E-40DD-AFC4-6F175D3DCCD1}">
+              <a14:hiddenFill xmlns:a14="http://schemas.microsoft.com/office/drawing/2010/main">
+                <a:solidFill>
+                  <a:srgbClr val="FFFFFF"/>
+                </a:solidFill>
+              </a14:hiddenFill>
+            </a:ext>
+            <a:ext uri="{91240B29-F687-4F45-9708-019B960494DF}">
+              <a14:hiddenLine xmlns:a14="http://schemas.microsoft.com/office/drawing/2010/main" w="9525">
+                <a:solidFill>
+                  <a:srgbClr val="000000"/>
+                </a:solidFill>
+                <a:miter lim="800000"/>
+                <a:headEnd/>
+                <a:tailEnd/>
+              </a14:hiddenLine>
+            </a:ext>
+          </a:extLst>
+        </p:spPr>
+        <p:txBody>
+          <a:bodyPr vert="horz" wrap="none" lIns="0" tIns="0" rIns="0" bIns="0" numCol="1" rtlCol="0" anchor="ctr" anchorCtr="0" compatLnSpc="1">
+            <a:prstTxWarp prst="textNoShape">
+              <a:avLst/>
+            </a:prstTxWarp>
+          </a:bodyPr>
+          <a:lstStyle>
+            <a:defPPr>
+              <a:defRPr lang="de-CH"/>
+            </a:defPPr>
+            <a:lvl1pPr algn="l" rtl="0" eaLnBrk="0" fontAlgn="base" hangingPunct="0">
+              <a:lnSpc>
+                <a:spcPct val="100000"/>
+              </a:lnSpc>
+              <a:spcBef>
+                <a:spcPts val="0"/>
+              </a:spcBef>
+              <a:spcAft>
+                <a:spcPts val="0"/>
+              </a:spcAft>
+              <a:defRPr sz="1043" b="1" kern="1200">
+                <a:solidFill>
+                  <a:srgbClr val="003CB4"/>
+                </a:solidFill>
+                <a:latin typeface="Frutiger for ZKB Light" panose="020B0303030504020204" pitchFamily="34" charset="0"/>
+                <a:ea typeface="+mn-ea"/>
+                <a:cs typeface="+mn-cs"/>
+              </a:defRPr>
+            </a:lvl1pPr>
+            <a:lvl2pPr marL="1154784" indent="-721176" algn="l" rtl="0" eaLnBrk="0" fontAlgn="base" hangingPunct="0">
+              <a:spcBef>
+                <a:spcPct val="0"/>
+              </a:spcBef>
+              <a:spcAft>
+                <a:spcPct val="0"/>
+              </a:spcAft>
+              <a:defRPr sz="5975" kern="1200">
+                <a:solidFill>
+                  <a:schemeClr val="tx1"/>
+                </a:solidFill>
+                <a:latin typeface="Frutiger for ZKB Light"/>
+                <a:ea typeface="+mn-ea"/>
+                <a:cs typeface="+mn-cs"/>
+              </a:defRPr>
+            </a:lvl2pPr>
+            <a:lvl3pPr marL="2309567" indent="-1442350" algn="l" rtl="0" eaLnBrk="0" fontAlgn="base" hangingPunct="0">
+              <a:spcBef>
+                <a:spcPct val="0"/>
+              </a:spcBef>
+              <a:spcAft>
+                <a:spcPct val="0"/>
+              </a:spcAft>
+              <a:defRPr sz="5975" kern="1200">
+                <a:solidFill>
+                  <a:schemeClr val="tx1"/>
+                </a:solidFill>
+                <a:latin typeface="Frutiger for ZKB Light"/>
+                <a:ea typeface="+mn-ea"/>
+                <a:cs typeface="+mn-cs"/>
+              </a:defRPr>
+            </a:lvl3pPr>
+            <a:lvl4pPr marL="3464352" indent="-2163526" algn="l" rtl="0" eaLnBrk="0" fontAlgn="base" hangingPunct="0">
+              <a:spcBef>
+                <a:spcPct val="0"/>
+              </a:spcBef>
+              <a:spcAft>
+                <a:spcPct val="0"/>
+              </a:spcAft>
+              <a:defRPr sz="5975" kern="1200">
+                <a:solidFill>
+                  <a:schemeClr val="tx1"/>
+                </a:solidFill>
+                <a:latin typeface="Frutiger for ZKB Light"/>
+                <a:ea typeface="+mn-ea"/>
+                <a:cs typeface="+mn-cs"/>
+              </a:defRPr>
+            </a:lvl4pPr>
+            <a:lvl5pPr marL="4619135" indent="-2884701" algn="l" rtl="0" eaLnBrk="0" fontAlgn="base" hangingPunct="0">
+              <a:spcBef>
+                <a:spcPct val="0"/>
+              </a:spcBef>
+              <a:spcAft>
+                <a:spcPct val="0"/>
+              </a:spcAft>
+              <a:defRPr sz="5975" kern="1200">
+                <a:solidFill>
+                  <a:schemeClr val="tx1"/>
+                </a:solidFill>
+                <a:latin typeface="Frutiger for ZKB Light"/>
+                <a:ea typeface="+mn-ea"/>
+                <a:cs typeface="+mn-cs"/>
+              </a:defRPr>
+            </a:lvl5pPr>
+            <a:lvl6pPr marL="2168042" algn="l" defTabSz="867217" rtl="0" eaLnBrk="1" latinLnBrk="0" hangingPunct="1">
+              <a:defRPr sz="5975" kern="1200">
+                <a:solidFill>
+                  <a:schemeClr val="tx1"/>
+                </a:solidFill>
+                <a:latin typeface="Frutiger for ZKB Light"/>
+                <a:ea typeface="+mn-ea"/>
+                <a:cs typeface="+mn-cs"/>
+              </a:defRPr>
+            </a:lvl6pPr>
+            <a:lvl7pPr marL="2601651" algn="l" defTabSz="867217" rtl="0" eaLnBrk="1" latinLnBrk="0" hangingPunct="1">
+              <a:defRPr sz="5975" kern="1200">
+                <a:solidFill>
+                  <a:schemeClr val="tx1"/>
+                </a:solidFill>
+                <a:latin typeface="Frutiger for ZKB Light"/>
+                <a:ea typeface="+mn-ea"/>
+                <a:cs typeface="+mn-cs"/>
+              </a:defRPr>
+            </a:lvl7pPr>
+            <a:lvl8pPr marL="3035259" algn="l" defTabSz="867217" rtl="0" eaLnBrk="1" latinLnBrk="0" hangingPunct="1">
+              <a:defRPr sz="5975" kern="1200">
+                <a:solidFill>
+                  <a:schemeClr val="tx1"/>
+                </a:solidFill>
+                <a:latin typeface="Frutiger for ZKB Light"/>
+                <a:ea typeface="+mn-ea"/>
+                <a:cs typeface="+mn-cs"/>
+              </a:defRPr>
+            </a:lvl8pPr>
+            <a:lvl9pPr marL="3468868" algn="l" defTabSz="867217" rtl="0" eaLnBrk="1" latinLnBrk="0" hangingPunct="1">
+              <a:defRPr sz="5975" kern="1200">
+                <a:solidFill>
+                  <a:schemeClr val="tx1"/>
+                </a:solidFill>
+                <a:latin typeface="Frutiger for ZKB Light"/>
+                <a:ea typeface="+mn-ea"/>
+                <a:cs typeface="+mn-cs"/>
+              </a:defRPr>
+            </a:lvl9pPr>
+          </a:lstStyle>
+          <a:p>
+            <a:pPr>
+              <a:spcBef>
+                <a:spcPct val="0"/>
+              </a:spcBef>
+              <a:spcAft>
+                <a:spcPct val="0"/>
+              </a:spcAft>
+              <a:defRPr/>
+            </a:pPr>
+            <a:fld id="{E27750A0-D544-4C69-B9E8-50FBC5312155}" type="slidenum">
+              <a:rPr lang="de-CH" smtClean="0"/>
+              <a:pPr>
+                <a:spcBef>
+                  <a:spcPct val="0"/>
+                </a:spcBef>
+                <a:spcAft>
+                  <a:spcPct val="0"/>
+                </a:spcAft>
+                <a:defRPr/>
+              </a:pPr>
+              <a:t>4</a:t>
+            </a:fld>
+            <a:endParaRPr lang="de-CH" altLang="de-DE" dirty="0"/>
+          </a:p>
+        </p:txBody>
+      </p:sp>
+      <p:sp>
+        <p:nvSpPr>
+          <p:cNvPr id="35845" name="Fußzeilenplatzhalter 25">
+            <a:extLst>
+              <a:ext uri="{FF2B5EF4-FFF2-40B4-BE49-F238E27FC236}">
+                <a16:creationId xmlns:a16="http://schemas.microsoft.com/office/drawing/2014/main" id="{5C6BA51F-2E38-C2CB-E48C-BA197B4DFC06}"/>
+              </a:ext>
+            </a:extLst>
+          </p:cNvPr>
+          <p:cNvSpPr>
+            <a:spLocks noGrp="1" noChangeArrowheads="1"/>
+          </p:cNvSpPr>
+          <p:nvPr>
+            <p:ph type="ftr" sz="quarter" idx="15"/>
+          </p:nvPr>
+        </p:nvSpPr>
+        <p:spPr bwMode="auto">
+          <a:xfrm>
+            <a:off x="580053" y="6448826"/>
+            <a:ext cx="9366017" cy="180838"/>
+          </a:xfrm>
+          <a:prstGeom prst="rect">
+            <a:avLst/>
+          </a:prstGeom>
+          <a:noFill/>
+          <a:extLst>
+            <a:ext uri="{909E8E84-426E-40DD-AFC4-6F175D3DCCD1}">
+              <a14:hiddenFill xmlns:a14="http://schemas.microsoft.com/office/drawing/2010/main">
+                <a:solidFill>
+                  <a:srgbClr val="FFFFFF"/>
+                </a:solidFill>
+              </a14:hiddenFill>
+            </a:ext>
+            <a:ext uri="{91240B29-F687-4F45-9708-019B960494DF}">
+              <a14:hiddenLine xmlns:a14="http://schemas.microsoft.com/office/drawing/2010/main" w="9525">
+                <a:solidFill>
+                  <a:srgbClr val="000000"/>
+                </a:solidFill>
+                <a:miter lim="800000"/>
+                <a:headEnd/>
+                <a:tailEnd/>
+              </a14:hiddenLine>
+            </a:ext>
+          </a:extLst>
+        </p:spPr>
+        <p:txBody>
+          <a:bodyPr vert="horz" wrap="none" lIns="0" tIns="0" rIns="0" bIns="0" numCol="1" rtlCol="0" anchor="ctr" anchorCtr="0" compatLnSpc="1">
+            <a:prstTxWarp prst="textNoShape">
+              <a:avLst/>
+            </a:prstTxWarp>
+          </a:bodyPr>
+          <a:lstStyle>
+            <a:defPPr>
+              <a:defRPr lang="de-CH"/>
+            </a:defPPr>
+            <a:lvl1pPr algn="l" rtl="0" eaLnBrk="0" fontAlgn="base" hangingPunct="0">
+              <a:lnSpc>
+                <a:spcPct val="100000"/>
+              </a:lnSpc>
+              <a:spcBef>
+                <a:spcPts val="0"/>
+              </a:spcBef>
+              <a:spcAft>
+                <a:spcPts val="0"/>
+              </a:spcAft>
+              <a:defRPr sz="1043" b="1" kern="1200">
+                <a:solidFill>
+                  <a:srgbClr val="003CB4"/>
+                </a:solidFill>
+                <a:latin typeface="Frutiger for ZKB Light" panose="020B0303030504020204" pitchFamily="34" charset="0"/>
+                <a:ea typeface="+mn-ea"/>
+                <a:cs typeface="+mn-cs"/>
+              </a:defRPr>
+            </a:lvl1pPr>
+            <a:lvl2pPr marL="1154784" indent="-721176" algn="l" rtl="0" eaLnBrk="0" fontAlgn="base" hangingPunct="0">
+              <a:spcBef>
+                <a:spcPct val="0"/>
+              </a:spcBef>
+              <a:spcAft>
+                <a:spcPct val="0"/>
+              </a:spcAft>
+              <a:defRPr sz="5975" kern="1200">
+                <a:solidFill>
+                  <a:schemeClr val="tx1"/>
+                </a:solidFill>
+                <a:latin typeface="Frutiger for ZKB Light"/>
+                <a:ea typeface="+mn-ea"/>
+                <a:cs typeface="+mn-cs"/>
+              </a:defRPr>
+            </a:lvl2pPr>
+            <a:lvl3pPr marL="2309567" indent="-1442350" algn="l" rtl="0" eaLnBrk="0" fontAlgn="base" hangingPunct="0">
+              <a:spcBef>
+                <a:spcPct val="0"/>
+              </a:spcBef>
+              <a:spcAft>
+                <a:spcPct val="0"/>
+              </a:spcAft>
+              <a:defRPr sz="5975" kern="1200">
+                <a:solidFill>
+                  <a:schemeClr val="tx1"/>
+                </a:solidFill>
+                <a:latin typeface="Frutiger for ZKB Light"/>
+                <a:ea typeface="+mn-ea"/>
+                <a:cs typeface="+mn-cs"/>
+              </a:defRPr>
+            </a:lvl3pPr>
+            <a:lvl4pPr marL="3464352" indent="-2163526" algn="l" rtl="0" eaLnBrk="0" fontAlgn="base" hangingPunct="0">
+              <a:spcBef>
+                <a:spcPct val="0"/>
+              </a:spcBef>
+              <a:spcAft>
+                <a:spcPct val="0"/>
+              </a:spcAft>
+              <a:defRPr sz="5975" kern="1200">
+                <a:solidFill>
+                  <a:schemeClr val="tx1"/>
+                </a:solidFill>
+                <a:latin typeface="Frutiger for ZKB Light"/>
+                <a:ea typeface="+mn-ea"/>
+                <a:cs typeface="+mn-cs"/>
+              </a:defRPr>
+            </a:lvl4pPr>
+            <a:lvl5pPr marL="4619135" indent="-2884701" algn="l" rtl="0" eaLnBrk="0" fontAlgn="base" hangingPunct="0">
+              <a:spcBef>
+                <a:spcPct val="0"/>
+              </a:spcBef>
+              <a:spcAft>
+                <a:spcPct val="0"/>
+              </a:spcAft>
+              <a:defRPr sz="5975" kern="1200">
+                <a:solidFill>
+                  <a:schemeClr val="tx1"/>
+                </a:solidFill>
+                <a:latin typeface="Frutiger for ZKB Light"/>
+                <a:ea typeface="+mn-ea"/>
+                <a:cs typeface="+mn-cs"/>
+              </a:defRPr>
+            </a:lvl5pPr>
+            <a:lvl6pPr marL="2168042" algn="l" defTabSz="867217" rtl="0" eaLnBrk="1" latinLnBrk="0" hangingPunct="1">
+              <a:defRPr sz="5975" kern="1200">
+                <a:solidFill>
+                  <a:schemeClr val="tx1"/>
+                </a:solidFill>
+                <a:latin typeface="Frutiger for ZKB Light"/>
+                <a:ea typeface="+mn-ea"/>
+                <a:cs typeface="+mn-cs"/>
+              </a:defRPr>
+            </a:lvl6pPr>
+            <a:lvl7pPr marL="2601651" algn="l" defTabSz="867217" rtl="0" eaLnBrk="1" latinLnBrk="0" hangingPunct="1">
+              <a:defRPr sz="5975" kern="1200">
+                <a:solidFill>
+                  <a:schemeClr val="tx1"/>
+                </a:solidFill>
+                <a:latin typeface="Frutiger for ZKB Light"/>
+                <a:ea typeface="+mn-ea"/>
+                <a:cs typeface="+mn-cs"/>
+              </a:defRPr>
+            </a:lvl7pPr>
+            <a:lvl8pPr marL="3035259" algn="l" defTabSz="867217" rtl="0" eaLnBrk="1" latinLnBrk="0" hangingPunct="1">
+              <a:defRPr sz="5975" kern="1200">
+                <a:solidFill>
+                  <a:schemeClr val="tx1"/>
+                </a:solidFill>
+                <a:latin typeface="Frutiger for ZKB Light"/>
+                <a:ea typeface="+mn-ea"/>
+                <a:cs typeface="+mn-cs"/>
+              </a:defRPr>
+            </a:lvl8pPr>
+            <a:lvl9pPr marL="3468868" algn="l" defTabSz="867217" rtl="0" eaLnBrk="1" latinLnBrk="0" hangingPunct="1">
+              <a:defRPr sz="5975" kern="1200">
+                <a:solidFill>
+                  <a:schemeClr val="tx1"/>
+                </a:solidFill>
+                <a:latin typeface="Frutiger for ZKB Light"/>
+                <a:ea typeface="+mn-ea"/>
+                <a:cs typeface="+mn-cs"/>
+              </a:defRPr>
+            </a:lvl9pPr>
+          </a:lstStyle>
+          <a:p>
+            <a:pPr>
+              <a:spcBef>
+                <a:spcPct val="0"/>
+              </a:spcBef>
+              <a:spcAft>
+                <a:spcPct val="0"/>
+              </a:spcAft>
+            </a:pPr>
+            <a:r>
+              <a:rPr lang="de-CH" dirty="0"/>
+              <a:t>Lorem ipsum dolor sit amet, consetetur | xx. Monat Jahr</a:t>
+            </a:r>
+            <a:endParaRPr lang="de-CH" altLang="de-DE" dirty="0"/>
+          </a:p>
+        </p:txBody>
+      </p:sp>
+      <p:sp>
+        <p:nvSpPr>
+          <p:cNvPr id="3" name="Inhaltsplatzhalter 2">
+            <a:extLst>
+              <a:ext uri="{FF2B5EF4-FFF2-40B4-BE49-F238E27FC236}">
+                <a16:creationId xmlns:a16="http://schemas.microsoft.com/office/drawing/2014/main" id="{9D46ECA1-31D2-09BE-A652-C6761A82392A}"/>
+              </a:ext>
+            </a:extLst>
+          </p:cNvPr>
+          <p:cNvSpPr>
+            <a:spLocks noGrp="1"/>
+          </p:cNvSpPr>
+          <p:nvPr>
+            <p:ph idx="12"/>
+          </p:nvPr>
+        </p:nvSpPr>
+        <p:spPr>
+          <a:xfrm>
+            <a:off x="290574" y="1788697"/>
+            <a:ext cx="5668421" cy="4503121"/>
+          </a:xfrm>
+          <a:ln>
+            <a:solidFill>
+              <a:schemeClr val="bg1">
+                <a:lumMod val="75000"/>
+                <a:alpha val="0"/>
+              </a:schemeClr>
+            </a:solidFill>
+          </a:ln>
+        </p:spPr>
+        <p:txBody>
+          <a:bodyPr rtlCol="0"/>
+          <a:lstStyle/>
+          <a:p>
+            <a:pPr eaLnBrk="1" fontAlgn="auto" hangingPunct="1">
+              <a:defRPr/>
+            </a:pPr>
+            <a:r>
+              <a:rPr lang="de-CH" sz="1897" b="1" dirty="0"/>
+              <a:t>Text durch Lorem ipsum</a:t>
+            </a:r>
+          </a:p>
+          <a:p>
+            <a:pPr eaLnBrk="1" fontAlgn="auto" hangingPunct="1">
+              <a:defRPr/>
+            </a:pPr>
+            <a:endParaRPr lang="de-CH" sz="1897" b="1" dirty="0"/>
+          </a:p>
+          <a:p>
+            <a:pPr eaLnBrk="1" fontAlgn="auto" hangingPunct="1">
+              <a:defRPr/>
+            </a:pPr>
+            <a:r>
+              <a:rPr lang="de-CH" dirty="0"/>
+              <a:t>Text durch Lorem ipsum dolor sit amet, consetetur sadipscing elitr, sed diam nonumy eirmod tempor invidunt ut labore et dolore magna aliquyam erat, sed diam voluptua. At vero eos et accusam et justo duo dolores et ea rebum. Stet clita kasd gubergren, no sea takimata sanctus est Lorem ipsum dolor sit amet. Lorem ipsum dolor sit amet, consetetur sadipscing elitr, sed diam nonumy eirmod tempor invidunt ut labore et dolore magna aliquyam erat.</a:t>
+            </a:r>
+          </a:p>
+        </p:txBody>
+      </p:sp>
+      <p:pic>
+        <p:nvPicPr>
+          <p:cNvPr id="35848" name="Inhaltsplatzhalter 9">
+            <a:extLst>
+              <a:ext uri="{FF2B5EF4-FFF2-40B4-BE49-F238E27FC236}">
+                <a16:creationId xmlns:a16="http://schemas.microsoft.com/office/drawing/2014/main" id="{25AE9CE2-72C2-9DBA-027E-0E42A3D28FF2}"/>
+              </a:ext>
+            </a:extLst>
+          </p:cNvPr>
+          <p:cNvPicPr>
+            <a:picLocks noChangeAspect="1" noChangeArrowheads="1"/>
+          </p:cNvPicPr>
+          <p:nvPr/>
+        </p:nvPicPr>
+        <p:blipFill>
+          <a:blip r:embed="rId6">
+            <a:extLst>
+              <a:ext uri="{28A0092B-C50C-407E-A947-70E740481C1C}">
+                <a14:useLocalDpi xmlns:a14="http://schemas.microsoft.com/office/drawing/2010/main" val="0"/>
+              </a:ext>
+            </a:extLst>
+          </a:blip>
+          <a:srcRect/>
+          <a:stretch>
+            <a:fillRect/>
+          </a:stretch>
+        </p:blipFill>
+        <p:spPr bwMode="auto">
+          <a:xfrm>
+            <a:off x="6233007" y="1788696"/>
+            <a:ext cx="5958994" cy="4504626"/>
+          </a:xfrm>
+          <a:prstGeom prst="rect">
+            <a:avLst/>
+          </a:prstGeom>
+          <a:noFill/>
+          <a:ln>
+            <a:noFill/>
+          </a:ln>
+          <a:extLst>
+            <a:ext uri="{909E8E84-426E-40DD-AFC4-6F175D3DCCD1}">
+              <a14:hiddenFill xmlns:a14="http://schemas.microsoft.com/office/drawing/2010/main">
+                <a:solidFill>
+                  <a:srgbClr val="FFFFFF"/>
+                </a:solidFill>
+              </a14:hiddenFill>
+            </a:ext>
+            <a:ext uri="{91240B29-F687-4F45-9708-019B960494DF}">
+              <a14:hiddenLine xmlns:a14="http://schemas.microsoft.com/office/drawing/2010/main" w="9525">
+                <a:solidFill>
+                  <a:srgbClr val="000000"/>
+                </a:solidFill>
+                <a:miter lim="800000"/>
+                <a:headEnd/>
+                <a:tailEnd/>
+              </a14:hiddenLine>
+            </a:ext>
+          </a:extLst>
+        </p:spPr>
+      </p:pic>
+    </p:spTree>
+    <p:extLst>
+      <p:ext uri="{BB962C8B-B14F-4D97-AF65-F5344CB8AC3E}">
+        <p14:creationId xmlns:p14="http://schemas.microsoft.com/office/powerpoint/2010/main" val="1623028640"/>
+      </p:ext>
+    </p:extLst>
+  </p:cSld>
+  <p:clrMapOvr>
+    <a:masterClrMapping/>
+  </p:clrMapOvr>
+</p:sld>
+</file>
+
+<file path=ppt/slides/slide5.xml><?xml version="1.0" encoding="utf-8"?>
+<p:sld xmlns:a="http://schemas.openxmlformats.org/drawingml/2006/main" xmlns:r="http://schemas.openxmlformats.org/officeDocument/2006/relationships" xmlns:p="http://schemas.openxmlformats.org/presentationml/2006/main">
+  <p:cSld>
+    <p:spTree>
+      <p:nvGrpSpPr>
+        <p:cNvPr id="1" name=""/>
+        <p:cNvGrpSpPr/>
+        <p:nvPr/>
+      </p:nvGrpSpPr>
+      <p:grpSpPr>
+        <a:xfrm>
+          <a:off x="0" y="0"/>
+          <a:ext cx="0" cy="0"/>
+          <a:chOff x="0" y="0"/>
+          <a:chExt cx="0" cy="0"/>
+        </a:xfrm>
+      </p:grpSpPr>
+      <p:graphicFrame>
+        <p:nvGraphicFramePr>
+          <p:cNvPr id="40962" name="think-cell data - do not delete" hidden="1">
+            <a:extLst>
+              <a:ext uri="{FF2B5EF4-FFF2-40B4-BE49-F238E27FC236}">
+                <a16:creationId xmlns:a16="http://schemas.microsoft.com/office/drawing/2014/main" id="{C9A18B97-2BF6-BEA1-9F50-F682156B9DAD}"/>
+              </a:ext>
+            </a:extLst>
+          </p:cNvPr>
+          <p:cNvGraphicFramePr>
+            <a:graphicFrameLocks noChangeAspect="1"/>
+          </p:cNvGraphicFramePr>
+          <p:nvPr>
+            <p:custDataLst>
+              <p:tags r:id="rId1"/>
+            </p:custDataLst>
+          </p:nvPr>
+        </p:nvGraphicFramePr>
+        <p:xfrm>
+          <a:off x="1507" y="1601"/>
+          <a:ext cx="1505" cy="1505"/>
+        </p:xfrm>
+        <a:graphic>
+          <a:graphicData uri="http://schemas.openxmlformats.org/presentationml/2006/ole">
+            <mc:AlternateContent xmlns:mc="http://schemas.openxmlformats.org/markup-compatibility/2006">
+              <mc:Choice xmlns:v="urn:schemas-microsoft-com:vml" Requires="v">
+                <p:oleObj name="think-cell Folie" r:id="rId4" imgW="360" imgH="360" progId="TCLayout.ActiveDocument.1">
+                  <p:embed/>
+                </p:oleObj>
+              </mc:Choice>
+              <mc:Fallback>
+                <p:oleObj name="think-cell Folie" r:id="rId4" imgW="360" imgH="360" progId="TCLayout.ActiveDocument.1">
+                  <p:embed/>
+                  <p:pic>
+                    <p:nvPicPr>
+                      <p:cNvPr id="40962" name="think-cell data - do not delete" hidden="1">
+                        <a:extLst>
+                          <a:ext uri="{FF2B5EF4-FFF2-40B4-BE49-F238E27FC236}">
+                            <a16:creationId xmlns:a16="http://schemas.microsoft.com/office/drawing/2014/main" id="{C9A18B97-2BF6-BEA1-9F50-F682156B9DAD}"/>
+                          </a:ext>
+                        </a:extLst>
+                      </p:cNvPr>
+                      <p:cNvPicPr>
+                        <a:picLocks noChangeAspect="1" noChangeArrowheads="1"/>
+                      </p:cNvPicPr>
+                      <p:nvPr/>
+                    </p:nvPicPr>
+                    <p:blipFill>
+                      <a:blip r:embed="rId5">
+                        <a:extLst>
+                          <a:ext uri="{28A0092B-C50C-407E-A947-70E740481C1C}">
+                            <a14:useLocalDpi xmlns:a14="http://schemas.microsoft.com/office/drawing/2010/main" val="0"/>
+                          </a:ext>
+                        </a:extLst>
+                      </a:blip>
+                      <a:srcRect/>
+                      <a:stretch>
+                        <a:fillRect/>
+                      </a:stretch>
+                    </p:blipFill>
+                    <p:spPr bwMode="auto">
+                      <a:xfrm>
+                        <a:off x="1507" y="1601"/>
+                        <a:ext cx="1505" cy="1505"/>
+                      </a:xfrm>
+                      <a:prstGeom prst="rect">
+                        <a:avLst/>
+                      </a:prstGeom>
+                      <a:noFill/>
+                      <a:ln>
+                        <a:noFill/>
+                      </a:ln>
+                      <a:extLst>
+                        <a:ext uri="{909E8E84-426E-40DD-AFC4-6F175D3DCCD1}">
+                          <a14:hiddenFill xmlns:a14="http://schemas.microsoft.com/office/drawing/2010/main">
+                            <a:solidFill>
+                              <a:srgbClr val="FFFFFF"/>
+                            </a:solidFill>
+                          </a14:hiddenFill>
+                        </a:ext>
+                        <a:ext uri="{91240B29-F687-4F45-9708-019B960494DF}">
+                          <a14:hiddenLine xmlns:a14="http://schemas.microsoft.com/office/drawing/2010/main" w="9525">
+                            <a:solidFill>
+                              <a:srgbClr val="000000"/>
+                            </a:solidFill>
+                            <a:miter lim="800000"/>
+                            <a:headEnd/>
+                            <a:tailEnd/>
+                          </a14:hiddenLine>
+                        </a:ext>
+                      </a:extLst>
+                    </p:spPr>
+                  </p:pic>
+                </p:oleObj>
+              </mc:Fallback>
+            </mc:AlternateContent>
+          </a:graphicData>
+        </a:graphic>
+      </p:graphicFrame>
+      <p:sp>
+        <p:nvSpPr>
+          <p:cNvPr id="40963" name="Titel 7">
+            <a:extLst>
+              <a:ext uri="{FF2B5EF4-FFF2-40B4-BE49-F238E27FC236}">
+                <a16:creationId xmlns:a16="http://schemas.microsoft.com/office/drawing/2014/main" id="{97027316-139D-D677-0781-9A46B2F3EF04}"/>
+              </a:ext>
+            </a:extLst>
+          </p:cNvPr>
+          <p:cNvSpPr>
+            <a:spLocks noGrp="1" noChangeArrowheads="1"/>
+          </p:cNvSpPr>
+          <p:nvPr>
+            <p:ph type="title"/>
+          </p:nvPr>
+        </p:nvSpPr>
+        <p:spPr>
+          <a:xfrm>
+            <a:off x="290574" y="272601"/>
+            <a:ext cx="9655136" cy="819023"/>
+          </a:xfrm>
+        </p:spPr>
+        <p:txBody>
+          <a:bodyPr/>
+          <a:lstStyle/>
+          <a:p>
+            <a:pPr eaLnBrk="1" hangingPunct="1">
+              <a:spcBef>
+                <a:spcPct val="0"/>
+              </a:spcBef>
+              <a:spcAft>
+                <a:spcPct val="0"/>
+              </a:spcAft>
+            </a:pPr>
+            <a:r>
+              <a:rPr lang="de-CH" altLang="de-DE" dirty="0"/>
+              <a:t>Textboxen – 1 Spalte</a:t>
+            </a:r>
+          </a:p>
+        </p:txBody>
+      </p:sp>
+      <p:sp>
+        <p:nvSpPr>
+          <p:cNvPr id="40964" name="Foliennummernplatzhalter 6">
+            <a:extLst>
+              <a:ext uri="{FF2B5EF4-FFF2-40B4-BE49-F238E27FC236}">
+                <a16:creationId xmlns:a16="http://schemas.microsoft.com/office/drawing/2014/main" id="{B283EB45-443E-CB71-F126-B9F4A5977EE6}"/>
+              </a:ext>
+            </a:extLst>
+          </p:cNvPr>
+          <p:cNvSpPr>
+            <a:spLocks noGrp="1" noChangeArrowheads="1"/>
+          </p:cNvSpPr>
+          <p:nvPr>
+            <p:ph type="sldNum" sz="quarter" idx="13"/>
+          </p:nvPr>
+        </p:nvSpPr>
+        <p:spPr bwMode="auto">
+          <a:xfrm>
+            <a:off x="290031" y="6448826"/>
+            <a:ext cx="290022" cy="180838"/>
+          </a:xfrm>
+          <a:prstGeom prst="rect">
+            <a:avLst/>
+          </a:prstGeom>
+          <a:noFill/>
+          <a:extLst>
+            <a:ext uri="{909E8E84-426E-40DD-AFC4-6F175D3DCCD1}">
+              <a14:hiddenFill xmlns:a14="http://schemas.microsoft.com/office/drawing/2010/main">
+                <a:solidFill>
+                  <a:srgbClr val="FFFFFF"/>
+                </a:solidFill>
+              </a14:hiddenFill>
+            </a:ext>
+            <a:ext uri="{91240B29-F687-4F45-9708-019B960494DF}">
+              <a14:hiddenLine xmlns:a14="http://schemas.microsoft.com/office/drawing/2010/main" w="9525">
+                <a:solidFill>
+                  <a:srgbClr val="000000"/>
+                </a:solidFill>
+                <a:miter lim="800000"/>
+                <a:headEnd/>
+                <a:tailEnd/>
+              </a14:hiddenLine>
+            </a:ext>
+          </a:extLst>
+        </p:spPr>
+        <p:txBody>
+          <a:bodyPr vert="horz" wrap="none" lIns="0" tIns="0" rIns="0" bIns="0" numCol="1" rtlCol="0" anchor="ctr" anchorCtr="0" compatLnSpc="1">
+            <a:prstTxWarp prst="textNoShape">
+              <a:avLst/>
+            </a:prstTxWarp>
+          </a:bodyPr>
+          <a:lstStyle>
+            <a:defPPr>
+              <a:defRPr lang="de-CH"/>
+            </a:defPPr>
+            <a:lvl1pPr algn="l" rtl="0" eaLnBrk="0" fontAlgn="base" hangingPunct="0">
+              <a:lnSpc>
+                <a:spcPct val="100000"/>
+              </a:lnSpc>
+              <a:spcBef>
+                <a:spcPts val="0"/>
+              </a:spcBef>
+              <a:spcAft>
+                <a:spcPts val="0"/>
+              </a:spcAft>
+              <a:defRPr sz="1043" b="1" kern="1200">
+                <a:solidFill>
+                  <a:srgbClr val="003CB4"/>
+                </a:solidFill>
+                <a:latin typeface="Frutiger for ZKB Light" panose="020B0303030504020204" pitchFamily="34" charset="0"/>
+                <a:ea typeface="+mn-ea"/>
+                <a:cs typeface="+mn-cs"/>
+              </a:defRPr>
+            </a:lvl1pPr>
+            <a:lvl2pPr marL="1154784" indent="-721176" algn="l" rtl="0" eaLnBrk="0" fontAlgn="base" hangingPunct="0">
+              <a:spcBef>
+                <a:spcPct val="0"/>
+              </a:spcBef>
+              <a:spcAft>
+                <a:spcPct val="0"/>
+              </a:spcAft>
+              <a:defRPr sz="5975" kern="1200">
+                <a:solidFill>
+                  <a:schemeClr val="tx1"/>
+                </a:solidFill>
+                <a:latin typeface="Frutiger for ZKB Light"/>
+                <a:ea typeface="+mn-ea"/>
+                <a:cs typeface="+mn-cs"/>
+              </a:defRPr>
+            </a:lvl2pPr>
+            <a:lvl3pPr marL="2309567" indent="-1442350" algn="l" rtl="0" eaLnBrk="0" fontAlgn="base" hangingPunct="0">
+              <a:spcBef>
+                <a:spcPct val="0"/>
+              </a:spcBef>
+              <a:spcAft>
+                <a:spcPct val="0"/>
+              </a:spcAft>
+              <a:defRPr sz="5975" kern="1200">
+                <a:solidFill>
+                  <a:schemeClr val="tx1"/>
+                </a:solidFill>
+                <a:latin typeface="Frutiger for ZKB Light"/>
+                <a:ea typeface="+mn-ea"/>
+                <a:cs typeface="+mn-cs"/>
+              </a:defRPr>
+            </a:lvl3pPr>
+            <a:lvl4pPr marL="3464352" indent="-2163526" algn="l" rtl="0" eaLnBrk="0" fontAlgn="base" hangingPunct="0">
+              <a:spcBef>
+                <a:spcPct val="0"/>
+              </a:spcBef>
+              <a:spcAft>
+                <a:spcPct val="0"/>
+              </a:spcAft>
+              <a:defRPr sz="5975" kern="1200">
+                <a:solidFill>
+                  <a:schemeClr val="tx1"/>
+                </a:solidFill>
+                <a:latin typeface="Frutiger for ZKB Light"/>
+                <a:ea typeface="+mn-ea"/>
+                <a:cs typeface="+mn-cs"/>
+              </a:defRPr>
+            </a:lvl4pPr>
+            <a:lvl5pPr marL="4619135" indent="-2884701" algn="l" rtl="0" eaLnBrk="0" fontAlgn="base" hangingPunct="0">
+              <a:spcBef>
+                <a:spcPct val="0"/>
+              </a:spcBef>
+              <a:spcAft>
+                <a:spcPct val="0"/>
+              </a:spcAft>
+              <a:defRPr sz="5975" kern="1200">
+                <a:solidFill>
+                  <a:schemeClr val="tx1"/>
+                </a:solidFill>
+                <a:latin typeface="Frutiger for ZKB Light"/>
+                <a:ea typeface="+mn-ea"/>
+                <a:cs typeface="+mn-cs"/>
+              </a:defRPr>
+            </a:lvl5pPr>
+            <a:lvl6pPr marL="2168042" algn="l" defTabSz="867217" rtl="0" eaLnBrk="1" latinLnBrk="0" hangingPunct="1">
+              <a:defRPr sz="5975" kern="1200">
+                <a:solidFill>
+                  <a:schemeClr val="tx1"/>
+                </a:solidFill>
+                <a:latin typeface="Frutiger for ZKB Light"/>
+                <a:ea typeface="+mn-ea"/>
+                <a:cs typeface="+mn-cs"/>
+              </a:defRPr>
+            </a:lvl6pPr>
+            <a:lvl7pPr marL="2601651" algn="l" defTabSz="867217" rtl="0" eaLnBrk="1" latinLnBrk="0" hangingPunct="1">
+              <a:defRPr sz="5975" kern="1200">
+                <a:solidFill>
+                  <a:schemeClr val="tx1"/>
+                </a:solidFill>
+                <a:latin typeface="Frutiger for ZKB Light"/>
+                <a:ea typeface="+mn-ea"/>
+                <a:cs typeface="+mn-cs"/>
+              </a:defRPr>
+            </a:lvl7pPr>
+            <a:lvl8pPr marL="3035259" algn="l" defTabSz="867217" rtl="0" eaLnBrk="1" latinLnBrk="0" hangingPunct="1">
+              <a:defRPr sz="5975" kern="1200">
+                <a:solidFill>
+                  <a:schemeClr val="tx1"/>
+                </a:solidFill>
+                <a:latin typeface="Frutiger for ZKB Light"/>
+                <a:ea typeface="+mn-ea"/>
+                <a:cs typeface="+mn-cs"/>
+              </a:defRPr>
+            </a:lvl8pPr>
+            <a:lvl9pPr marL="3468868" algn="l" defTabSz="867217" rtl="0" eaLnBrk="1" latinLnBrk="0" hangingPunct="1">
+              <a:defRPr sz="5975" kern="1200">
+                <a:solidFill>
+                  <a:schemeClr val="tx1"/>
+                </a:solidFill>
+                <a:latin typeface="Frutiger for ZKB Light"/>
+                <a:ea typeface="+mn-ea"/>
+                <a:cs typeface="+mn-cs"/>
+              </a:defRPr>
+            </a:lvl9pPr>
+          </a:lstStyle>
+          <a:p>
+            <a:pPr>
+              <a:spcBef>
+                <a:spcPct val="0"/>
+              </a:spcBef>
+              <a:spcAft>
+                <a:spcPct val="0"/>
+              </a:spcAft>
+              <a:defRPr/>
+            </a:pPr>
+            <a:fld id="{E7D1EFE5-7B74-4DC9-B3A0-DB9AD5FE6CA2}" type="slidenum">
+              <a:rPr lang="de-CH" smtClean="0"/>
+              <a:pPr>
+                <a:spcBef>
+                  <a:spcPct val="0"/>
+                </a:spcBef>
+                <a:spcAft>
+                  <a:spcPct val="0"/>
+                </a:spcAft>
+                <a:defRPr/>
+              </a:pPr>
+              <a:t>5</a:t>
+            </a:fld>
+            <a:endParaRPr lang="de-CH" altLang="de-DE" dirty="0"/>
+          </a:p>
+        </p:txBody>
+      </p:sp>
+      <p:sp>
+        <p:nvSpPr>
+          <p:cNvPr id="40965" name="Fußzeilenplatzhalter 5">
+            <a:extLst>
+              <a:ext uri="{FF2B5EF4-FFF2-40B4-BE49-F238E27FC236}">
+                <a16:creationId xmlns:a16="http://schemas.microsoft.com/office/drawing/2014/main" id="{91924739-97DE-F464-3994-F94419ECCCEF}"/>
+              </a:ext>
+            </a:extLst>
+          </p:cNvPr>
+          <p:cNvSpPr>
+            <a:spLocks noGrp="1" noChangeArrowheads="1"/>
+          </p:cNvSpPr>
+          <p:nvPr>
+            <p:ph type="ftr" sz="quarter" idx="14"/>
+          </p:nvPr>
+        </p:nvSpPr>
+        <p:spPr bwMode="auto">
+          <a:xfrm>
+            <a:off x="580053" y="6448826"/>
+            <a:ext cx="9366017" cy="180838"/>
+          </a:xfrm>
+          <a:prstGeom prst="rect">
+            <a:avLst/>
+          </a:prstGeom>
+          <a:noFill/>
+          <a:extLst>
+            <a:ext uri="{909E8E84-426E-40DD-AFC4-6F175D3DCCD1}">
+              <a14:hiddenFill xmlns:a14="http://schemas.microsoft.com/office/drawing/2010/main">
+                <a:solidFill>
+                  <a:srgbClr val="FFFFFF"/>
+                </a:solidFill>
+              </a14:hiddenFill>
+            </a:ext>
+            <a:ext uri="{91240B29-F687-4F45-9708-019B960494DF}">
+              <a14:hiddenLine xmlns:a14="http://schemas.microsoft.com/office/drawing/2010/main" w="9525">
+                <a:solidFill>
+                  <a:srgbClr val="000000"/>
+                </a:solidFill>
+                <a:miter lim="800000"/>
+                <a:headEnd/>
+                <a:tailEnd/>
+              </a14:hiddenLine>
+            </a:ext>
+          </a:extLst>
+        </p:spPr>
+        <p:txBody>
+          <a:bodyPr vert="horz" wrap="none" lIns="0" tIns="0" rIns="0" bIns="0" numCol="1" rtlCol="0" anchor="ctr" anchorCtr="0" compatLnSpc="1">
+            <a:prstTxWarp prst="textNoShape">
+              <a:avLst/>
+            </a:prstTxWarp>
+          </a:bodyPr>
+          <a:lstStyle>
+            <a:defPPr>
+              <a:defRPr lang="de-CH"/>
+            </a:defPPr>
+            <a:lvl1pPr algn="l" rtl="0" eaLnBrk="0" fontAlgn="base" hangingPunct="0">
+              <a:lnSpc>
+                <a:spcPct val="100000"/>
+              </a:lnSpc>
+              <a:spcBef>
+                <a:spcPts val="0"/>
+              </a:spcBef>
+              <a:spcAft>
+                <a:spcPts val="0"/>
+              </a:spcAft>
+              <a:defRPr sz="1043" b="1" kern="1200">
+                <a:solidFill>
+                  <a:srgbClr val="003CB4"/>
+                </a:solidFill>
+                <a:latin typeface="Frutiger for ZKB Light" panose="020B0303030504020204" pitchFamily="34" charset="0"/>
+                <a:ea typeface="+mn-ea"/>
+                <a:cs typeface="+mn-cs"/>
+              </a:defRPr>
+            </a:lvl1pPr>
+            <a:lvl2pPr marL="1154784" indent="-721176" algn="l" rtl="0" eaLnBrk="0" fontAlgn="base" hangingPunct="0">
+              <a:spcBef>
+                <a:spcPct val="0"/>
+              </a:spcBef>
+              <a:spcAft>
+                <a:spcPct val="0"/>
+              </a:spcAft>
+              <a:defRPr sz="5975" kern="1200">
+                <a:solidFill>
+                  <a:schemeClr val="tx1"/>
+                </a:solidFill>
+                <a:latin typeface="Frutiger for ZKB Light"/>
+                <a:ea typeface="+mn-ea"/>
+                <a:cs typeface="+mn-cs"/>
+              </a:defRPr>
+            </a:lvl2pPr>
+            <a:lvl3pPr marL="2309567" indent="-1442350" algn="l" rtl="0" eaLnBrk="0" fontAlgn="base" hangingPunct="0">
+              <a:spcBef>
+                <a:spcPct val="0"/>
+              </a:spcBef>
+              <a:spcAft>
+                <a:spcPct val="0"/>
+              </a:spcAft>
+              <a:defRPr sz="5975" kern="1200">
+                <a:solidFill>
+                  <a:schemeClr val="tx1"/>
+                </a:solidFill>
+                <a:latin typeface="Frutiger for ZKB Light"/>
+                <a:ea typeface="+mn-ea"/>
+                <a:cs typeface="+mn-cs"/>
+              </a:defRPr>
+            </a:lvl3pPr>
+            <a:lvl4pPr marL="3464352" indent="-2163526" algn="l" rtl="0" eaLnBrk="0" fontAlgn="base" hangingPunct="0">
+              <a:spcBef>
+                <a:spcPct val="0"/>
+              </a:spcBef>
+              <a:spcAft>
+                <a:spcPct val="0"/>
+              </a:spcAft>
+              <a:defRPr sz="5975" kern="1200">
+                <a:solidFill>
+                  <a:schemeClr val="tx1"/>
+                </a:solidFill>
+                <a:latin typeface="Frutiger for ZKB Light"/>
+                <a:ea typeface="+mn-ea"/>
+                <a:cs typeface="+mn-cs"/>
+              </a:defRPr>
+            </a:lvl4pPr>
+            <a:lvl5pPr marL="4619135" indent="-2884701" algn="l" rtl="0" eaLnBrk="0" fontAlgn="base" hangingPunct="0">
+              <a:spcBef>
+                <a:spcPct val="0"/>
+              </a:spcBef>
+              <a:spcAft>
+                <a:spcPct val="0"/>
+              </a:spcAft>
+              <a:defRPr sz="5975" kern="1200">
+                <a:solidFill>
+                  <a:schemeClr val="tx1"/>
+                </a:solidFill>
+                <a:latin typeface="Frutiger for ZKB Light"/>
+                <a:ea typeface="+mn-ea"/>
+                <a:cs typeface="+mn-cs"/>
+              </a:defRPr>
+            </a:lvl5pPr>
+            <a:lvl6pPr marL="2168042" algn="l" defTabSz="867217" rtl="0" eaLnBrk="1" latinLnBrk="0" hangingPunct="1">
+              <a:defRPr sz="5975" kern="1200">
+                <a:solidFill>
+                  <a:schemeClr val="tx1"/>
+                </a:solidFill>
+                <a:latin typeface="Frutiger for ZKB Light"/>
+                <a:ea typeface="+mn-ea"/>
+                <a:cs typeface="+mn-cs"/>
+              </a:defRPr>
+            </a:lvl6pPr>
+            <a:lvl7pPr marL="2601651" algn="l" defTabSz="867217" rtl="0" eaLnBrk="1" latinLnBrk="0" hangingPunct="1">
+              <a:defRPr sz="5975" kern="1200">
+                <a:solidFill>
+                  <a:schemeClr val="tx1"/>
+                </a:solidFill>
+                <a:latin typeface="Frutiger for ZKB Light"/>
+                <a:ea typeface="+mn-ea"/>
+                <a:cs typeface="+mn-cs"/>
+              </a:defRPr>
+            </a:lvl7pPr>
+            <a:lvl8pPr marL="3035259" algn="l" defTabSz="867217" rtl="0" eaLnBrk="1" latinLnBrk="0" hangingPunct="1">
+              <a:defRPr sz="5975" kern="1200">
+                <a:solidFill>
+                  <a:schemeClr val="tx1"/>
+                </a:solidFill>
+                <a:latin typeface="Frutiger for ZKB Light"/>
+                <a:ea typeface="+mn-ea"/>
+                <a:cs typeface="+mn-cs"/>
+              </a:defRPr>
+            </a:lvl8pPr>
+            <a:lvl9pPr marL="3468868" algn="l" defTabSz="867217" rtl="0" eaLnBrk="1" latinLnBrk="0" hangingPunct="1">
+              <a:defRPr sz="5975" kern="1200">
+                <a:solidFill>
+                  <a:schemeClr val="tx1"/>
+                </a:solidFill>
+                <a:latin typeface="Frutiger for ZKB Light"/>
+                <a:ea typeface="+mn-ea"/>
+                <a:cs typeface="+mn-cs"/>
+              </a:defRPr>
+            </a:lvl9pPr>
+          </a:lstStyle>
+          <a:p>
+            <a:pPr>
+              <a:spcBef>
+                <a:spcPct val="0"/>
+              </a:spcBef>
+              <a:spcAft>
+                <a:spcPct val="0"/>
+              </a:spcAft>
+            </a:pPr>
+            <a:r>
+              <a:rPr lang="de-CH" dirty="0"/>
+              <a:t>Lorem ipsum dolor sit amet, consetetur | xx. Monat Jahr</a:t>
+            </a:r>
+            <a:endParaRPr lang="de-CH" altLang="de-DE" dirty="0"/>
+          </a:p>
+        </p:txBody>
+      </p:sp>
+      <p:sp>
+        <p:nvSpPr>
+          <p:cNvPr id="40966" name="Textplatzhalter 8">
+            <a:extLst>
+              <a:ext uri="{FF2B5EF4-FFF2-40B4-BE49-F238E27FC236}">
+                <a16:creationId xmlns:a16="http://schemas.microsoft.com/office/drawing/2014/main" id="{B39ACFCE-7967-A6DC-3DFF-B06F55A03121}"/>
+              </a:ext>
+            </a:extLst>
+          </p:cNvPr>
+          <p:cNvSpPr>
+            <a:spLocks noGrp="1" noChangeArrowheads="1"/>
+          </p:cNvSpPr>
+          <p:nvPr>
+            <p:ph type="body" idx="12"/>
+          </p:nvPr>
+        </p:nvSpPr>
+        <p:spPr>
+          <a:xfrm>
+            <a:off x="290574" y="1788697"/>
+            <a:ext cx="9655136" cy="4503121"/>
+          </a:xfrm>
+        </p:spPr>
+        <p:txBody>
+          <a:bodyPr/>
+          <a:lstStyle/>
+          <a:p>
+            <a:pPr defTabSz="269500">
+              <a:spcBef>
+                <a:spcPct val="0"/>
+              </a:spcBef>
+              <a:spcAft>
+                <a:spcPct val="0"/>
+              </a:spcAft>
+            </a:pPr>
+            <a:r>
+              <a:rPr lang="de-CH" altLang="de-DE" dirty="0">
+                <a:cs typeface="Aharoni" panose="020F0502020204030204" pitchFamily="2" charset="-79"/>
+              </a:rPr>
+              <a:t>At vero eos et accusam et justo duo dolores et ea rebum. Stet clita kasd gubergren, no sea takimata sanctus est Lorem ipsum dolor sit amet. At vero eos et accusam et justo duo dolores et ea rebum. Stet clita kasd gubergren, </a:t>
+            </a:r>
+            <a:br>
+              <a:rPr lang="de-CH" altLang="de-DE" dirty="0">
+                <a:cs typeface="Aharoni" panose="020F0502020204030204" pitchFamily="2" charset="-79"/>
+              </a:rPr>
+            </a:br>
+            <a:r>
+              <a:rPr lang="de-CH" altLang="de-DE" dirty="0">
+                <a:cs typeface="Aharoni" panose="020F0502020204030204" pitchFamily="2" charset="-79"/>
+              </a:rPr>
+              <a:t>no sea takimata sanctus est Lorem ipsum dolor sit amet. At vero eos et accusam et justo duo dolores et ea rebum. Stet clita kasd gubergren, no sea takimata sanctus est Lorem ipsum dolor sit amet. </a:t>
+            </a:r>
+          </a:p>
+          <a:p>
+            <a:pPr defTabSz="269500">
+              <a:spcBef>
+                <a:spcPct val="0"/>
+              </a:spcBef>
+              <a:spcAft>
+                <a:spcPct val="0"/>
+              </a:spcAft>
+            </a:pPr>
+            <a:r>
+              <a:rPr lang="de-CH" altLang="de-DE" dirty="0">
+                <a:cs typeface="Aharoni" panose="020F0502020204030204" pitchFamily="2" charset="-79"/>
+              </a:rPr>
+              <a:t>At vero eos et accusam et justo duo dolores et ea rebum. Stet clita kasd gubergren, no sea takimata sanctus est Lorem ipsum dolor sit amet. At vero eos et accusam et justo duo dolores et ea rebum. Stet clita kasd gubergren, </a:t>
+            </a:r>
+            <a:br>
+              <a:rPr lang="de-CH" altLang="de-DE" dirty="0">
+                <a:cs typeface="Aharoni" panose="020F0502020204030204" pitchFamily="2" charset="-79"/>
+              </a:rPr>
+            </a:br>
+            <a:r>
+              <a:rPr lang="de-CH" altLang="de-DE" dirty="0">
+                <a:cs typeface="Aharoni" panose="020F0502020204030204" pitchFamily="2" charset="-79"/>
+              </a:rPr>
+              <a:t>no sea takimata sanctus est Lorem ipsum dolor sit amet. </a:t>
+            </a:r>
+          </a:p>
+          <a:p>
+            <a:pPr defTabSz="269500">
+              <a:spcBef>
+                <a:spcPct val="0"/>
+              </a:spcBef>
+              <a:spcAft>
+                <a:spcPct val="0"/>
+              </a:spcAft>
+            </a:pPr>
+            <a:endParaRPr lang="de-CH" altLang="de-DE" dirty="0">
+              <a:cs typeface="Aharoni" panose="020F0502020204030204" pitchFamily="2" charset="-79"/>
+            </a:endParaRPr>
+          </a:p>
+          <a:p>
+            <a:pPr defTabSz="269500">
+              <a:spcBef>
+                <a:spcPct val="0"/>
+              </a:spcBef>
+              <a:spcAft>
+                <a:spcPct val="0"/>
+              </a:spcAft>
+            </a:pPr>
+            <a:r>
+              <a:rPr lang="de-CH" altLang="de-DE" dirty="0">
+                <a:cs typeface="Aharoni" panose="020F0502020204030204" pitchFamily="2" charset="-79"/>
+              </a:rPr>
+              <a:t>At vero eos et accusam et justo duo dolores et ea rebum. Stet clita kasd gubergren, no sea takimata sanctus est Lorem ipsum dolor sit amet. At vero eos et accusam et justo duo dolores et ea rebum. Stet clita kasd gubergren, </a:t>
+            </a:r>
+          </a:p>
+          <a:p>
+            <a:pPr defTabSz="269500">
+              <a:spcBef>
+                <a:spcPct val="0"/>
+              </a:spcBef>
+              <a:spcAft>
+                <a:spcPct val="0"/>
+              </a:spcAft>
+            </a:pPr>
+            <a:r>
+              <a:rPr lang="de-CH" altLang="de-DE" dirty="0">
+                <a:cs typeface="Aharoni" panose="020F0502020204030204" pitchFamily="2" charset="-79"/>
+              </a:rPr>
+              <a:t>no sea takimata sanctus est Lorem ipsum dolor sit amet. </a:t>
+            </a:r>
+          </a:p>
+          <a:p>
+            <a:pPr defTabSz="269500">
+              <a:spcBef>
+                <a:spcPct val="0"/>
+              </a:spcBef>
+              <a:spcAft>
+                <a:spcPct val="0"/>
+              </a:spcAft>
+            </a:pPr>
+            <a:r>
+              <a:rPr lang="de-CH" altLang="de-DE" dirty="0">
+                <a:cs typeface="Aharoni" panose="020F0502020204030204" pitchFamily="2" charset="-79"/>
+              </a:rPr>
+              <a:t>At vero eos et accusam et justo duo dolores et ea rebum. Stet clita kasd gubergren, no sea takimata sanctus est Lorem ipsum dolor sit amet. </a:t>
+            </a:r>
+          </a:p>
+          <a:p>
+            <a:pPr defTabSz="269500">
+              <a:spcBef>
+                <a:spcPct val="0"/>
+              </a:spcBef>
+              <a:spcAft>
+                <a:spcPct val="0"/>
+              </a:spcAft>
+            </a:pPr>
+            <a:endParaRPr lang="de-CH" altLang="de-DE" dirty="0">
+              <a:cs typeface="Aharoni" panose="020F0502020204030204" pitchFamily="2" charset="-79"/>
+            </a:endParaRPr>
+          </a:p>
+          <a:p>
+            <a:pPr defTabSz="269500">
+              <a:spcBef>
+                <a:spcPct val="0"/>
+              </a:spcBef>
+              <a:spcAft>
+                <a:spcPct val="0"/>
+              </a:spcAft>
+            </a:pPr>
+            <a:endParaRPr lang="de-CH" altLang="de-DE" dirty="0">
+              <a:cs typeface="Aharoni" panose="020F0502020204030204" pitchFamily="2" charset="-79"/>
+            </a:endParaRPr>
+          </a:p>
+          <a:p>
+            <a:pPr defTabSz="269500">
+              <a:spcBef>
+                <a:spcPct val="0"/>
+              </a:spcBef>
+              <a:spcAft>
+                <a:spcPct val="0"/>
+              </a:spcAft>
+            </a:pPr>
+            <a:endParaRPr lang="de-CH" altLang="de-DE" dirty="0">
+              <a:cs typeface="Aharoni" panose="020F0502020204030204" pitchFamily="2" charset="-79"/>
+            </a:endParaRPr>
+          </a:p>
+        </p:txBody>
+      </p:sp>
+    </p:spTree>
+    <p:extLst>
+      <p:ext uri="{BB962C8B-B14F-4D97-AF65-F5344CB8AC3E}">
+        <p14:creationId xmlns:p14="http://schemas.microsoft.com/office/powerpoint/2010/main" val="596033110"/>
+      </p:ext>
+    </p:extLst>
+  </p:cSld>
+  <p:clrMapOvr>
+    <a:masterClrMapping/>
+  </p:clrMapOvr>
+</p:sld>
+</file>
+
+<file path=ppt/slides/slide6.xml><?xml version="1.0" encoding="utf-8"?>
+<p:sld xmlns:a="http://schemas.openxmlformats.org/drawingml/2006/main" xmlns:r="http://schemas.openxmlformats.org/officeDocument/2006/relationships" xmlns:p="http://schemas.openxmlformats.org/presentationml/2006/main">
+  <p:cSld>
+    <p:spTree>
+      <p:nvGrpSpPr>
+        <p:cNvPr id="1" name=""/>
+        <p:cNvGrpSpPr/>
+        <p:nvPr/>
+      </p:nvGrpSpPr>
+      <p:grpSpPr>
+        <a:xfrm>
+          <a:off x="0" y="0"/>
+          <a:ext cx="0" cy="0"/>
+          <a:chOff x="0" y="0"/>
+          <a:chExt cx="0" cy="0"/>
+        </a:xfrm>
+      </p:grpSpPr>
+      <p:graphicFrame>
+        <p:nvGraphicFramePr>
+          <p:cNvPr id="41986" name="think-cell data - do not delete" hidden="1">
+            <a:extLst>
+              <a:ext uri="{FF2B5EF4-FFF2-40B4-BE49-F238E27FC236}">
+                <a16:creationId xmlns:a16="http://schemas.microsoft.com/office/drawing/2014/main" id="{B5178BFA-F49E-2612-E32F-2BE4453F051D}"/>
+              </a:ext>
+            </a:extLst>
+          </p:cNvPr>
+          <p:cNvGraphicFramePr>
+            <a:graphicFrameLocks noChangeAspect="1"/>
+          </p:cNvGraphicFramePr>
+          <p:nvPr>
+            <p:custDataLst>
+              <p:tags r:id="rId1"/>
+            </p:custDataLst>
+          </p:nvPr>
+        </p:nvGraphicFramePr>
+        <p:xfrm>
+          <a:off x="1507" y="1601"/>
+          <a:ext cx="1505" cy="1505"/>
+        </p:xfrm>
+        <a:graphic>
+          <a:graphicData uri="http://schemas.openxmlformats.org/presentationml/2006/ole">
+            <mc:AlternateContent xmlns:mc="http://schemas.openxmlformats.org/markup-compatibility/2006">
+              <mc:Choice xmlns:v="urn:schemas-microsoft-com:vml" Requires="v">
+                <p:oleObj name="think-cell Folie" r:id="rId4" imgW="360" imgH="360" progId="TCLayout.ActiveDocument.1">
+                  <p:embed/>
+                </p:oleObj>
+              </mc:Choice>
+              <mc:Fallback>
+                <p:oleObj name="think-cell Folie" r:id="rId4" imgW="360" imgH="360" progId="TCLayout.ActiveDocument.1">
+                  <p:embed/>
+                  <p:pic>
+                    <p:nvPicPr>
+                      <p:cNvPr id="41986" name="think-cell data - do not delete" hidden="1">
+                        <a:extLst>
+                          <a:ext uri="{FF2B5EF4-FFF2-40B4-BE49-F238E27FC236}">
+                            <a16:creationId xmlns:a16="http://schemas.microsoft.com/office/drawing/2014/main" id="{B5178BFA-F49E-2612-E32F-2BE4453F051D}"/>
+                          </a:ext>
+                        </a:extLst>
+                      </p:cNvPr>
+                      <p:cNvPicPr>
+                        <a:picLocks noChangeAspect="1" noChangeArrowheads="1"/>
+                      </p:cNvPicPr>
+                      <p:nvPr/>
+                    </p:nvPicPr>
+                    <p:blipFill>
+                      <a:blip r:embed="rId5">
+                        <a:extLst>
+                          <a:ext uri="{28A0092B-C50C-407E-A947-70E740481C1C}">
+                            <a14:useLocalDpi xmlns:a14="http://schemas.microsoft.com/office/drawing/2010/main" val="0"/>
+                          </a:ext>
+                        </a:extLst>
+                      </a:blip>
+                      <a:srcRect/>
+                      <a:stretch>
+                        <a:fillRect/>
+                      </a:stretch>
+                    </p:blipFill>
+                    <p:spPr bwMode="auto">
+                      <a:xfrm>
+                        <a:off x="1507" y="1601"/>
+                        <a:ext cx="1505" cy="1505"/>
+                      </a:xfrm>
+                      <a:prstGeom prst="rect">
+                        <a:avLst/>
+                      </a:prstGeom>
+                      <a:noFill/>
+                      <a:ln>
+                        <a:noFill/>
+                      </a:ln>
+                      <a:extLst>
+                        <a:ext uri="{909E8E84-426E-40DD-AFC4-6F175D3DCCD1}">
+                          <a14:hiddenFill xmlns:a14="http://schemas.microsoft.com/office/drawing/2010/main">
+                            <a:solidFill>
+                              <a:srgbClr val="FFFFFF"/>
+                            </a:solidFill>
+                          </a14:hiddenFill>
+                        </a:ext>
+                        <a:ext uri="{91240B29-F687-4F45-9708-019B960494DF}">
+                          <a14:hiddenLine xmlns:a14="http://schemas.microsoft.com/office/drawing/2010/main" w="9525">
+                            <a:solidFill>
+                              <a:srgbClr val="000000"/>
+                            </a:solidFill>
+                            <a:miter lim="800000"/>
+                            <a:headEnd/>
+                            <a:tailEnd/>
+                          </a14:hiddenLine>
+                        </a:ext>
+                      </a:extLst>
+                    </p:spPr>
+                  </p:pic>
+                </p:oleObj>
+              </mc:Fallback>
+            </mc:AlternateContent>
+          </a:graphicData>
+        </a:graphic>
+      </p:graphicFrame>
+      <p:sp>
+        <p:nvSpPr>
+          <p:cNvPr id="41987" name="Titel 7">
+            <a:extLst>
+              <a:ext uri="{FF2B5EF4-FFF2-40B4-BE49-F238E27FC236}">
+                <a16:creationId xmlns:a16="http://schemas.microsoft.com/office/drawing/2014/main" id="{29269193-3513-015A-8AC9-9099197A229B}"/>
+              </a:ext>
+            </a:extLst>
+          </p:cNvPr>
+          <p:cNvSpPr>
+            <a:spLocks noGrp="1" noChangeArrowheads="1"/>
+          </p:cNvSpPr>
+          <p:nvPr>
+            <p:ph type="title"/>
+          </p:nvPr>
+        </p:nvSpPr>
+        <p:spPr>
+          <a:xfrm>
+            <a:off x="290574" y="272601"/>
+            <a:ext cx="9655136" cy="819023"/>
+          </a:xfrm>
+        </p:spPr>
+        <p:txBody>
+          <a:bodyPr/>
+          <a:lstStyle/>
+          <a:p>
+            <a:pPr eaLnBrk="1" hangingPunct="1">
+              <a:spcBef>
+                <a:spcPct val="0"/>
+              </a:spcBef>
+              <a:spcAft>
+                <a:spcPct val="0"/>
+              </a:spcAft>
+            </a:pPr>
+            <a:r>
+              <a:rPr lang="de-CH" altLang="de-DE" dirty="0"/>
+              <a:t>Textboxen – 2 Spalten</a:t>
+            </a:r>
+          </a:p>
+        </p:txBody>
+      </p:sp>
+      <p:sp>
+        <p:nvSpPr>
+          <p:cNvPr id="41988" name="Foliennummernplatzhalter 11">
+            <a:extLst>
+              <a:ext uri="{FF2B5EF4-FFF2-40B4-BE49-F238E27FC236}">
+                <a16:creationId xmlns:a16="http://schemas.microsoft.com/office/drawing/2014/main" id="{36BE2B69-B893-1A22-3B3E-4E90D715CCA7}"/>
+              </a:ext>
+            </a:extLst>
+          </p:cNvPr>
+          <p:cNvSpPr>
+            <a:spLocks noGrp="1" noChangeArrowheads="1"/>
+          </p:cNvSpPr>
+          <p:nvPr>
+            <p:ph type="sldNum" sz="quarter" idx="16"/>
+          </p:nvPr>
+        </p:nvSpPr>
+        <p:spPr bwMode="auto">
+          <a:xfrm>
+            <a:off x="290031" y="6448826"/>
+            <a:ext cx="290022" cy="180838"/>
+          </a:xfrm>
+          <a:prstGeom prst="rect">
+            <a:avLst/>
+          </a:prstGeom>
+          <a:noFill/>
+          <a:extLst>
+            <a:ext uri="{909E8E84-426E-40DD-AFC4-6F175D3DCCD1}">
+              <a14:hiddenFill xmlns:a14="http://schemas.microsoft.com/office/drawing/2010/main">
+                <a:solidFill>
+                  <a:srgbClr val="FFFFFF"/>
+                </a:solidFill>
+              </a14:hiddenFill>
+            </a:ext>
+            <a:ext uri="{91240B29-F687-4F45-9708-019B960494DF}">
+              <a14:hiddenLine xmlns:a14="http://schemas.microsoft.com/office/drawing/2010/main" w="9525">
+                <a:solidFill>
+                  <a:srgbClr val="000000"/>
+                </a:solidFill>
+                <a:miter lim="800000"/>
+                <a:headEnd/>
+                <a:tailEnd/>
+              </a14:hiddenLine>
+            </a:ext>
+          </a:extLst>
+        </p:spPr>
+        <p:txBody>
+          <a:bodyPr vert="horz" wrap="none" lIns="0" tIns="0" rIns="0" bIns="0" numCol="1" rtlCol="0" anchor="ctr" anchorCtr="0" compatLnSpc="1">
+            <a:prstTxWarp prst="textNoShape">
+              <a:avLst/>
+            </a:prstTxWarp>
+          </a:bodyPr>
+          <a:lstStyle>
+            <a:defPPr>
+              <a:defRPr lang="de-CH"/>
+            </a:defPPr>
+            <a:lvl1pPr algn="l" rtl="0" eaLnBrk="0" fontAlgn="base" hangingPunct="0">
+              <a:lnSpc>
+                <a:spcPct val="100000"/>
+              </a:lnSpc>
+              <a:spcBef>
+                <a:spcPts val="0"/>
+              </a:spcBef>
+              <a:spcAft>
+                <a:spcPts val="0"/>
+              </a:spcAft>
+              <a:defRPr sz="1043" b="1" kern="1200">
+                <a:solidFill>
+                  <a:srgbClr val="003CB4"/>
+                </a:solidFill>
+                <a:latin typeface="Frutiger for ZKB Light" panose="020B0303030504020204" pitchFamily="34" charset="0"/>
+                <a:ea typeface="+mn-ea"/>
+                <a:cs typeface="+mn-cs"/>
+              </a:defRPr>
+            </a:lvl1pPr>
+            <a:lvl2pPr marL="1154784" indent="-721176" algn="l" rtl="0" eaLnBrk="0" fontAlgn="base" hangingPunct="0">
+              <a:spcBef>
+                <a:spcPct val="0"/>
+              </a:spcBef>
+              <a:spcAft>
+                <a:spcPct val="0"/>
+              </a:spcAft>
+              <a:defRPr sz="5975" kern="1200">
+                <a:solidFill>
+                  <a:schemeClr val="tx1"/>
+                </a:solidFill>
+                <a:latin typeface="Frutiger for ZKB Light"/>
+                <a:ea typeface="+mn-ea"/>
+                <a:cs typeface="+mn-cs"/>
+              </a:defRPr>
+            </a:lvl2pPr>
+            <a:lvl3pPr marL="2309567" indent="-1442350" algn="l" rtl="0" eaLnBrk="0" fontAlgn="base" hangingPunct="0">
+              <a:spcBef>
+                <a:spcPct val="0"/>
+              </a:spcBef>
+              <a:spcAft>
+                <a:spcPct val="0"/>
+              </a:spcAft>
+              <a:defRPr sz="5975" kern="1200">
+                <a:solidFill>
+                  <a:schemeClr val="tx1"/>
+                </a:solidFill>
+                <a:latin typeface="Frutiger for ZKB Light"/>
+                <a:ea typeface="+mn-ea"/>
+                <a:cs typeface="+mn-cs"/>
+              </a:defRPr>
+            </a:lvl3pPr>
+            <a:lvl4pPr marL="3464352" indent="-2163526" algn="l" rtl="0" eaLnBrk="0" fontAlgn="base" hangingPunct="0">
+              <a:spcBef>
+                <a:spcPct val="0"/>
+              </a:spcBef>
+              <a:spcAft>
+                <a:spcPct val="0"/>
+              </a:spcAft>
+              <a:defRPr sz="5975" kern="1200">
+                <a:solidFill>
+                  <a:schemeClr val="tx1"/>
+                </a:solidFill>
+                <a:latin typeface="Frutiger for ZKB Light"/>
+                <a:ea typeface="+mn-ea"/>
+                <a:cs typeface="+mn-cs"/>
+              </a:defRPr>
+            </a:lvl4pPr>
+            <a:lvl5pPr marL="4619135" indent="-2884701" algn="l" rtl="0" eaLnBrk="0" fontAlgn="base" hangingPunct="0">
+              <a:spcBef>
+                <a:spcPct val="0"/>
+              </a:spcBef>
+              <a:spcAft>
+                <a:spcPct val="0"/>
+              </a:spcAft>
+              <a:defRPr sz="5975" kern="1200">
+                <a:solidFill>
+                  <a:schemeClr val="tx1"/>
+                </a:solidFill>
+                <a:latin typeface="Frutiger for ZKB Light"/>
+                <a:ea typeface="+mn-ea"/>
+                <a:cs typeface="+mn-cs"/>
+              </a:defRPr>
+            </a:lvl5pPr>
+            <a:lvl6pPr marL="2168042" algn="l" defTabSz="867217" rtl="0" eaLnBrk="1" latinLnBrk="0" hangingPunct="1">
+              <a:defRPr sz="5975" kern="1200">
+                <a:solidFill>
+                  <a:schemeClr val="tx1"/>
+                </a:solidFill>
+                <a:latin typeface="Frutiger for ZKB Light"/>
+                <a:ea typeface="+mn-ea"/>
+                <a:cs typeface="+mn-cs"/>
+              </a:defRPr>
+            </a:lvl6pPr>
+            <a:lvl7pPr marL="2601651" algn="l" defTabSz="867217" rtl="0" eaLnBrk="1" latinLnBrk="0" hangingPunct="1">
+              <a:defRPr sz="5975" kern="1200">
+                <a:solidFill>
+                  <a:schemeClr val="tx1"/>
+                </a:solidFill>
+                <a:latin typeface="Frutiger for ZKB Light"/>
+                <a:ea typeface="+mn-ea"/>
+                <a:cs typeface="+mn-cs"/>
+              </a:defRPr>
+            </a:lvl7pPr>
+            <a:lvl8pPr marL="3035259" algn="l" defTabSz="867217" rtl="0" eaLnBrk="1" latinLnBrk="0" hangingPunct="1">
+              <a:defRPr sz="5975" kern="1200">
+                <a:solidFill>
+                  <a:schemeClr val="tx1"/>
+                </a:solidFill>
+                <a:latin typeface="Frutiger for ZKB Light"/>
+                <a:ea typeface="+mn-ea"/>
+                <a:cs typeface="+mn-cs"/>
+              </a:defRPr>
+            </a:lvl8pPr>
+            <a:lvl9pPr marL="3468868" algn="l" defTabSz="867217" rtl="0" eaLnBrk="1" latinLnBrk="0" hangingPunct="1">
+              <a:defRPr sz="5975" kern="1200">
+                <a:solidFill>
+                  <a:schemeClr val="tx1"/>
+                </a:solidFill>
+                <a:latin typeface="Frutiger for ZKB Light"/>
+                <a:ea typeface="+mn-ea"/>
+                <a:cs typeface="+mn-cs"/>
+              </a:defRPr>
+            </a:lvl9pPr>
+          </a:lstStyle>
+          <a:p>
+            <a:pPr>
+              <a:spcBef>
+                <a:spcPct val="0"/>
+              </a:spcBef>
+              <a:spcAft>
+                <a:spcPct val="0"/>
+              </a:spcAft>
+              <a:defRPr/>
+            </a:pPr>
+            <a:fld id="{41B41B96-C24D-47CE-B205-C22431F12D8E}" type="slidenum">
+              <a:rPr lang="de-CH" smtClean="0"/>
+              <a:pPr>
+                <a:spcBef>
+                  <a:spcPct val="0"/>
+                </a:spcBef>
+                <a:spcAft>
+                  <a:spcPct val="0"/>
+                </a:spcAft>
+                <a:defRPr/>
+              </a:pPr>
+              <a:t>6</a:t>
+            </a:fld>
+            <a:endParaRPr lang="de-CH" altLang="de-DE" dirty="0"/>
+          </a:p>
+        </p:txBody>
+      </p:sp>
+      <p:sp>
+        <p:nvSpPr>
+          <p:cNvPr id="41989" name="Fußzeilenplatzhalter 10">
+            <a:extLst>
+              <a:ext uri="{FF2B5EF4-FFF2-40B4-BE49-F238E27FC236}">
+                <a16:creationId xmlns:a16="http://schemas.microsoft.com/office/drawing/2014/main" id="{10CD018A-599C-16F0-3693-AE07ED75385C}"/>
+              </a:ext>
+            </a:extLst>
+          </p:cNvPr>
+          <p:cNvSpPr>
+            <a:spLocks noGrp="1" noChangeArrowheads="1"/>
+          </p:cNvSpPr>
+          <p:nvPr>
+            <p:ph type="ftr" sz="quarter" idx="17"/>
+          </p:nvPr>
+        </p:nvSpPr>
+        <p:spPr bwMode="auto">
+          <a:xfrm>
+            <a:off x="580053" y="6448826"/>
+            <a:ext cx="9366017" cy="180838"/>
+          </a:xfrm>
+          <a:prstGeom prst="rect">
+            <a:avLst/>
+          </a:prstGeom>
+          <a:noFill/>
+          <a:extLst>
+            <a:ext uri="{909E8E84-426E-40DD-AFC4-6F175D3DCCD1}">
+              <a14:hiddenFill xmlns:a14="http://schemas.microsoft.com/office/drawing/2010/main">
+                <a:solidFill>
+                  <a:srgbClr val="FFFFFF"/>
+                </a:solidFill>
+              </a14:hiddenFill>
+            </a:ext>
+            <a:ext uri="{91240B29-F687-4F45-9708-019B960494DF}">
+              <a14:hiddenLine xmlns:a14="http://schemas.microsoft.com/office/drawing/2010/main" w="9525">
+                <a:solidFill>
+                  <a:srgbClr val="000000"/>
+                </a:solidFill>
+                <a:miter lim="800000"/>
+                <a:headEnd/>
+                <a:tailEnd/>
+              </a14:hiddenLine>
+            </a:ext>
+          </a:extLst>
+        </p:spPr>
+        <p:txBody>
+          <a:bodyPr vert="horz" wrap="none" lIns="0" tIns="0" rIns="0" bIns="0" numCol="1" rtlCol="0" anchor="ctr" anchorCtr="0" compatLnSpc="1">
+            <a:prstTxWarp prst="textNoShape">
+              <a:avLst/>
+            </a:prstTxWarp>
+          </a:bodyPr>
+          <a:lstStyle>
+            <a:defPPr>
+              <a:defRPr lang="de-CH"/>
+            </a:defPPr>
+            <a:lvl1pPr algn="l" rtl="0" eaLnBrk="0" fontAlgn="base" hangingPunct="0">
+              <a:lnSpc>
+                <a:spcPct val="100000"/>
+              </a:lnSpc>
+              <a:spcBef>
+                <a:spcPts val="0"/>
+              </a:spcBef>
+              <a:spcAft>
+                <a:spcPts val="0"/>
+              </a:spcAft>
+              <a:defRPr sz="1043" b="1" kern="1200">
+                <a:solidFill>
+                  <a:srgbClr val="003CB4"/>
+                </a:solidFill>
+                <a:latin typeface="Frutiger for ZKB Light" panose="020B0303030504020204" pitchFamily="34" charset="0"/>
+                <a:ea typeface="+mn-ea"/>
+                <a:cs typeface="+mn-cs"/>
+              </a:defRPr>
+            </a:lvl1pPr>
+            <a:lvl2pPr marL="1154784" indent="-721176" algn="l" rtl="0" eaLnBrk="0" fontAlgn="base" hangingPunct="0">
+              <a:spcBef>
+                <a:spcPct val="0"/>
+              </a:spcBef>
+              <a:spcAft>
+                <a:spcPct val="0"/>
+              </a:spcAft>
+              <a:defRPr sz="5975" kern="1200">
+                <a:solidFill>
+                  <a:schemeClr val="tx1"/>
+                </a:solidFill>
+                <a:latin typeface="Frutiger for ZKB Light"/>
+                <a:ea typeface="+mn-ea"/>
+                <a:cs typeface="+mn-cs"/>
+              </a:defRPr>
+            </a:lvl2pPr>
+            <a:lvl3pPr marL="2309567" indent="-1442350" algn="l" rtl="0" eaLnBrk="0" fontAlgn="base" hangingPunct="0">
+              <a:spcBef>
+                <a:spcPct val="0"/>
+              </a:spcBef>
+              <a:spcAft>
+                <a:spcPct val="0"/>
+              </a:spcAft>
+              <a:defRPr sz="5975" kern="1200">
+                <a:solidFill>
+                  <a:schemeClr val="tx1"/>
+                </a:solidFill>
+                <a:latin typeface="Frutiger for ZKB Light"/>
+                <a:ea typeface="+mn-ea"/>
+                <a:cs typeface="+mn-cs"/>
+              </a:defRPr>
+            </a:lvl3pPr>
+            <a:lvl4pPr marL="3464352" indent="-2163526" algn="l" rtl="0" eaLnBrk="0" fontAlgn="base" hangingPunct="0">
+              <a:spcBef>
+                <a:spcPct val="0"/>
+              </a:spcBef>
+              <a:spcAft>
+                <a:spcPct val="0"/>
+              </a:spcAft>
+              <a:defRPr sz="5975" kern="1200">
+                <a:solidFill>
+                  <a:schemeClr val="tx1"/>
+                </a:solidFill>
+                <a:latin typeface="Frutiger for ZKB Light"/>
+                <a:ea typeface="+mn-ea"/>
+                <a:cs typeface="+mn-cs"/>
+              </a:defRPr>
+            </a:lvl4pPr>
+            <a:lvl5pPr marL="4619135" indent="-2884701" algn="l" rtl="0" eaLnBrk="0" fontAlgn="base" hangingPunct="0">
+              <a:spcBef>
+                <a:spcPct val="0"/>
+              </a:spcBef>
+              <a:spcAft>
+                <a:spcPct val="0"/>
+              </a:spcAft>
+              <a:defRPr sz="5975" kern="1200">
+                <a:solidFill>
+                  <a:schemeClr val="tx1"/>
+                </a:solidFill>
+                <a:latin typeface="Frutiger for ZKB Light"/>
+                <a:ea typeface="+mn-ea"/>
+                <a:cs typeface="+mn-cs"/>
+              </a:defRPr>
+            </a:lvl5pPr>
+            <a:lvl6pPr marL="2168042" algn="l" defTabSz="867217" rtl="0" eaLnBrk="1" latinLnBrk="0" hangingPunct="1">
+              <a:defRPr sz="5975" kern="1200">
+                <a:solidFill>
+                  <a:schemeClr val="tx1"/>
+                </a:solidFill>
+                <a:latin typeface="Frutiger for ZKB Light"/>
+                <a:ea typeface="+mn-ea"/>
+                <a:cs typeface="+mn-cs"/>
+              </a:defRPr>
+            </a:lvl6pPr>
+            <a:lvl7pPr marL="2601651" algn="l" defTabSz="867217" rtl="0" eaLnBrk="1" latinLnBrk="0" hangingPunct="1">
+              <a:defRPr sz="5975" kern="1200">
+                <a:solidFill>
+                  <a:schemeClr val="tx1"/>
+                </a:solidFill>
+                <a:latin typeface="Frutiger for ZKB Light"/>
+                <a:ea typeface="+mn-ea"/>
+                <a:cs typeface="+mn-cs"/>
+              </a:defRPr>
+            </a:lvl7pPr>
+            <a:lvl8pPr marL="3035259" algn="l" defTabSz="867217" rtl="0" eaLnBrk="1" latinLnBrk="0" hangingPunct="1">
+              <a:defRPr sz="5975" kern="1200">
+                <a:solidFill>
+                  <a:schemeClr val="tx1"/>
+                </a:solidFill>
+                <a:latin typeface="Frutiger for ZKB Light"/>
+                <a:ea typeface="+mn-ea"/>
+                <a:cs typeface="+mn-cs"/>
+              </a:defRPr>
+            </a:lvl8pPr>
+            <a:lvl9pPr marL="3468868" algn="l" defTabSz="867217" rtl="0" eaLnBrk="1" latinLnBrk="0" hangingPunct="1">
+              <a:defRPr sz="5975" kern="1200">
+                <a:solidFill>
+                  <a:schemeClr val="tx1"/>
+                </a:solidFill>
+                <a:latin typeface="Frutiger for ZKB Light"/>
+                <a:ea typeface="+mn-ea"/>
+                <a:cs typeface="+mn-cs"/>
+              </a:defRPr>
+            </a:lvl9pPr>
+          </a:lstStyle>
+          <a:p>
+            <a:pPr>
+              <a:spcBef>
+                <a:spcPct val="0"/>
+              </a:spcBef>
+              <a:spcAft>
+                <a:spcPct val="0"/>
+              </a:spcAft>
+            </a:pPr>
+            <a:r>
+              <a:rPr lang="de-CH" dirty="0"/>
+              <a:t>Lorem ipsum dolor sit amet, consetetur | xx. Monat Jahr</a:t>
+            </a:r>
+            <a:endParaRPr lang="de-CH" altLang="de-DE" dirty="0"/>
+          </a:p>
+        </p:txBody>
+      </p:sp>
+      <p:sp>
+        <p:nvSpPr>
+          <p:cNvPr id="41990" name="Textplatzhalter 8">
+            <a:extLst>
+              <a:ext uri="{FF2B5EF4-FFF2-40B4-BE49-F238E27FC236}">
+                <a16:creationId xmlns:a16="http://schemas.microsoft.com/office/drawing/2014/main" id="{11E79A32-EC8E-DFA3-716A-A7377644120F}"/>
+              </a:ext>
+            </a:extLst>
+          </p:cNvPr>
+          <p:cNvSpPr>
+            <a:spLocks noGrp="1" noChangeArrowheads="1"/>
+          </p:cNvSpPr>
+          <p:nvPr>
+            <p:ph idx="12"/>
+          </p:nvPr>
+        </p:nvSpPr>
+        <p:spPr>
+          <a:xfrm>
+            <a:off x="290574" y="2401458"/>
+            <a:ext cx="5668421" cy="3890359"/>
+          </a:xfrm>
+        </p:spPr>
+        <p:txBody>
+          <a:bodyPr/>
+          <a:lstStyle/>
+          <a:p>
+            <a:pPr defTabSz="269500">
+              <a:spcBef>
+                <a:spcPct val="0"/>
+              </a:spcBef>
+              <a:spcAft>
+                <a:spcPct val="0"/>
+              </a:spcAft>
+            </a:pPr>
+            <a:r>
+              <a:rPr lang="de-CH" altLang="de-DE" dirty="0">
+                <a:cs typeface="Aharoni" panose="020F0502020204030204" pitchFamily="2" charset="-79"/>
+              </a:rPr>
+              <a:t>At vero eos et accusam et justo duo dolores et ea rebum. Stet clita kasd gubergren, no sea takimata sanctus est Lorem ipsum dolor sit amet. At vero eos et accusam et justo duo dolores et ea rebum. Stet clita kasd gubergren, no sea takimata sanctus est Lorem ipsum dolor sit amet. At vero eos et accusam et justo duo dolores et ea rebum. Stet clita kasd gubergren, no sea takimata sanctus est Lorem ipsum dolor sit amet. </a:t>
+            </a:r>
+          </a:p>
+          <a:p>
+            <a:pPr defTabSz="269500">
+              <a:spcBef>
+                <a:spcPct val="0"/>
+              </a:spcBef>
+              <a:spcAft>
+                <a:spcPct val="0"/>
+              </a:spcAft>
+            </a:pPr>
+            <a:r>
+              <a:rPr lang="de-CH" altLang="de-DE" dirty="0">
+                <a:cs typeface="Aharoni" panose="020F0502020204030204" pitchFamily="2" charset="-79"/>
+              </a:rPr>
+              <a:t>At vero eos et accusam et justo duo dolores et ea rebum. Stet clita kasd gubergren, no sea takimata sanctus est Lorem ipsum dolor sit amet. At vero eos et accusam et justo duo dolores et ea rebum. Stet clita kasd gubergren, no sea takimata sanctus est Lorem ipsum dolor sit amet. </a:t>
+            </a:r>
+          </a:p>
+          <a:p>
+            <a:pPr defTabSz="269500">
+              <a:spcBef>
+                <a:spcPct val="0"/>
+              </a:spcBef>
+              <a:spcAft>
+                <a:spcPct val="0"/>
+              </a:spcAft>
+            </a:pPr>
+            <a:endParaRPr lang="de-CH" altLang="de-DE" dirty="0">
+              <a:cs typeface="Aharoni" panose="020F0502020204030204" pitchFamily="2" charset="-79"/>
+            </a:endParaRPr>
+          </a:p>
+        </p:txBody>
+      </p:sp>
+      <p:sp>
+        <p:nvSpPr>
+          <p:cNvPr id="41991" name="Inhaltsplatzhalter 1">
+            <a:extLst>
+              <a:ext uri="{FF2B5EF4-FFF2-40B4-BE49-F238E27FC236}">
+                <a16:creationId xmlns:a16="http://schemas.microsoft.com/office/drawing/2014/main" id="{B04E6AF7-326F-7CDC-B791-40F2CDAB834B}"/>
+              </a:ext>
+            </a:extLst>
+          </p:cNvPr>
+          <p:cNvSpPr>
+            <a:spLocks noGrp="1" noChangeArrowheads="1"/>
+          </p:cNvSpPr>
+          <p:nvPr>
+            <p:ph sz="quarter" idx="13"/>
+          </p:nvPr>
+        </p:nvSpPr>
+        <p:spPr>
+          <a:xfrm>
+            <a:off x="6233006" y="2401458"/>
+            <a:ext cx="5668422" cy="3890359"/>
+          </a:xfrm>
+        </p:spPr>
+        <p:txBody>
+          <a:bodyPr/>
+          <a:lstStyle/>
+          <a:p>
+            <a:pPr defTabSz="269500">
+              <a:spcBef>
+                <a:spcPct val="0"/>
+              </a:spcBef>
+              <a:spcAft>
+                <a:spcPct val="0"/>
+              </a:spcAft>
+            </a:pPr>
+            <a:r>
+              <a:rPr lang="de-CH" altLang="de-DE" dirty="0">
+                <a:cs typeface="Aharoni" panose="020F0502020204030204" pitchFamily="2" charset="-79"/>
+              </a:rPr>
+              <a:t>At vero eos et accusam et justo duo dolores et ea rebum. Stet clita kasd gubergren, no sea takimata sanctus est Lorem ipsum dolor sit amet. At vero eos et accusam et justo duo dolores et ea rebum. Stet clita kasd gubergren, no sea takimata sanctus est Lorem ipsum dolor sit amet. </a:t>
+            </a:r>
+          </a:p>
+          <a:p>
+            <a:pPr defTabSz="269500">
+              <a:spcBef>
+                <a:spcPct val="0"/>
+              </a:spcBef>
+              <a:spcAft>
+                <a:spcPct val="0"/>
+              </a:spcAft>
+            </a:pPr>
+            <a:r>
+              <a:rPr lang="de-CH" altLang="de-DE" dirty="0">
+                <a:cs typeface="Aharoni" panose="020F0502020204030204" pitchFamily="2" charset="-79"/>
+              </a:rPr>
+              <a:t>At vero eos et accusam et justo duo dolores et ea rebum. Stet clita kasd gubergren, no sea takimata sanctus est Lorem ipsum dolor sit amet. . At vero eos et accusam et justo duo dolores et ea rebum. Stet clita kasd gubergren, no sea takimata sanctus est Lorem ipsum dolor sit amet. </a:t>
+            </a:r>
+          </a:p>
+          <a:p>
+            <a:pPr defTabSz="269500">
+              <a:spcBef>
+                <a:spcPct val="0"/>
+              </a:spcBef>
+              <a:spcAft>
+                <a:spcPct val="0"/>
+              </a:spcAft>
+            </a:pPr>
+            <a:endParaRPr lang="de-CH" altLang="de-DE" dirty="0">
+              <a:cs typeface="Aharoni" panose="020F0502020204030204" pitchFamily="2" charset="-79"/>
+            </a:endParaRPr>
+          </a:p>
+          <a:p>
+            <a:pPr defTabSz="269500">
+              <a:spcBef>
+                <a:spcPct val="0"/>
+              </a:spcBef>
+              <a:spcAft>
+                <a:spcPct val="0"/>
+              </a:spcAft>
+            </a:pPr>
+            <a:endParaRPr lang="de-CH" altLang="de-DE" dirty="0">
+              <a:cs typeface="Aharoni" panose="020F0502020204030204" pitchFamily="2" charset="-79"/>
+            </a:endParaRPr>
+          </a:p>
+          <a:p>
+            <a:pPr defTabSz="269500">
+              <a:spcBef>
+                <a:spcPct val="0"/>
+              </a:spcBef>
+              <a:spcAft>
+                <a:spcPct val="0"/>
+              </a:spcAft>
+            </a:pPr>
+            <a:endParaRPr lang="de-CH" altLang="de-DE" dirty="0">
+              <a:cs typeface="Aharoni" panose="020F0502020204030204" pitchFamily="2" charset="-79"/>
+            </a:endParaRPr>
+          </a:p>
+          <a:p>
+            <a:pPr defTabSz="269500">
+              <a:spcBef>
+                <a:spcPct val="0"/>
+              </a:spcBef>
+              <a:spcAft>
+                <a:spcPct val="0"/>
+              </a:spcAft>
+            </a:pPr>
+            <a:endParaRPr lang="de-CH" altLang="de-DE" dirty="0">
+              <a:cs typeface="Aharoni" panose="020F0502020204030204" pitchFamily="2" charset="-79"/>
+            </a:endParaRPr>
+          </a:p>
+        </p:txBody>
+      </p:sp>
+      <p:sp>
+        <p:nvSpPr>
+          <p:cNvPr id="41992" name="Textplatzhalter 2">
+            <a:extLst>
+              <a:ext uri="{FF2B5EF4-FFF2-40B4-BE49-F238E27FC236}">
+                <a16:creationId xmlns:a16="http://schemas.microsoft.com/office/drawing/2014/main" id="{2F352871-3DC1-B07C-D5C9-B01D5F0EC230}"/>
+              </a:ext>
+            </a:extLst>
+          </p:cNvPr>
+          <p:cNvSpPr>
+            <a:spLocks noGrp="1" noChangeArrowheads="1"/>
+          </p:cNvSpPr>
+          <p:nvPr>
+            <p:ph type="body" sz="quarter" idx="14"/>
+          </p:nvPr>
+        </p:nvSpPr>
+        <p:spPr>
+          <a:xfrm>
+            <a:off x="290574" y="1788697"/>
+            <a:ext cx="5668421" cy="612762"/>
+          </a:xfrm>
+        </p:spPr>
+        <p:txBody>
+          <a:bodyPr/>
+          <a:lstStyle/>
+          <a:p>
+            <a:pPr eaLnBrk="1" hangingPunct="1">
+              <a:spcBef>
+                <a:spcPct val="0"/>
+              </a:spcBef>
+              <a:spcAft>
+                <a:spcPct val="0"/>
+              </a:spcAft>
+            </a:pPr>
+            <a:r>
+              <a:rPr lang="de-CH" altLang="de-DE" dirty="0">
+                <a:cs typeface="Aharoni" panose="020F0502020204030204" pitchFamily="2" charset="-79"/>
+              </a:rPr>
+              <a:t>Überschrift</a:t>
+            </a:r>
+          </a:p>
+        </p:txBody>
+      </p:sp>
+      <p:sp>
+        <p:nvSpPr>
+          <p:cNvPr id="41993" name="Textplatzhalter 3">
+            <a:extLst>
+              <a:ext uri="{FF2B5EF4-FFF2-40B4-BE49-F238E27FC236}">
+                <a16:creationId xmlns:a16="http://schemas.microsoft.com/office/drawing/2014/main" id="{E981EB7B-9D94-9951-9B7D-2CDC13F35610}"/>
+              </a:ext>
+            </a:extLst>
+          </p:cNvPr>
+          <p:cNvSpPr>
+            <a:spLocks noGrp="1" noChangeArrowheads="1"/>
+          </p:cNvSpPr>
+          <p:nvPr>
+            <p:ph type="body" sz="quarter" idx="15"/>
+          </p:nvPr>
+        </p:nvSpPr>
+        <p:spPr>
+          <a:xfrm>
+            <a:off x="6233006" y="1788697"/>
+            <a:ext cx="5668422" cy="612762"/>
+          </a:xfrm>
+        </p:spPr>
+        <p:txBody>
+          <a:bodyPr/>
+          <a:lstStyle/>
+          <a:p>
+            <a:pPr eaLnBrk="1" hangingPunct="1">
+              <a:spcBef>
+                <a:spcPct val="0"/>
+              </a:spcBef>
+              <a:spcAft>
+                <a:spcPct val="0"/>
+              </a:spcAft>
+            </a:pPr>
+            <a:r>
+              <a:rPr lang="de-CH" altLang="de-DE" dirty="0">
+                <a:cs typeface="Aharoni" panose="020F0502020204030204" pitchFamily="2" charset="-79"/>
+              </a:rPr>
+              <a:t>Überschrift</a:t>
+            </a:r>
+          </a:p>
+        </p:txBody>
+      </p:sp>
+    </p:spTree>
+    <p:extLst>
+      <p:ext uri="{BB962C8B-B14F-4D97-AF65-F5344CB8AC3E}">
+        <p14:creationId xmlns:p14="http://schemas.microsoft.com/office/powerpoint/2010/main" val="4101128581"/>
+      </p:ext>
+    </p:extLst>
+  </p:cSld>
+  <p:clrMapOvr>
+    <a:masterClrMapping/>
+  </p:clrMapOvr>
+</p:sld>
+</file>
+
+<file path=ppt/tags/tag1.xml><?xml version="1.0" encoding="utf-8"?>
+<p:tagLst xmlns:a="http://schemas.openxmlformats.org/drawingml/2006/main" xmlns:r="http://schemas.openxmlformats.org/officeDocument/2006/relationships" xmlns:p="http://schemas.openxmlformats.org/presentationml/2006/main">
+  <p:tag name="THINKCELLSHAPEDONOTDELETE" val="thinkcellActiveDocDoNotDelete"/>
+</p:tagLst>
+</file>
+
+<file path=ppt/tags/tag2.xml><?xml version="1.0" encoding="utf-8"?>
+<p:tagLst xmlns:a="http://schemas.openxmlformats.org/drawingml/2006/main" xmlns:r="http://schemas.openxmlformats.org/officeDocument/2006/relationships" xmlns:p="http://schemas.openxmlformats.org/presentationml/2006/main">
+  <p:tag name="THINKCELLSHAPEDONOTDELETE" val="thinkcellActiveDocDoNotDelete"/>
+</p:tagLst>
+</file>
+
+<file path=ppt/tags/tag3.xml><?xml version="1.0" encoding="utf-8"?>
+<p:tagLst xmlns:a="http://schemas.openxmlformats.org/drawingml/2006/main" xmlns:r="http://schemas.openxmlformats.org/officeDocument/2006/relationships" xmlns:p="http://schemas.openxmlformats.org/presentationml/2006/main">
+  <p:tag name="THINKCELLSHAPEDONOTDELETE" val="thinkcellActiveDocDoNotDelete"/>
+</p:tagLst>
+</file>
+
+<file path=ppt/tags/tag4.xml><?xml version="1.0" encoding="utf-8"?>
+<p:tagLst xmlns:a="http://schemas.openxmlformats.org/drawingml/2006/main" xmlns:r="http://schemas.openxmlformats.org/officeDocument/2006/relationships" xmlns:p="http://schemas.openxmlformats.org/presentationml/2006/main">
+  <p:tag name="THINKCELLSHAPEDONOTDELETE" val="thinkcellActiveDocDoNotDelete"/>
+</p:tagLst>
+</file>
+
+<file path=ppt/tags/tag5.xml><?xml version="1.0" encoding="utf-8"?>
+<p:tagLst xmlns:a="http://schemas.openxmlformats.org/drawingml/2006/main" xmlns:r="http://schemas.openxmlformats.org/officeDocument/2006/relationships" xmlns:p="http://schemas.openxmlformats.org/presentationml/2006/main">
+  <p:tag name="THINKCELLSHAPEDONOTDELETE" val="thinkcellActiveDocDoNotDelete"/>
+</p:tagLst>
+</file>
+
+<file path=ppt/tags/tag6.xml><?xml version="1.0" encoding="utf-8"?>
+<p:tagLst xmlns:a="http://schemas.openxmlformats.org/drawingml/2006/main" xmlns:r="http://schemas.openxmlformats.org/officeDocument/2006/relationships" xmlns:p="http://schemas.openxmlformats.org/presentationml/2006/main">
+  <p:tag name="THINKCELLSHAPEDONOTDELETE" val="thinkcellActiveDocDoNotDelete"/>
+</p:tagLst>
 </file>
 
 <file path=ppt/theme/theme1.xml><?xml version="1.0" encoding="utf-8"?>
@@ -3640,4 +11170,319 @@
     </a:ext>
   </a:extLst>
 </a:theme>
+</file>
+
+<file path=ppt/theme/theme2.xml><?xml version="1.0" encoding="utf-8"?>
+<a:theme xmlns:a="http://schemas.openxmlformats.org/drawingml/2006/main" name="Office Theme">
+  <a:themeElements>
+    <a:clrScheme name="Office">
+      <a:dk1>
+        <a:sysClr val="windowText" lastClr="000000"/>
+      </a:dk1>
+      <a:lt1>
+        <a:sysClr val="window" lastClr="FFFFFF"/>
+      </a:lt1>
+      <a:dk2>
+        <a:srgbClr val="0E2841"/>
+      </a:dk2>
+      <a:lt2>
+        <a:srgbClr val="E8E8E8"/>
+      </a:lt2>
+      <a:accent1>
+        <a:srgbClr val="156082"/>
+      </a:accent1>
+      <a:accent2>
+        <a:srgbClr val="E97132"/>
+      </a:accent2>
+      <a:accent3>
+        <a:srgbClr val="196B24"/>
+      </a:accent3>
+      <a:accent4>
+        <a:srgbClr val="0F9ED5"/>
+      </a:accent4>
+      <a:accent5>
+        <a:srgbClr val="A02B93"/>
+      </a:accent5>
+      <a:accent6>
+        <a:srgbClr val="4EA72E"/>
+      </a:accent6>
+      <a:hlink>
+        <a:srgbClr val="467886"/>
+      </a:hlink>
+      <a:folHlink>
+        <a:srgbClr val="96607D"/>
+      </a:folHlink>
+    </a:clrScheme>
+    <a:fontScheme name="Office">
+      <a:majorFont>
+        <a:latin typeface="Aptos Display" panose="02110004020202020204"/>
+        <a:ea typeface=""/>
+        <a:cs typeface=""/>
+        <a:font script="Jpan" typeface="游ゴシック Light"/>
+        <a:font script="Hang" typeface="맑은 고딕"/>
+        <a:font script="Hans" typeface="等线 Light"/>
+        <a:font script="Hant" typeface="新細明體"/>
+        <a:font script="Arab" typeface="Times New Roman"/>
+        <a:font script="Hebr" typeface="Times New Roman"/>
+        <a:font script="Thai" typeface="Angsana New"/>
+        <a:font script="Ethi" typeface="Nyala"/>
+        <a:font script="Beng" typeface="Vrinda"/>
+        <a:font script="Gujr" typeface="Shruti"/>
+        <a:font script="Khmr" typeface="MoolBoran"/>
+        <a:font script="Knda" typeface="Tunga"/>
+        <a:font script="Guru" typeface="Raavi"/>
+        <a:font script="Cans" typeface="Euphemia"/>
+        <a:font script="Cher" typeface="Plantagenet Cherokee"/>
+        <a:font script="Yiii" typeface="Microsoft Yi Baiti"/>
+        <a:font script="Tibt" typeface="Microsoft Himalaya"/>
+        <a:font script="Thaa" typeface="MV Boli"/>
+        <a:font script="Deva" typeface="Mangal"/>
+        <a:font script="Telu" typeface="Gautami"/>
+        <a:font script="Taml" typeface="Latha"/>
+        <a:font script="Syrc" typeface="Estrangelo Edessa"/>
+        <a:font script="Orya" typeface="Kalinga"/>
+        <a:font script="Mlym" typeface="Kartika"/>
+        <a:font script="Laoo" typeface="DokChampa"/>
+        <a:font script="Sinh" typeface="Iskoola Pota"/>
+        <a:font script="Mong" typeface="Mongolian Baiti"/>
+        <a:font script="Viet" typeface="Times New Roman"/>
+        <a:font script="Uigh" typeface="Microsoft Uighur"/>
+        <a:font script="Geor" typeface="Sylfaen"/>
+        <a:font script="Armn" typeface="Arial"/>
+        <a:font script="Bugi" typeface="Leelawadee UI"/>
+        <a:font script="Bopo" typeface="Microsoft JhengHei"/>
+        <a:font script="Java" typeface="Javanese Text"/>
+        <a:font script="Lisu" typeface="Segoe UI"/>
+        <a:font script="Mymr" typeface="Myanmar Text"/>
+        <a:font script="Nkoo" typeface="Ebrima"/>
+        <a:font script="Olck" typeface="Nirmala UI"/>
+        <a:font script="Osma" typeface="Ebrima"/>
+        <a:font script="Phag" typeface="Phagspa"/>
+        <a:font script="Syrn" typeface="Estrangelo Edessa"/>
+        <a:font script="Syrj" typeface="Estrangelo Edessa"/>
+        <a:font script="Syre" typeface="Estrangelo Edessa"/>
+        <a:font script="Sora" typeface="Nirmala UI"/>
+        <a:font script="Tale" typeface="Microsoft Tai Le"/>
+        <a:font script="Talu" typeface="Microsoft New Tai Lue"/>
+        <a:font script="Tfng" typeface="Ebrima"/>
+      </a:majorFont>
+      <a:minorFont>
+        <a:latin typeface="Aptos" panose="02110004020202020204"/>
+        <a:ea typeface=""/>
+        <a:cs typeface=""/>
+        <a:font script="Jpan" typeface="游ゴシック"/>
+        <a:font script="Hang" typeface="맑은 고딕"/>
+        <a:font script="Hans" typeface="等线"/>
+        <a:font script="Hant" typeface="新細明體"/>
+        <a:font script="Arab" typeface="Arial"/>
+        <a:font script="Hebr" typeface="Arial"/>
+        <a:font script="Thai" typeface="Cordia New"/>
+        <a:font script="Ethi" typeface="Nyala"/>
+        <a:font script="Beng" typeface="Vrinda"/>
+        <a:font script="Gujr" typeface="Shruti"/>
+        <a:font script="Khmr" typeface="DaunPenh"/>
+        <a:font script="Knda" typeface="Tunga"/>
+        <a:font script="Guru" typeface="Raavi"/>
+        <a:font script="Cans" typeface="Euphemia"/>
+        <a:font script="Cher" typeface="Plantagenet Cherokee"/>
+        <a:font script="Yiii" typeface="Microsoft Yi Baiti"/>
+        <a:font script="Tibt" typeface="Microsoft Himalaya"/>
+        <a:font script="Thaa" typeface="MV Boli"/>
+        <a:font script="Deva" typeface="Mangal"/>
+        <a:font script="Telu" typeface="Gautami"/>
+        <a:font script="Taml" typeface="Latha"/>
+        <a:font script="Syrc" typeface="Estrangelo Edessa"/>
+        <a:font script="Orya" typeface="Kalinga"/>
+        <a:font script="Mlym" typeface="Kartika"/>
+        <a:font script="Laoo" typeface="DokChampa"/>
+        <a:font script="Sinh" typeface="Iskoola Pota"/>
+        <a:font script="Mong" typeface="Mongolian Baiti"/>
+        <a:font script="Viet" typeface="Arial"/>
+        <a:font script="Uigh" typeface="Microsoft Uighur"/>
+        <a:font script="Geor" typeface="Sylfaen"/>
+        <a:font script="Armn" typeface="Arial"/>
+        <a:font script="Bugi" typeface="Leelawadee UI"/>
+        <a:font script="Bopo" typeface="Microsoft JhengHei"/>
+        <a:font script="Java" typeface="Javanese Text"/>
+        <a:font script="Lisu" typeface="Segoe UI"/>
+        <a:font script="Mymr" typeface="Myanmar Text"/>
+        <a:font script="Nkoo" typeface="Ebrima"/>
+        <a:font script="Olck" typeface="Nirmala UI"/>
+        <a:font script="Osma" typeface="Ebrima"/>
+        <a:font script="Phag" typeface="Phagspa"/>
+        <a:font script="Syrn" typeface="Estrangelo Edessa"/>
+        <a:font script="Syrj" typeface="Estrangelo Edessa"/>
+        <a:font script="Syre" typeface="Estrangelo Edessa"/>
+        <a:font script="Sora" typeface="Nirmala UI"/>
+        <a:font script="Tale" typeface="Microsoft Tai Le"/>
+        <a:font script="Talu" typeface="Microsoft New Tai Lue"/>
+        <a:font script="Tfng" typeface="Ebrima"/>
+      </a:minorFont>
+    </a:fontScheme>
+    <a:fmtScheme name="Office">
+      <a:fillStyleLst>
+        <a:solidFill>
+          <a:schemeClr val="phClr"/>
+        </a:solidFill>
+        <a:gradFill rotWithShape="1">
+          <a:gsLst>
+            <a:gs pos="0">
+              <a:schemeClr val="phClr">
+                <a:lumMod val="110000"/>
+                <a:satMod val="105000"/>
+                <a:tint val="67000"/>
+              </a:schemeClr>
+            </a:gs>
+            <a:gs pos="50000">
+              <a:schemeClr val="phClr">
+                <a:lumMod val="105000"/>
+                <a:satMod val="103000"/>
+                <a:tint val="73000"/>
+              </a:schemeClr>
+            </a:gs>
+            <a:gs pos="100000">
+              <a:schemeClr val="phClr">
+                <a:lumMod val="105000"/>
+                <a:satMod val="109000"/>
+                <a:tint val="81000"/>
+              </a:schemeClr>
+            </a:gs>
+          </a:gsLst>
+          <a:lin ang="5400000" scaled="0"/>
+        </a:gradFill>
+        <a:gradFill rotWithShape="1">
+          <a:gsLst>
+            <a:gs pos="0">
+              <a:schemeClr val="phClr">
+                <a:satMod val="103000"/>
+                <a:lumMod val="102000"/>
+                <a:tint val="94000"/>
+              </a:schemeClr>
+            </a:gs>
+            <a:gs pos="50000">
+              <a:schemeClr val="phClr">
+                <a:satMod val="110000"/>
+                <a:lumMod val="100000"/>
+                <a:shade val="100000"/>
+              </a:schemeClr>
+            </a:gs>
+            <a:gs pos="100000">
+              <a:schemeClr val="phClr">
+                <a:lumMod val="99000"/>
+                <a:satMod val="120000"/>
+                <a:shade val="78000"/>
+              </a:schemeClr>
+            </a:gs>
+          </a:gsLst>
+          <a:lin ang="5400000" scaled="0"/>
+        </a:gradFill>
+      </a:fillStyleLst>
+      <a:lnStyleLst>
+        <a:ln w="12700" cap="flat" cmpd="sng" algn="ctr">
+          <a:solidFill>
+            <a:schemeClr val="phClr"/>
+          </a:solidFill>
+          <a:prstDash val="solid"/>
+          <a:miter lim="800000"/>
+        </a:ln>
+        <a:ln w="19050" cap="flat" cmpd="sng" algn="ctr">
+          <a:solidFill>
+            <a:schemeClr val="phClr"/>
+          </a:solidFill>
+          <a:prstDash val="solid"/>
+          <a:miter lim="800000"/>
+        </a:ln>
+        <a:ln w="25400" cap="flat" cmpd="sng" algn="ctr">
+          <a:solidFill>
+            <a:schemeClr val="phClr"/>
+          </a:solidFill>
+          <a:prstDash val="solid"/>
+          <a:miter lim="800000"/>
+        </a:ln>
+      </a:lnStyleLst>
+      <a:effectStyleLst>
+        <a:effectStyle>
+          <a:effectLst/>
+        </a:effectStyle>
+        <a:effectStyle>
+          <a:effectLst/>
+        </a:effectStyle>
+        <a:effectStyle>
+          <a:effectLst>
+            <a:outerShdw blurRad="57150" dist="19050" dir="5400000" algn="ctr" rotWithShape="0">
+              <a:srgbClr val="000000">
+                <a:alpha val="63000"/>
+              </a:srgbClr>
+            </a:outerShdw>
+          </a:effectLst>
+        </a:effectStyle>
+      </a:effectStyleLst>
+      <a:bgFillStyleLst>
+        <a:solidFill>
+          <a:schemeClr val="phClr"/>
+        </a:solidFill>
+        <a:solidFill>
+          <a:schemeClr val="phClr">
+            <a:tint val="95000"/>
+            <a:satMod val="170000"/>
+          </a:schemeClr>
+        </a:solidFill>
+        <a:gradFill rotWithShape="1">
+          <a:gsLst>
+            <a:gs pos="0">
+              <a:schemeClr val="phClr">
+                <a:tint val="93000"/>
+                <a:satMod val="150000"/>
+                <a:shade val="98000"/>
+                <a:lumMod val="102000"/>
+              </a:schemeClr>
+            </a:gs>
+            <a:gs pos="50000">
+              <a:schemeClr val="phClr">
+                <a:tint val="98000"/>
+                <a:satMod val="130000"/>
+                <a:shade val="90000"/>
+                <a:lumMod val="103000"/>
+              </a:schemeClr>
+            </a:gs>
+            <a:gs pos="100000">
+              <a:schemeClr val="phClr">
+                <a:shade val="63000"/>
+                <a:satMod val="120000"/>
+              </a:schemeClr>
+            </a:gs>
+          </a:gsLst>
+          <a:lin ang="5400000" scaled="0"/>
+        </a:gradFill>
+      </a:bgFillStyleLst>
+    </a:fmtScheme>
+  </a:themeElements>
+  <a:objectDefaults>
+    <a:lnDef>
+      <a:spPr/>
+      <a:bodyPr/>
+      <a:lstStyle/>
+      <a:style>
+        <a:lnRef idx="2">
+          <a:schemeClr val="accent1"/>
+        </a:lnRef>
+        <a:fillRef idx="0">
+          <a:schemeClr val="accent1"/>
+        </a:fillRef>
+        <a:effectRef idx="1">
+          <a:schemeClr val="accent1"/>
+        </a:effectRef>
+        <a:fontRef idx="minor">
+          <a:schemeClr val="tx1"/>
+        </a:fontRef>
+      </a:style>
+    </a:lnDef>
+  </a:objectDefaults>
+  <a:extraClrSchemeLst/>
+  <a:extLst>
+    <a:ext uri="{05A4C25C-085E-4340-85A3-A5531E510DB2}">
+      <thm15:themeFamily xmlns:thm15="http://schemas.microsoft.com/office/thememl/2012/main" name="Office Theme" id="{2E142A2C-CD16-42D6-873A-C26D2A0506FA}" vid="{1BDDFF52-6CD6-40A5-AB3C-68EB2F1E4D0A}"/>
+    </a:ext>
+  </a:extLst>
+</a:theme>
 </file>
--- a/doc/ai/presentation/template.pptx
+++ b/doc/ai/presentation/template.pptx
@@ -202,7 +202,7 @@
           <a:p>
             <a:fld id="{8993A166-1F31-487E-8A46-D11B4D0E59FD}" type="datetimeFigureOut">
               <a:rPr lang="de-DE" smtClean="0"/>
-              <a:t>11.01.2026</a:t>
+              <a:t>13.01.2026</a:t>
             </a:fld>
             <a:endParaRPr lang="de-DE"/>
           </a:p>
@@ -1553,6 +1553,20 @@
 <file path=ppt/slideLayouts/slideLayout1.xml><?xml version="1.0" encoding="utf-8"?>
 <p:sldLayout xmlns:a="http://schemas.openxmlformats.org/drawingml/2006/main" xmlns:r="http://schemas.openxmlformats.org/officeDocument/2006/relationships" xmlns:p="http://schemas.openxmlformats.org/presentationml/2006/main" type="title" preserve="1">
   <p:cSld name="Title Slide">
+    <p:bg>
+      <p:bgPr>
+        <a:blipFill dpi="0" rotWithShape="1">
+          <a:blip r:embed="rId2">
+            <a:lum/>
+          </a:blip>
+          <a:srcRect/>
+          <a:stretch>
+            <a:fillRect/>
+          </a:stretch>
+        </a:blipFill>
+        <a:effectLst/>
+      </p:bgPr>
+    </p:bg>
     <p:spTree>
       <p:nvGrpSpPr>
         <p:cNvPr id="1" name=""/>
@@ -1597,6 +1611,9 @@
             </a:lvl1pPr>
           </a:lstStyle>
           <a:p>
+            <a:pPr>
+              <a:defRPr sz="2200"/>
+            </a:pPr>
             <a:r>
               <a:rPr lang="en-US"/>
               <a:t>Click to edit Master title style</a:t>
@@ -1668,6 +1685,9 @@
             </a:lvl9pPr>
           </a:lstStyle>
           <a:p>
+            <a:pPr>
+              <a:defRPr sz="2200"/>
+            </a:pPr>
             <a:r>
               <a:rPr lang="en-US"/>
               <a:t>Click to edit Master subtitle style</a:t>
@@ -1697,9 +1717,12 @@
           <a:bodyPr/>
           <a:lstStyle/>
           <a:p>
+            <a:pPr>
+              <a:defRPr sz="2200"/>
+            </a:pPr>
             <a:fld id="{0CDDCF47-76FA-4B38-9020-A0E57F41036A}" type="datetimeFigureOut">
               <a:rPr lang="de-CH" smtClean="0"/>
-              <a:t>11.01.2026</a:t>
+              <a:t>13.01.2026</a:t>
             </a:fld>
             <a:endParaRPr lang="de-CH"/>
           </a:p>
@@ -1726,6 +1749,9 @@
           <a:bodyPr/>
           <a:lstStyle/>
           <a:p>
+            <a:pPr>
+              <a:defRPr sz="2200"/>
+            </a:pPr>
             <a:endParaRPr lang="de-CH"/>
           </a:p>
         </p:txBody>
@@ -1751,6 +1777,9 @@
           <a:bodyPr/>
           <a:lstStyle/>
           <a:p>
+            <a:pPr>
+              <a:defRPr sz="2200"/>
+            </a:pPr>
             <a:fld id="{EA2E0D3E-E818-438E-981B-E98523AC6CA8}" type="slidenum">
               <a:rPr lang="de-CH" smtClean="0"/>
               <a:t>‹#›</a:t>
@@ -1810,6 +1839,9 @@
           <a:bodyPr/>
           <a:lstStyle/>
           <a:p>
+            <a:pPr>
+              <a:defRPr sz="2200"/>
+            </a:pPr>
             <a:r>
               <a:rPr lang="en-US"/>
               <a:t>Click to edit Master title style</a:t>
@@ -1839,35 +1871,45 @@
           <a:bodyPr vert="eaVert"/>
           <a:lstStyle/>
           <a:p>
-            <a:pPr lvl="0"/>
+            <a:pPr lvl="0">
+              <a:defRPr sz="2200"/>
+            </a:pPr>
             <a:r>
               <a:rPr lang="en-US"/>
               <a:t>Click to edit Master text styles</a:t>
             </a:r>
           </a:p>
           <a:p>
-            <a:pPr lvl="1"/>
+            <a:pPr lvl="1">
+              <a:defRPr sz="1800"/>
+            </a:pPr>
             <a:r>
               <a:rPr lang="en-US"/>
               <a:t>Second level</a:t>
             </a:r>
           </a:p>
           <a:p>
-            <a:pPr lvl="2"/>
+            <a:pPr lvl="2">
+              <a:defRPr sz="1600"/>
+            </a:pPr>
             <a:r>
               <a:rPr lang="en-US"/>
               <a:t>Third level</a:t>
             </a:r>
           </a:p>
           <a:p>
-            <a:pPr lvl="3"/>
+            <a:pPr lvl="3">
+              <a:defRPr sz="1600"/>
+            </a:pPr>
             <a:r>
               <a:rPr lang="en-US"/>
               <a:t>Fourth level</a:t>
             </a:r>
           </a:p>
           <a:p>
-            <a:pPr lvl="4"/>
+            <a:pPr lvl="4">
+              <a:defRPr sz="1600"/>
+            </a:pPr>
             <a:r>
               <a:rPr lang="en-US"/>
               <a:t>Fifth level</a:t>
@@ -1897,9 +1939,12 @@
           <a:bodyPr/>
           <a:lstStyle/>
           <a:p>
+            <a:pPr>
+              <a:defRPr sz="2200"/>
+            </a:pPr>
             <a:fld id="{0CDDCF47-76FA-4B38-9020-A0E57F41036A}" type="datetimeFigureOut">
               <a:rPr lang="de-CH" smtClean="0"/>
-              <a:t>11.01.2026</a:t>
+              <a:t>13.01.2026</a:t>
             </a:fld>
             <a:endParaRPr lang="de-CH"/>
           </a:p>
@@ -1926,6 +1971,9 @@
           <a:bodyPr/>
           <a:lstStyle/>
           <a:p>
+            <a:pPr>
+              <a:defRPr sz="2200"/>
+            </a:pPr>
             <a:endParaRPr lang="de-CH"/>
           </a:p>
         </p:txBody>
@@ -1951,6 +1999,9 @@
           <a:bodyPr/>
           <a:lstStyle/>
           <a:p>
+            <a:pPr>
+              <a:defRPr sz="2200"/>
+            </a:pPr>
             <a:fld id="{EA2E0D3E-E818-438E-981B-E98523AC6CA8}" type="slidenum">
               <a:rPr lang="de-CH" smtClean="0"/>
               <a:t>‹#›</a:t>
@@ -2015,6 +2066,9 @@
           <a:bodyPr vert="eaVert"/>
           <a:lstStyle/>
           <a:p>
+            <a:pPr>
+              <a:defRPr sz="2200"/>
+            </a:pPr>
             <a:r>
               <a:rPr lang="en-US"/>
               <a:t>Click to edit Master title style</a:t>
@@ -2049,35 +2103,45 @@
           <a:bodyPr vert="eaVert"/>
           <a:lstStyle/>
           <a:p>
-            <a:pPr lvl="0"/>
+            <a:pPr lvl="0">
+              <a:defRPr sz="2200"/>
+            </a:pPr>
             <a:r>
               <a:rPr lang="en-US"/>
               <a:t>Click to edit Master text styles</a:t>
             </a:r>
           </a:p>
           <a:p>
-            <a:pPr lvl="1"/>
+            <a:pPr lvl="1">
+              <a:defRPr sz="1800"/>
+            </a:pPr>
             <a:r>
               <a:rPr lang="en-US"/>
               <a:t>Second level</a:t>
             </a:r>
           </a:p>
           <a:p>
-            <a:pPr lvl="2"/>
+            <a:pPr lvl="2">
+              <a:defRPr sz="1600"/>
+            </a:pPr>
             <a:r>
               <a:rPr lang="en-US"/>
               <a:t>Third level</a:t>
             </a:r>
           </a:p>
           <a:p>
-            <a:pPr lvl="3"/>
+            <a:pPr lvl="3">
+              <a:defRPr sz="1600"/>
+            </a:pPr>
             <a:r>
               <a:rPr lang="en-US"/>
               <a:t>Fourth level</a:t>
             </a:r>
           </a:p>
           <a:p>
-            <a:pPr lvl="4"/>
+            <a:pPr lvl="4">
+              <a:defRPr sz="1600"/>
+            </a:pPr>
             <a:r>
               <a:rPr lang="en-US"/>
               <a:t>Fifth level</a:t>
@@ -2107,9 +2171,12 @@
           <a:bodyPr/>
           <a:lstStyle/>
           <a:p>
+            <a:pPr>
+              <a:defRPr sz="2200"/>
+            </a:pPr>
             <a:fld id="{0CDDCF47-76FA-4B38-9020-A0E57F41036A}" type="datetimeFigureOut">
               <a:rPr lang="de-CH" smtClean="0"/>
-              <a:t>11.01.2026</a:t>
+              <a:t>13.01.2026</a:t>
             </a:fld>
             <a:endParaRPr lang="de-CH"/>
           </a:p>
@@ -2136,6 +2203,9 @@
           <a:bodyPr/>
           <a:lstStyle/>
           <a:p>
+            <a:pPr>
+              <a:defRPr sz="2200"/>
+            </a:pPr>
             <a:endParaRPr lang="de-CH"/>
           </a:p>
         </p:txBody>
@@ -2161,6 +2231,9 @@
           <a:bodyPr/>
           <a:lstStyle/>
           <a:p>
+            <a:pPr>
+              <a:defRPr sz="2200"/>
+            </a:pPr>
             <a:fld id="{EA2E0D3E-E818-438E-981B-E98523AC6CA8}" type="slidenum">
               <a:rPr lang="de-CH" smtClean="0"/>
               <a:t>‹#›</a:t>
@@ -2199,43 +2272,6 @@
           <a:chExt cx="0" cy="0"/>
         </a:xfrm>
       </p:grpSpPr>
-      <p:pic>
-        <p:nvPicPr>
-          <p:cNvPr id="7" name="Hintergrundbild">
-            <a:extLst>
-              <a:ext uri="{FF2B5EF4-FFF2-40B4-BE49-F238E27FC236}">
-                <a16:creationId xmlns:a16="http://schemas.microsoft.com/office/drawing/2014/main" id="{3D1FB8BF-7CDF-39AE-7E27-7E86A69D9163}"/>
-              </a:ext>
-            </a:extLst>
-          </p:cNvPr>
-          <p:cNvPicPr>
-            <a:picLocks/>
-          </p:cNvPicPr>
-          <p:nvPr userDrawn="1"/>
-        </p:nvPicPr>
-        <p:blipFill>
-          <a:blip r:embed="rId2">
-            <a:extLst>
-              <a:ext uri="{28A0092B-C50C-407E-A947-70E740481C1C}">
-                <a14:useLocalDpi xmlns:a14="http://schemas.microsoft.com/office/drawing/2010/main" val="0"/>
-              </a:ext>
-            </a:extLst>
-          </a:blip>
-          <a:srcRect l="21" r="21"/>
-          <a:stretch>
-            <a:fillRect/>
-          </a:stretch>
-        </p:blipFill>
-        <p:spPr>
-          <a:xfrm>
-            <a:off x="0" y="0"/>
-            <a:ext cx="12192000" cy="6858000"/>
-          </a:xfrm>
-          <a:prstGeom prst="rect">
-            <a:avLst/>
-          </a:prstGeom>
-        </p:spPr>
-      </p:pic>
       <p:sp>
         <p:nvSpPr>
           <p:cNvPr id="2" name="Titel 1">
@@ -2283,16 +2319,23 @@
             </a:lvl1pPr>
           </a:lstStyle>
           <a:p>
+            <a:pPr>
+              <a:defRPr sz="2200"/>
+            </a:pPr>
+            <a:r>
+              <a:rPr lang="de-CH" dirty="0"/>
+              <a:t>Präsentationstitel</a:t>
+            </a:r>
+            <a:br>
+              <a:rPr lang="de-CH" dirty="0"/>
+            </a:br>
+            <a:r>
+              <a:rPr lang="de-CH" dirty="0"/>
+              <a:t>(max. </a:t>
+            </a:r>
             <a:r>
               <a:rPr lang="de-CH"/>
-              <a:t>Präsentationstitel</a:t>
-            </a:r>
-            <a:br>
-              <a:rPr lang="de-CH"/>
-            </a:br>
-            <a:r>
-              <a:rPr lang="de-CH"/>
-              <a:t>(max. dreizeilig)</a:t>
+              <a:t>dreizeilig)</a:t>
             </a:r>
             <a:endParaRPr lang="de-CH" dirty="0"/>
           </a:p>
@@ -2370,6 +2413,9 @@
             </a:lvl9pPr>
           </a:lstStyle>
           <a:p>
+            <a:pPr>
+              <a:defRPr sz="2200"/>
+            </a:pPr>
             <a:r>
               <a:rPr lang="de-CH"/>
               <a:t>Titel</a:t>
@@ -2425,7 +2471,9 @@
             </a:lvl1pPr>
           </a:lstStyle>
           <a:p>
-            <a:pPr lvl="0"/>
+            <a:pPr lvl="0">
+              <a:defRPr sz="2200"/>
+            </a:pPr>
             <a:r>
               <a:rPr lang="de-CH"/>
               <a:t>Referenz, Abteilung, Datum</a:t>
@@ -2449,10 +2497,10 @@
           <p:nvPr userDrawn="1"/>
         </p:nvPicPr>
         <p:blipFill>
-          <a:blip r:embed="rId3">
+          <a:blip r:embed="rId2">
             <a:extLst>
               <a:ext uri="{96DAC541-7B7A-43D3-8B79-37D633B846F1}">
-                <asvg:svgBlip xmlns:asvg="http://schemas.microsoft.com/office/drawing/2016/SVG/main" r:embed="rId4"/>
+                <asvg:svgBlip xmlns:asvg="http://schemas.microsoft.com/office/drawing/2016/SVG/main" r:embed="rId3"/>
               </a:ext>
             </a:extLst>
           </a:blip>
@@ -2497,7 +2545,9 @@
           </a:bodyPr>
           <a:lstStyle/>
           <a:p>
-            <a:pPr algn="l"/>
+            <a:pPr algn="l">
+              <a:defRPr sz="2200"/>
+            </a:pPr>
             <a:r>
               <a:rPr lang="de-CH" sz="1517" b="1" i="0" u="none" dirty="0">
                 <a:solidFill>
@@ -2829,6 +2879,9 @@
             </a:lvl1pPr>
           </a:lstStyle>
           <a:p>
+            <a:pPr>
+              <a:defRPr sz="2200"/>
+            </a:pPr>
             <a:r>
               <a:rPr lang="de-CH"/>
               <a:t>Agenda</a:t>
@@ -2884,6 +2937,9 @@
             </a:lvl1pPr>
           </a:lstStyle>
           <a:p>
+            <a:pPr>
+              <a:defRPr sz="2200"/>
+            </a:pPr>
             <a:fld id="{DF46F67B-DFC5-4D4D-B823-2A149AD963A3}" type="slidenum">
               <a:rPr lang="de-CH" smtClean="0"/>
               <a:pPr/>
@@ -2940,6 +2996,9 @@
             </a:lvl1pPr>
           </a:lstStyle>
           <a:p>
+            <a:pPr>
+              <a:defRPr sz="2200"/>
+            </a:pPr>
             <a:endParaRPr lang="de-CH" dirty="0"/>
           </a:p>
         </p:txBody>
@@ -3061,7 +3120,9 @@
             </a:lvl5pPr>
           </a:lstStyle>
           <a:p>
-            <a:pPr lvl="0"/>
+            <a:pPr lvl="0">
+              <a:defRPr sz="2200"/>
+            </a:pPr>
             <a:r>
               <a:rPr lang="de-CH" dirty="0" err="1"/>
               <a:t>Agendapunkt</a:t>
@@ -3149,6 +3210,9 @@
             </a:lvl1pPr>
           </a:lstStyle>
           <a:p>
+            <a:pPr>
+              <a:defRPr sz="2200"/>
+            </a:pPr>
             <a:r>
               <a:rPr lang="de-CH"/>
               <a:t>Titel (max. zweizeilig)</a:t>
@@ -3204,6 +3268,9 @@
             </a:lvl1pPr>
           </a:lstStyle>
           <a:p>
+            <a:pPr>
+              <a:defRPr sz="2200"/>
+            </a:pPr>
             <a:fld id="{DF46F67B-DFC5-4D4D-B823-2A149AD963A3}" type="slidenum">
               <a:rPr lang="de-CH" smtClean="0"/>
               <a:pPr/>
@@ -3260,6 +3327,9 @@
             </a:lvl1pPr>
           </a:lstStyle>
           <a:p>
+            <a:pPr>
+              <a:defRPr sz="2200"/>
+            </a:pPr>
             <a:endParaRPr lang="de-CH" dirty="0"/>
           </a:p>
         </p:txBody>
@@ -3381,35 +3451,45 @@
             </a:lvl5pPr>
           </a:lstStyle>
           <a:p>
-            <a:pPr lvl="0"/>
+            <a:pPr lvl="0">
+              <a:defRPr sz="2200"/>
+            </a:pPr>
             <a:r>
               <a:rPr lang="de-CH" dirty="0"/>
               <a:t>Erste Ebene</a:t>
             </a:r>
           </a:p>
           <a:p>
-            <a:pPr lvl="1"/>
+            <a:pPr lvl="1">
+              <a:defRPr sz="1800"/>
+            </a:pPr>
             <a:r>
               <a:rPr lang="de-CH" dirty="0"/>
               <a:t>Zweite Ebene</a:t>
             </a:r>
           </a:p>
           <a:p>
-            <a:pPr lvl="2"/>
+            <a:pPr lvl="2">
+              <a:defRPr sz="1600"/>
+            </a:pPr>
             <a:r>
               <a:rPr lang="de-CH" dirty="0"/>
               <a:t>Dritte Ebene</a:t>
             </a:r>
           </a:p>
           <a:p>
-            <a:pPr lvl="3"/>
+            <a:pPr lvl="3">
+              <a:defRPr sz="1600"/>
+            </a:pPr>
             <a:r>
               <a:rPr lang="de-CH" dirty="0"/>
               <a:t>Vierte Ebene</a:t>
             </a:r>
           </a:p>
           <a:p>
-            <a:pPr lvl="4"/>
+            <a:pPr lvl="4">
+              <a:defRPr sz="1600"/>
+            </a:pPr>
             <a:r>
               <a:rPr lang="de-CH" dirty="0"/>
               <a:t>Fünfte Ebene</a:t>
@@ -3534,35 +3614,45 @@
             </a:lvl5pPr>
           </a:lstStyle>
           <a:p>
-            <a:pPr lvl="0"/>
+            <a:pPr lvl="0">
+              <a:defRPr sz="2200"/>
+            </a:pPr>
             <a:r>
               <a:rPr lang="de-CH" dirty="0"/>
               <a:t>Erste Ebene</a:t>
             </a:r>
           </a:p>
           <a:p>
-            <a:pPr lvl="1"/>
+            <a:pPr lvl="1">
+              <a:defRPr sz="1800"/>
+            </a:pPr>
             <a:r>
               <a:rPr lang="de-CH" dirty="0"/>
               <a:t>Zweite Ebene</a:t>
             </a:r>
           </a:p>
           <a:p>
-            <a:pPr lvl="2"/>
+            <a:pPr lvl="2">
+              <a:defRPr sz="1600"/>
+            </a:pPr>
             <a:r>
               <a:rPr lang="de-CH" dirty="0"/>
               <a:t>Dritte Ebene</a:t>
             </a:r>
           </a:p>
           <a:p>
-            <a:pPr lvl="3"/>
+            <a:pPr lvl="3">
+              <a:defRPr sz="1600"/>
+            </a:pPr>
             <a:r>
               <a:rPr lang="de-CH" dirty="0"/>
               <a:t>Vierte Ebene</a:t>
             </a:r>
           </a:p>
           <a:p>
-            <a:pPr lvl="4"/>
+            <a:pPr lvl="4">
+              <a:defRPr sz="1600"/>
+            </a:pPr>
             <a:r>
               <a:rPr lang="de-CH" dirty="0"/>
               <a:t>Fünfte Ebene</a:t>
@@ -3649,6 +3739,9 @@
             </a:lvl1pPr>
           </a:lstStyle>
           <a:p>
+            <a:pPr>
+              <a:defRPr sz="2200"/>
+            </a:pPr>
             <a:r>
               <a:rPr lang="de-CH"/>
               <a:t>Titel (max. zweizeilig)</a:t>
@@ -3704,6 +3797,9 @@
             </a:lvl1pPr>
           </a:lstStyle>
           <a:p>
+            <a:pPr>
+              <a:defRPr sz="2200"/>
+            </a:pPr>
             <a:fld id="{DF46F67B-DFC5-4D4D-B823-2A149AD963A3}" type="slidenum">
               <a:rPr lang="de-CH" smtClean="0"/>
               <a:pPr/>
@@ -3760,6 +3856,9 @@
             </a:lvl1pPr>
           </a:lstStyle>
           <a:p>
+            <a:pPr>
+              <a:defRPr sz="2200"/>
+            </a:pPr>
             <a:endParaRPr lang="de-CH" dirty="0"/>
           </a:p>
         </p:txBody>
@@ -3881,35 +3980,45 @@
             </a:lvl5pPr>
           </a:lstStyle>
           <a:p>
-            <a:pPr lvl="0"/>
+            <a:pPr lvl="0">
+              <a:defRPr sz="2200"/>
+            </a:pPr>
             <a:r>
               <a:rPr lang="de-CH" dirty="0"/>
               <a:t>Erste Ebene</a:t>
             </a:r>
           </a:p>
           <a:p>
-            <a:pPr lvl="1"/>
+            <a:pPr lvl="1">
+              <a:defRPr sz="1800"/>
+            </a:pPr>
             <a:r>
               <a:rPr lang="de-CH" dirty="0"/>
               <a:t>Zweite Ebene</a:t>
             </a:r>
           </a:p>
           <a:p>
-            <a:pPr lvl="2"/>
+            <a:pPr lvl="2">
+              <a:defRPr sz="1600"/>
+            </a:pPr>
             <a:r>
               <a:rPr lang="de-CH" dirty="0"/>
               <a:t>Dritte Ebene</a:t>
             </a:r>
           </a:p>
           <a:p>
-            <a:pPr lvl="3"/>
+            <a:pPr lvl="3">
+              <a:defRPr sz="1600"/>
+            </a:pPr>
             <a:r>
               <a:rPr lang="de-CH" dirty="0"/>
               <a:t>Vierte Ebene</a:t>
             </a:r>
           </a:p>
           <a:p>
-            <a:pPr lvl="4"/>
+            <a:pPr lvl="4">
+              <a:defRPr sz="1600"/>
+            </a:pPr>
             <a:r>
               <a:rPr lang="de-CH" dirty="0"/>
               <a:t>Fünfte Ebene</a:t>
@@ -4034,35 +4143,45 @@
             </a:lvl5pPr>
           </a:lstStyle>
           <a:p>
-            <a:pPr lvl="0"/>
+            <a:pPr lvl="0">
+              <a:defRPr sz="2200"/>
+            </a:pPr>
             <a:r>
               <a:rPr lang="de-CH" dirty="0"/>
               <a:t>Erste Ebene</a:t>
             </a:r>
           </a:p>
           <a:p>
-            <a:pPr lvl="1"/>
+            <a:pPr lvl="1">
+              <a:defRPr sz="1800"/>
+            </a:pPr>
             <a:r>
               <a:rPr lang="de-CH" dirty="0"/>
               <a:t>Zweite Ebene</a:t>
             </a:r>
           </a:p>
           <a:p>
-            <a:pPr lvl="2"/>
+            <a:pPr lvl="2">
+              <a:defRPr sz="1600"/>
+            </a:pPr>
             <a:r>
               <a:rPr lang="de-CH" dirty="0"/>
               <a:t>Dritte Ebene</a:t>
             </a:r>
           </a:p>
           <a:p>
-            <a:pPr lvl="3"/>
+            <a:pPr lvl="3">
+              <a:defRPr sz="1600"/>
+            </a:pPr>
             <a:r>
               <a:rPr lang="de-CH" dirty="0"/>
               <a:t>Vierte Ebene</a:t>
             </a:r>
           </a:p>
           <a:p>
-            <a:pPr lvl="4"/>
+            <a:pPr lvl="4">
+              <a:defRPr sz="1600"/>
+            </a:pPr>
             <a:r>
               <a:rPr lang="de-CH" dirty="0"/>
               <a:t>Fünfte Ebene</a:t>
@@ -4117,7 +4236,9 @@
             </a:lvl1pPr>
           </a:lstStyle>
           <a:p>
-            <a:pPr lvl="0"/>
+            <a:pPr lvl="0">
+              <a:defRPr sz="2200"/>
+            </a:pPr>
             <a:r>
               <a:rPr lang="de-CH"/>
               <a:t>Untertitel</a:t>
@@ -4173,7 +4294,9 @@
             </a:lvl1pPr>
           </a:lstStyle>
           <a:p>
-            <a:pPr lvl="0"/>
+            <a:pPr lvl="0">
+              <a:defRPr sz="2200"/>
+            </a:pPr>
             <a:r>
               <a:rPr lang="de-CH"/>
               <a:t>Untertitel</a:t>
@@ -4233,6 +4356,9 @@
           <a:bodyPr/>
           <a:lstStyle/>
           <a:p>
+            <a:pPr>
+              <a:defRPr sz="2200"/>
+            </a:pPr>
             <a:r>
               <a:rPr lang="en-US"/>
               <a:t>Click to edit Master title style</a:t>
@@ -4262,35 +4388,45 @@
           <a:bodyPr/>
           <a:lstStyle/>
           <a:p>
-            <a:pPr lvl="0"/>
+            <a:pPr lvl="0">
+              <a:defRPr sz="2200"/>
+            </a:pPr>
             <a:r>
               <a:rPr lang="en-US"/>
               <a:t>Click to edit Master text styles</a:t>
             </a:r>
           </a:p>
           <a:p>
-            <a:pPr lvl="1"/>
+            <a:pPr lvl="1">
+              <a:defRPr sz="1800"/>
+            </a:pPr>
             <a:r>
               <a:rPr lang="en-US"/>
               <a:t>Second level</a:t>
             </a:r>
           </a:p>
           <a:p>
-            <a:pPr lvl="2"/>
+            <a:pPr lvl="2">
+              <a:defRPr sz="1600"/>
+            </a:pPr>
             <a:r>
               <a:rPr lang="en-US"/>
               <a:t>Third level</a:t>
             </a:r>
           </a:p>
           <a:p>
-            <a:pPr lvl="3"/>
+            <a:pPr lvl="3">
+              <a:defRPr sz="1600"/>
+            </a:pPr>
             <a:r>
               <a:rPr lang="en-US"/>
               <a:t>Fourth level</a:t>
             </a:r>
           </a:p>
           <a:p>
-            <a:pPr lvl="4"/>
+            <a:pPr lvl="4">
+              <a:defRPr sz="1600"/>
+            </a:pPr>
             <a:r>
               <a:rPr lang="en-US"/>
               <a:t>Fifth level</a:t>
@@ -4320,9 +4456,12 @@
           <a:bodyPr/>
           <a:lstStyle/>
           <a:p>
+            <a:pPr>
+              <a:defRPr sz="2200"/>
+            </a:pPr>
             <a:fld id="{0CDDCF47-76FA-4B38-9020-A0E57F41036A}" type="datetimeFigureOut">
               <a:rPr lang="de-CH" smtClean="0"/>
-              <a:t>11.01.2026</a:t>
+              <a:t>13.01.2026</a:t>
             </a:fld>
             <a:endParaRPr lang="de-CH"/>
           </a:p>
@@ -4349,6 +4488,9 @@
           <a:bodyPr/>
           <a:lstStyle/>
           <a:p>
+            <a:pPr>
+              <a:defRPr sz="2200"/>
+            </a:pPr>
             <a:endParaRPr lang="de-CH"/>
           </a:p>
         </p:txBody>
@@ -4374,6 +4516,9 @@
           <a:bodyPr/>
           <a:lstStyle/>
           <a:p>
+            <a:pPr>
+              <a:defRPr sz="2200"/>
+            </a:pPr>
             <a:fld id="{EA2E0D3E-E818-438E-981B-E98523AC6CA8}" type="slidenum">
               <a:rPr lang="de-CH" smtClean="0"/>
               <a:t>‹#›</a:t>
@@ -4442,6 +4587,9 @@
             </a:lvl1pPr>
           </a:lstStyle>
           <a:p>
+            <a:pPr>
+              <a:defRPr sz="2200"/>
+            </a:pPr>
             <a:r>
               <a:rPr lang="en-US"/>
               <a:t>Click to edit Master title style</a:t>
@@ -4567,7 +4715,9 @@
             </a:lvl9pPr>
           </a:lstStyle>
           <a:p>
-            <a:pPr lvl="0"/>
+            <a:pPr lvl="0">
+              <a:defRPr sz="2200"/>
+            </a:pPr>
             <a:r>
               <a:rPr lang="en-US"/>
               <a:t>Click to edit Master text styles</a:t>
@@ -4596,9 +4746,12 @@
           <a:bodyPr/>
           <a:lstStyle/>
           <a:p>
+            <a:pPr>
+              <a:defRPr sz="2200"/>
+            </a:pPr>
             <a:fld id="{0CDDCF47-76FA-4B38-9020-A0E57F41036A}" type="datetimeFigureOut">
               <a:rPr lang="de-CH" smtClean="0"/>
-              <a:t>11.01.2026</a:t>
+              <a:t>13.01.2026</a:t>
             </a:fld>
             <a:endParaRPr lang="de-CH"/>
           </a:p>
@@ -4625,6 +4778,9 @@
           <a:bodyPr/>
           <a:lstStyle/>
           <a:p>
+            <a:pPr>
+              <a:defRPr sz="2200"/>
+            </a:pPr>
             <a:endParaRPr lang="de-CH"/>
           </a:p>
         </p:txBody>
@@ -4650,6 +4806,9 @@
           <a:bodyPr/>
           <a:lstStyle/>
           <a:p>
+            <a:pPr>
+              <a:defRPr sz="2200"/>
+            </a:pPr>
             <a:fld id="{EA2E0D3E-E818-438E-981B-E98523AC6CA8}" type="slidenum">
               <a:rPr lang="de-CH" smtClean="0"/>
               <a:t>‹#›</a:t>
@@ -4709,6 +4868,9 @@
           <a:bodyPr/>
           <a:lstStyle/>
           <a:p>
+            <a:pPr>
+              <a:defRPr sz="2200"/>
+            </a:pPr>
             <a:r>
               <a:rPr lang="en-US"/>
               <a:t>Click to edit Master title style</a:t>
@@ -4743,35 +4905,45 @@
           <a:bodyPr/>
           <a:lstStyle/>
           <a:p>
-            <a:pPr lvl="0"/>
+            <a:pPr lvl="0">
+              <a:defRPr sz="2200"/>
+            </a:pPr>
             <a:r>
               <a:rPr lang="en-US"/>
               <a:t>Click to edit Master text styles</a:t>
             </a:r>
           </a:p>
           <a:p>
-            <a:pPr lvl="1"/>
+            <a:pPr lvl="1">
+              <a:defRPr sz="1800"/>
+            </a:pPr>
             <a:r>
               <a:rPr lang="en-US"/>
               <a:t>Second level</a:t>
             </a:r>
           </a:p>
           <a:p>
-            <a:pPr lvl="2"/>
+            <a:pPr lvl="2">
+              <a:defRPr sz="1600"/>
+            </a:pPr>
             <a:r>
               <a:rPr lang="en-US"/>
               <a:t>Third level</a:t>
             </a:r>
           </a:p>
           <a:p>
-            <a:pPr lvl="3"/>
+            <a:pPr lvl="3">
+              <a:defRPr sz="1600"/>
+            </a:pPr>
             <a:r>
               <a:rPr lang="en-US"/>
               <a:t>Fourth level</a:t>
             </a:r>
           </a:p>
           <a:p>
-            <a:pPr lvl="4"/>
+            <a:pPr lvl="4">
+              <a:defRPr sz="1600"/>
+            </a:pPr>
             <a:r>
               <a:rPr lang="en-US"/>
               <a:t>Fifth level</a:t>
@@ -4806,35 +4978,45 @@
           <a:bodyPr/>
           <a:lstStyle/>
           <a:p>
-            <a:pPr lvl="0"/>
+            <a:pPr lvl="0">
+              <a:defRPr sz="2200"/>
+            </a:pPr>
             <a:r>
               <a:rPr lang="en-US"/>
               <a:t>Click to edit Master text styles</a:t>
             </a:r>
           </a:p>
           <a:p>
-            <a:pPr lvl="1"/>
+            <a:pPr lvl="1">
+              <a:defRPr sz="1800"/>
+            </a:pPr>
             <a:r>
               <a:rPr lang="en-US"/>
               <a:t>Second level</a:t>
             </a:r>
           </a:p>
           <a:p>
-            <a:pPr lvl="2"/>
+            <a:pPr lvl="2">
+              <a:defRPr sz="1600"/>
+            </a:pPr>
             <a:r>
               <a:rPr lang="en-US"/>
               <a:t>Third level</a:t>
             </a:r>
           </a:p>
           <a:p>
-            <a:pPr lvl="3"/>
+            <a:pPr lvl="3">
+              <a:defRPr sz="1600"/>
+            </a:pPr>
             <a:r>
               <a:rPr lang="en-US"/>
               <a:t>Fourth level</a:t>
             </a:r>
           </a:p>
           <a:p>
-            <a:pPr lvl="4"/>
+            <a:pPr lvl="4">
+              <a:defRPr sz="1600"/>
+            </a:pPr>
             <a:r>
               <a:rPr lang="en-US"/>
               <a:t>Fifth level</a:t>
@@ -4864,9 +5046,12 @@
           <a:bodyPr/>
           <a:lstStyle/>
           <a:p>
+            <a:pPr>
+              <a:defRPr sz="2200"/>
+            </a:pPr>
             <a:fld id="{0CDDCF47-76FA-4B38-9020-A0E57F41036A}" type="datetimeFigureOut">
               <a:rPr lang="de-CH" smtClean="0"/>
-              <a:t>11.01.2026</a:t>
+              <a:t>13.01.2026</a:t>
             </a:fld>
             <a:endParaRPr lang="de-CH"/>
           </a:p>
@@ -4893,6 +5078,9 @@
           <a:bodyPr/>
           <a:lstStyle/>
           <a:p>
+            <a:pPr>
+              <a:defRPr sz="2200"/>
+            </a:pPr>
             <a:endParaRPr lang="de-CH"/>
           </a:p>
         </p:txBody>
@@ -4918,6 +5106,9 @@
           <a:bodyPr/>
           <a:lstStyle/>
           <a:p>
+            <a:pPr>
+              <a:defRPr sz="2200"/>
+            </a:pPr>
             <a:fld id="{EA2E0D3E-E818-438E-981B-E98523AC6CA8}" type="slidenum">
               <a:rPr lang="de-CH" smtClean="0"/>
               <a:t>‹#›</a:t>
@@ -4982,6 +5173,9 @@
           <a:bodyPr/>
           <a:lstStyle/>
           <a:p>
+            <a:pPr>
+              <a:defRPr sz="2200"/>
+            </a:pPr>
             <a:r>
               <a:rPr lang="en-US"/>
               <a:t>Click to edit Master title style</a:t>
@@ -5053,7 +5247,9 @@
             </a:lvl9pPr>
           </a:lstStyle>
           <a:p>
-            <a:pPr lvl="0"/>
+            <a:pPr lvl="0">
+              <a:defRPr sz="2200"/>
+            </a:pPr>
             <a:r>
               <a:rPr lang="en-US"/>
               <a:t>Click to edit Master text styles</a:t>
@@ -5087,35 +5283,45 @@
           <a:bodyPr/>
           <a:lstStyle/>
           <a:p>
-            <a:pPr lvl="0"/>
+            <a:pPr lvl="0">
+              <a:defRPr sz="2200"/>
+            </a:pPr>
             <a:r>
               <a:rPr lang="en-US"/>
               <a:t>Click to edit Master text styles</a:t>
             </a:r>
           </a:p>
           <a:p>
-            <a:pPr lvl="1"/>
+            <a:pPr lvl="1">
+              <a:defRPr sz="1800"/>
+            </a:pPr>
             <a:r>
               <a:rPr lang="en-US"/>
               <a:t>Second level</a:t>
             </a:r>
           </a:p>
           <a:p>
-            <a:pPr lvl="2"/>
+            <a:pPr lvl="2">
+              <a:defRPr sz="1600"/>
+            </a:pPr>
             <a:r>
               <a:rPr lang="en-US"/>
               <a:t>Third level</a:t>
             </a:r>
           </a:p>
           <a:p>
-            <a:pPr lvl="3"/>
+            <a:pPr lvl="3">
+              <a:defRPr sz="1600"/>
+            </a:pPr>
             <a:r>
               <a:rPr lang="en-US"/>
               <a:t>Fourth level</a:t>
             </a:r>
           </a:p>
           <a:p>
-            <a:pPr lvl="4"/>
+            <a:pPr lvl="4">
+              <a:defRPr sz="1600"/>
+            </a:pPr>
             <a:r>
               <a:rPr lang="en-US"/>
               <a:t>Fifth level</a:t>
@@ -5187,7 +5393,9 @@
             </a:lvl9pPr>
           </a:lstStyle>
           <a:p>
-            <a:pPr lvl="0"/>
+            <a:pPr lvl="0">
+              <a:defRPr sz="2200"/>
+            </a:pPr>
             <a:r>
               <a:rPr lang="en-US"/>
               <a:t>Click to edit Master text styles</a:t>
@@ -5221,35 +5429,45 @@
           <a:bodyPr/>
           <a:lstStyle/>
           <a:p>
-            <a:pPr lvl="0"/>
+            <a:pPr lvl="0">
+              <a:defRPr sz="2200"/>
+            </a:pPr>
             <a:r>
               <a:rPr lang="en-US"/>
               <a:t>Click to edit Master text styles</a:t>
             </a:r>
           </a:p>
           <a:p>
-            <a:pPr lvl="1"/>
+            <a:pPr lvl="1">
+              <a:defRPr sz="1800"/>
+            </a:pPr>
             <a:r>
               <a:rPr lang="en-US"/>
               <a:t>Second level</a:t>
             </a:r>
           </a:p>
           <a:p>
-            <a:pPr lvl="2"/>
+            <a:pPr lvl="2">
+              <a:defRPr sz="1600"/>
+            </a:pPr>
             <a:r>
               <a:rPr lang="en-US"/>
               <a:t>Third level</a:t>
             </a:r>
           </a:p>
           <a:p>
-            <a:pPr lvl="3"/>
+            <a:pPr lvl="3">
+              <a:defRPr sz="1600"/>
+            </a:pPr>
             <a:r>
               <a:rPr lang="en-US"/>
               <a:t>Fourth level</a:t>
             </a:r>
           </a:p>
           <a:p>
-            <a:pPr lvl="4"/>
+            <a:pPr lvl="4">
+              <a:defRPr sz="1600"/>
+            </a:pPr>
             <a:r>
               <a:rPr lang="en-US"/>
               <a:t>Fifth level</a:t>
@@ -5279,9 +5497,12 @@
           <a:bodyPr/>
           <a:lstStyle/>
           <a:p>
+            <a:pPr>
+              <a:defRPr sz="2200"/>
+            </a:pPr>
             <a:fld id="{0CDDCF47-76FA-4B38-9020-A0E57F41036A}" type="datetimeFigureOut">
               <a:rPr lang="de-CH" smtClean="0"/>
-              <a:t>11.01.2026</a:t>
+              <a:t>13.01.2026</a:t>
             </a:fld>
             <a:endParaRPr lang="de-CH"/>
           </a:p>
@@ -5308,6 +5529,9 @@
           <a:bodyPr/>
           <a:lstStyle/>
           <a:p>
+            <a:pPr>
+              <a:defRPr sz="2200"/>
+            </a:pPr>
             <a:endParaRPr lang="de-CH"/>
           </a:p>
         </p:txBody>
@@ -5333,6 +5557,9 @@
           <a:bodyPr/>
           <a:lstStyle/>
           <a:p>
+            <a:pPr>
+              <a:defRPr sz="2200"/>
+            </a:pPr>
             <a:fld id="{EA2E0D3E-E818-438E-981B-E98523AC6CA8}" type="slidenum">
               <a:rPr lang="de-CH" smtClean="0"/>
               <a:t>‹#›</a:t>
@@ -5392,6 +5619,9 @@
           <a:bodyPr/>
           <a:lstStyle/>
           <a:p>
+            <a:pPr>
+              <a:defRPr sz="2200"/>
+            </a:pPr>
             <a:r>
               <a:rPr lang="en-US"/>
               <a:t>Click to edit Master title style</a:t>
@@ -5421,9 +5651,12 @@
           <a:bodyPr/>
           <a:lstStyle/>
           <a:p>
+            <a:pPr>
+              <a:defRPr sz="2200"/>
+            </a:pPr>
             <a:fld id="{0CDDCF47-76FA-4B38-9020-A0E57F41036A}" type="datetimeFigureOut">
               <a:rPr lang="de-CH" smtClean="0"/>
-              <a:t>11.01.2026</a:t>
+              <a:t>13.01.2026</a:t>
             </a:fld>
             <a:endParaRPr lang="de-CH"/>
           </a:p>
@@ -5450,6 +5683,9 @@
           <a:bodyPr/>
           <a:lstStyle/>
           <a:p>
+            <a:pPr>
+              <a:defRPr sz="2200"/>
+            </a:pPr>
             <a:endParaRPr lang="de-CH"/>
           </a:p>
         </p:txBody>
@@ -5475,6 +5711,9 @@
           <a:bodyPr/>
           <a:lstStyle/>
           <a:p>
+            <a:pPr>
+              <a:defRPr sz="2200"/>
+            </a:pPr>
             <a:fld id="{EA2E0D3E-E818-438E-981B-E98523AC6CA8}" type="slidenum">
               <a:rPr lang="de-CH" smtClean="0"/>
               <a:t>‹#›</a:t>
@@ -5534,9 +5773,12 @@
           <a:bodyPr/>
           <a:lstStyle/>
           <a:p>
+            <a:pPr>
+              <a:defRPr sz="2200"/>
+            </a:pPr>
             <a:fld id="{0CDDCF47-76FA-4B38-9020-A0E57F41036A}" type="datetimeFigureOut">
               <a:rPr lang="de-CH" smtClean="0"/>
-              <a:t>11.01.2026</a:t>
+              <a:t>13.01.2026</a:t>
             </a:fld>
             <a:endParaRPr lang="de-CH"/>
           </a:p>
@@ -5563,6 +5805,9 @@
           <a:bodyPr/>
           <a:lstStyle/>
           <a:p>
+            <a:pPr>
+              <a:defRPr sz="2200"/>
+            </a:pPr>
             <a:endParaRPr lang="de-CH"/>
           </a:p>
         </p:txBody>
@@ -5588,6 +5833,9 @@
           <a:bodyPr/>
           <a:lstStyle/>
           <a:p>
+            <a:pPr>
+              <a:defRPr sz="2200"/>
+            </a:pPr>
             <a:fld id="{EA2E0D3E-E818-438E-981B-E98523AC6CA8}" type="slidenum">
               <a:rPr lang="de-CH" smtClean="0"/>
               <a:t>‹#›</a:t>
@@ -5656,6 +5904,9 @@
             </a:lvl1pPr>
           </a:lstStyle>
           <a:p>
+            <a:pPr>
+              <a:defRPr sz="2200"/>
+            </a:pPr>
             <a:r>
               <a:rPr lang="en-US"/>
               <a:t>Click to edit Master title style</a:t>
@@ -5718,35 +5969,45 @@
             </a:lvl9pPr>
           </a:lstStyle>
           <a:p>
-            <a:pPr lvl="0"/>
+            <a:pPr lvl="0">
+              <a:defRPr sz="2200"/>
+            </a:pPr>
             <a:r>
               <a:rPr lang="en-US"/>
               <a:t>Click to edit Master text styles</a:t>
             </a:r>
           </a:p>
           <a:p>
-            <a:pPr lvl="1"/>
+            <a:pPr lvl="1">
+              <a:defRPr sz="1800"/>
+            </a:pPr>
             <a:r>
               <a:rPr lang="en-US"/>
               <a:t>Second level</a:t>
             </a:r>
           </a:p>
           <a:p>
-            <a:pPr lvl="2"/>
+            <a:pPr lvl="2">
+              <a:defRPr sz="1600"/>
+            </a:pPr>
             <a:r>
               <a:rPr lang="en-US"/>
               <a:t>Third level</a:t>
             </a:r>
           </a:p>
           <a:p>
-            <a:pPr lvl="3"/>
+            <a:pPr lvl="3">
+              <a:defRPr sz="1600"/>
+            </a:pPr>
             <a:r>
               <a:rPr lang="en-US"/>
               <a:t>Fourth level</a:t>
             </a:r>
           </a:p>
           <a:p>
-            <a:pPr lvl="4"/>
+            <a:pPr lvl="4">
+              <a:defRPr sz="1600"/>
+            </a:pPr>
             <a:r>
               <a:rPr lang="en-US"/>
               <a:t>Fifth level</a:t>
@@ -5818,7 +6079,9 @@
             </a:lvl9pPr>
           </a:lstStyle>
           <a:p>
-            <a:pPr lvl="0"/>
+            <a:pPr lvl="0">
+              <a:defRPr sz="2200"/>
+            </a:pPr>
             <a:r>
               <a:rPr lang="en-US"/>
               <a:t>Click to edit Master text styles</a:t>
@@ -5847,9 +6110,12 @@
           <a:bodyPr/>
           <a:lstStyle/>
           <a:p>
+            <a:pPr>
+              <a:defRPr sz="2200"/>
+            </a:pPr>
             <a:fld id="{0CDDCF47-76FA-4B38-9020-A0E57F41036A}" type="datetimeFigureOut">
               <a:rPr lang="de-CH" smtClean="0"/>
-              <a:t>11.01.2026</a:t>
+              <a:t>13.01.2026</a:t>
             </a:fld>
             <a:endParaRPr lang="de-CH"/>
           </a:p>
@@ -5876,6 +6142,9 @@
           <a:bodyPr/>
           <a:lstStyle/>
           <a:p>
+            <a:pPr>
+              <a:defRPr sz="2200"/>
+            </a:pPr>
             <a:endParaRPr lang="de-CH"/>
           </a:p>
         </p:txBody>
@@ -5901,6 +6170,9 @@
           <a:bodyPr/>
           <a:lstStyle/>
           <a:p>
+            <a:pPr>
+              <a:defRPr sz="2200"/>
+            </a:pPr>
             <a:fld id="{EA2E0D3E-E818-438E-981B-E98523AC6CA8}" type="slidenum">
               <a:rPr lang="de-CH" smtClean="0"/>
               <a:t>‹#›</a:t>
@@ -5969,6 +6241,9 @@
             </a:lvl1pPr>
           </a:lstStyle>
           <a:p>
+            <a:pPr>
+              <a:defRPr sz="2200"/>
+            </a:pPr>
             <a:r>
               <a:rPr lang="en-US"/>
               <a:t>Click to edit Master title style</a:t>
@@ -6040,6 +6315,9 @@
             </a:lvl9pPr>
           </a:lstStyle>
           <a:p>
+            <a:pPr>
+              <a:defRPr sz="2200"/>
+            </a:pPr>
             <a:endParaRPr lang="de-CH"/>
           </a:p>
         </p:txBody>
@@ -6107,7 +6385,9 @@
             </a:lvl9pPr>
           </a:lstStyle>
           <a:p>
-            <a:pPr lvl="0"/>
+            <a:pPr lvl="0">
+              <a:defRPr sz="2200"/>
+            </a:pPr>
             <a:r>
               <a:rPr lang="en-US"/>
               <a:t>Click to edit Master text styles</a:t>
@@ -6136,9 +6416,12 @@
           <a:bodyPr/>
           <a:lstStyle/>
           <a:p>
+            <a:pPr>
+              <a:defRPr sz="2200"/>
+            </a:pPr>
             <a:fld id="{0CDDCF47-76FA-4B38-9020-A0E57F41036A}" type="datetimeFigureOut">
               <a:rPr lang="de-CH" smtClean="0"/>
-              <a:t>11.01.2026</a:t>
+              <a:t>13.01.2026</a:t>
             </a:fld>
             <a:endParaRPr lang="de-CH"/>
           </a:p>
@@ -6165,6 +6448,9 @@
           <a:bodyPr/>
           <a:lstStyle/>
           <a:p>
+            <a:pPr>
+              <a:defRPr sz="2200"/>
+            </a:pPr>
             <a:endParaRPr lang="de-CH"/>
           </a:p>
         </p:txBody>
@@ -6190,6 +6476,9 @@
           <a:bodyPr/>
           <a:lstStyle/>
           <a:p>
+            <a:pPr>
+              <a:defRPr sz="2200"/>
+            </a:pPr>
             <a:fld id="{EA2E0D3E-E818-438E-981B-E98523AC6CA8}" type="slidenum">
               <a:rPr lang="de-CH" smtClean="0"/>
               <a:t>‹#›</a:t>
@@ -6381,7 +6670,7 @@
           <a:p>
             <a:fld id="{0CDDCF47-76FA-4B38-9020-A0E57F41036A}" type="datetimeFigureOut">
               <a:rPr lang="de-CH" smtClean="0"/>
-              <a:t>11.01.2026</a:t>
+              <a:t>13.01.2026</a:t>
             </a:fld>
             <a:endParaRPr lang="de-CH"/>
           </a:p>

--- a/doc/ai/presentation/template.pptx
+++ b/doc/ai/presentation/template.pptx
@@ -202,7 +202,7 @@
           <a:p>
             <a:fld id="{8993A166-1F31-487E-8A46-D11B4D0E59FD}" type="datetimeFigureOut">
               <a:rPr lang="de-DE" smtClean="0"/>
-              <a:t>13.01.2026</a:t>
+              <a:t>14.01.2026</a:t>
             </a:fld>
             <a:endParaRPr lang="de-DE"/>
           </a:p>
@@ -1561,7 +1561,7 @@
           </a:blip>
           <a:srcRect/>
           <a:stretch>
-            <a:fillRect/>
+            <a:fillRect t="-9000" b="-9000"/>
           </a:stretch>
         </a:blipFill>
         <a:effectLst/>
@@ -1599,15 +1599,19 @@
         </p:nvSpPr>
         <p:spPr>
           <a:xfrm>
-            <a:off x="1524000" y="1122363"/>
-            <a:ext cx="9144000" cy="2387600"/>
+            <a:off x="1524000" y="581062"/>
+            <a:ext cx="9144000" cy="772953"/>
           </a:xfrm>
         </p:spPr>
         <p:txBody>
           <a:bodyPr anchor="b"/>
           <a:lstStyle>
             <a:lvl1pPr algn="ctr">
-              <a:defRPr sz="6000"/>
+              <a:defRPr sz="6000">
+                <a:solidFill>
+                  <a:schemeClr val="bg1"/>
+                </a:solidFill>
+              </a:defRPr>
             </a:lvl1pPr>
           </a:lstStyle>
           <a:p>
@@ -1615,10 +1619,10 @@
               <a:defRPr sz="2200"/>
             </a:pPr>
             <a:r>
-              <a:rPr lang="en-US"/>
+              <a:rPr lang="en-US" dirty="0"/>
               <a:t>Click to edit Master title style</a:t>
             </a:r>
-            <a:endParaRPr lang="de-CH"/>
+            <a:endParaRPr lang="de-CH" dirty="0"/>
           </a:p>
         </p:txBody>
       </p:sp>
@@ -1640,8 +1644,8 @@
         </p:nvSpPr>
         <p:spPr>
           <a:xfrm>
-            <a:off x="1524000" y="3602038"/>
-            <a:ext cx="9144000" cy="1655762"/>
+            <a:off x="1524000" y="1501367"/>
+            <a:ext cx="9144000" cy="772953"/>
           </a:xfrm>
         </p:spPr>
         <p:txBody>
@@ -1649,7 +1653,11 @@
           <a:lstStyle>
             <a:lvl1pPr marL="0" indent="0" algn="ctr">
               <a:buNone/>
-              <a:defRPr sz="2400"/>
+              <a:defRPr sz="2400">
+                <a:solidFill>
+                  <a:schemeClr val="bg1"/>
+                </a:solidFill>
+              </a:defRPr>
             </a:lvl1pPr>
             <a:lvl2pPr marL="457200" indent="0" algn="ctr">
               <a:buNone/>
@@ -1689,10 +1697,10 @@
               <a:defRPr sz="2200"/>
             </a:pPr>
             <a:r>
-              <a:rPr lang="en-US"/>
+              <a:rPr lang="en-US" dirty="0"/>
               <a:t>Click to edit Master subtitle style</a:t>
             </a:r>
-            <a:endParaRPr lang="de-CH"/>
+            <a:endParaRPr lang="de-CH" dirty="0"/>
           </a:p>
         </p:txBody>
       </p:sp>
@@ -1715,16 +1723,27 @@
         <p:spPr/>
         <p:txBody>
           <a:bodyPr/>
-          <a:lstStyle/>
+          <a:lstStyle>
+            <a:lvl1pPr>
+              <a:defRPr>
+                <a:solidFill>
+                  <a:schemeClr val="bg1"/>
+                </a:solidFill>
+              </a:defRPr>
+            </a:lvl1pPr>
+          </a:lstStyle>
           <a:p>
             <a:pPr>
               <a:defRPr sz="2200"/>
             </a:pPr>
             <a:fld id="{0CDDCF47-76FA-4B38-9020-A0E57F41036A}" type="datetimeFigureOut">
-              <a:rPr lang="de-CH" smtClean="0"/>
-              <a:t>13.01.2026</a:t>
+              <a:rPr lang="de-CH" sz="2200" smtClean="0"/>
+              <a:pPr>
+                <a:defRPr sz="2200"/>
+              </a:pPr>
+              <a:t>14.01.2026</a:t>
             </a:fld>
-            <a:endParaRPr lang="de-CH"/>
+            <a:endParaRPr lang="de-CH" sz="2200" dirty="0"/>
           </a:p>
         </p:txBody>
       </p:sp>
@@ -1944,7 +1963,7 @@
             </a:pPr>
             <a:fld id="{0CDDCF47-76FA-4B38-9020-A0E57F41036A}" type="datetimeFigureOut">
               <a:rPr lang="de-CH" smtClean="0"/>
-              <a:t>13.01.2026</a:t>
+              <a:t>14.01.2026</a:t>
             </a:fld>
             <a:endParaRPr lang="de-CH"/>
           </a:p>
@@ -2176,7 +2195,7 @@
             </a:pPr>
             <a:fld id="{0CDDCF47-76FA-4B38-9020-A0E57F41036A}" type="datetimeFigureOut">
               <a:rPr lang="de-CH" smtClean="0"/>
-              <a:t>13.01.2026</a:t>
+              <a:t>14.01.2026</a:t>
             </a:fld>
             <a:endParaRPr lang="de-CH"/>
           </a:p>
@@ -4461,7 +4480,7 @@
             </a:pPr>
             <a:fld id="{0CDDCF47-76FA-4B38-9020-A0E57F41036A}" type="datetimeFigureOut">
               <a:rPr lang="de-CH" smtClean="0"/>
-              <a:t>13.01.2026</a:t>
+              <a:t>14.01.2026</a:t>
             </a:fld>
             <a:endParaRPr lang="de-CH"/>
           </a:p>
@@ -4751,7 +4770,7 @@
             </a:pPr>
             <a:fld id="{0CDDCF47-76FA-4B38-9020-A0E57F41036A}" type="datetimeFigureOut">
               <a:rPr lang="de-CH" smtClean="0"/>
-              <a:t>13.01.2026</a:t>
+              <a:t>14.01.2026</a:t>
             </a:fld>
             <a:endParaRPr lang="de-CH"/>
           </a:p>
@@ -5051,7 +5070,7 @@
             </a:pPr>
             <a:fld id="{0CDDCF47-76FA-4B38-9020-A0E57F41036A}" type="datetimeFigureOut">
               <a:rPr lang="de-CH" smtClean="0"/>
-              <a:t>13.01.2026</a:t>
+              <a:t>14.01.2026</a:t>
             </a:fld>
             <a:endParaRPr lang="de-CH"/>
           </a:p>
@@ -5502,7 +5521,7 @@
             </a:pPr>
             <a:fld id="{0CDDCF47-76FA-4B38-9020-A0E57F41036A}" type="datetimeFigureOut">
               <a:rPr lang="de-CH" smtClean="0"/>
-              <a:t>13.01.2026</a:t>
+              <a:t>14.01.2026</a:t>
             </a:fld>
             <a:endParaRPr lang="de-CH"/>
           </a:p>
@@ -5656,7 +5675,7 @@
             </a:pPr>
             <a:fld id="{0CDDCF47-76FA-4B38-9020-A0E57F41036A}" type="datetimeFigureOut">
               <a:rPr lang="de-CH" smtClean="0"/>
-              <a:t>13.01.2026</a:t>
+              <a:t>14.01.2026</a:t>
             </a:fld>
             <a:endParaRPr lang="de-CH"/>
           </a:p>
@@ -5778,7 +5797,7 @@
             </a:pPr>
             <a:fld id="{0CDDCF47-76FA-4B38-9020-A0E57F41036A}" type="datetimeFigureOut">
               <a:rPr lang="de-CH" smtClean="0"/>
-              <a:t>13.01.2026</a:t>
+              <a:t>14.01.2026</a:t>
             </a:fld>
             <a:endParaRPr lang="de-CH"/>
           </a:p>
@@ -6115,7 +6134,7 @@
             </a:pPr>
             <a:fld id="{0CDDCF47-76FA-4B38-9020-A0E57F41036A}" type="datetimeFigureOut">
               <a:rPr lang="de-CH" smtClean="0"/>
-              <a:t>13.01.2026</a:t>
+              <a:t>14.01.2026</a:t>
             </a:fld>
             <a:endParaRPr lang="de-CH"/>
           </a:p>
@@ -6421,7 +6440,7 @@
             </a:pPr>
             <a:fld id="{0CDDCF47-76FA-4B38-9020-A0E57F41036A}" type="datetimeFigureOut">
               <a:rPr lang="de-CH" smtClean="0"/>
-              <a:t>13.01.2026</a:t>
+              <a:t>14.01.2026</a:t>
             </a:fld>
             <a:endParaRPr lang="de-CH"/>
           </a:p>
@@ -6670,7 +6689,7 @@
           <a:p>
             <a:fld id="{0CDDCF47-76FA-4B38-9020-A0E57F41036A}" type="datetimeFigureOut">
               <a:rPr lang="de-CH" smtClean="0"/>
-              <a:t>13.01.2026</a:t>
+              <a:t>14.01.2026</a:t>
             </a:fld>
             <a:endParaRPr lang="de-CH"/>
           </a:p>
